--- a/Presentation/NOLA_Midterm_Presentation_v1.1.pptx
+++ b/Presentation/NOLA_Midterm_Presentation_v1.1.pptx
@@ -5,7 +5,7 @@
     <p:sldMasterId id="2147483704" r:id="rId1"/>
   </p:sldMasterIdLst>
   <p:notesMasterIdLst>
-    <p:notesMasterId r:id="rId22"/>
+    <p:notesMasterId r:id="rId23"/>
   </p:notesMasterIdLst>
   <p:sldIdLst>
     <p:sldId id="297" r:id="rId2"/>
@@ -16,18 +16,19 @@
     <p:sldId id="293" r:id="rId7"/>
     <p:sldId id="290" r:id="rId8"/>
     <p:sldId id="258" r:id="rId9"/>
-    <p:sldId id="298" r:id="rId10"/>
+    <p:sldId id="302" r:id="rId10"/>
     <p:sldId id="259" r:id="rId11"/>
-    <p:sldId id="279" r:id="rId12"/>
-    <p:sldId id="291" r:id="rId13"/>
-    <p:sldId id="263" r:id="rId14"/>
-    <p:sldId id="277" r:id="rId15"/>
-    <p:sldId id="299" r:id="rId16"/>
-    <p:sldId id="278" r:id="rId17"/>
-    <p:sldId id="292" r:id="rId18"/>
-    <p:sldId id="283" r:id="rId19"/>
-    <p:sldId id="300" r:id="rId20"/>
-    <p:sldId id="285" r:id="rId21"/>
+    <p:sldId id="303" r:id="rId12"/>
+    <p:sldId id="279" r:id="rId13"/>
+    <p:sldId id="305" r:id="rId14"/>
+    <p:sldId id="307" r:id="rId15"/>
+    <p:sldId id="277" r:id="rId16"/>
+    <p:sldId id="299" r:id="rId17"/>
+    <p:sldId id="278" r:id="rId18"/>
+    <p:sldId id="292" r:id="rId19"/>
+    <p:sldId id="283" r:id="rId20"/>
+    <p:sldId id="300" r:id="rId21"/>
+    <p:sldId id="285" r:id="rId22"/>
   </p:sldIdLst>
   <p:sldSz cx="12192000" cy="6858000"/>
   <p:notesSz cx="6858000" cy="9144000"/>
@@ -227,7 +228,7 @@
           <a:p>
             <a:fld id="{F61FEB83-AEC6-4B65-BE22-DCFEB6B73EEB}" type="datetimeFigureOut">
               <a:rPr lang="en-US" smtClean="0"/>
-              <a:t>3/3/17</a:t>
+              <a:t>3/3/2017</a:t>
             </a:fld>
             <a:endParaRPr lang="en-US"/>
           </a:p>
@@ -538,7 +539,11 @@
           <a:bodyPr/>
           <a:lstStyle/>
           <a:p>
-            <a:endParaRPr lang="en-US"/>
+            <a:r>
+              <a:rPr lang="en-US" dirty="0"/>
+              <a:t>Date !!!!</a:t>
+            </a:r>
+            <a:endParaRPr lang="en-IN" dirty="0"/>
           </a:p>
         </p:txBody>
       </p:sp>
@@ -559,6 +564,896 @@
           <a:p>
             <a:fld id="{17221C13-30DA-4E71-8DF4-961BA98FF8DA}" type="slidenum">
               <a:rPr lang="en-US" smtClean="0"/>
+              <a:t>1</a:t>
+            </a:fld>
+            <a:endParaRPr lang="en-US"/>
+          </a:p>
+        </p:txBody>
+      </p:sp>
+    </p:spTree>
+    <p:extLst>
+      <p:ext uri="{BB962C8B-B14F-4D97-AF65-F5344CB8AC3E}">
+        <p14:creationId xmlns:p14="http://schemas.microsoft.com/office/powerpoint/2010/main" val="1498617269"/>
+      </p:ext>
+    </p:extLst>
+  </p:cSld>
+  <p:clrMapOvr>
+    <a:masterClrMapping/>
+  </p:clrMapOvr>
+</p:notes>
+</file>
+
+<file path=ppt/notesSlides/notesSlide10.xml><?xml version="1.0" encoding="utf-8"?>
+<p:notes xmlns:a="http://schemas.openxmlformats.org/drawingml/2006/main" xmlns:r="http://schemas.openxmlformats.org/officeDocument/2006/relationships" xmlns:p="http://schemas.openxmlformats.org/presentationml/2006/main">
+  <p:cSld>
+    <p:spTree>
+      <p:nvGrpSpPr>
+        <p:cNvPr id="1" name=""/>
+        <p:cNvGrpSpPr/>
+        <p:nvPr/>
+      </p:nvGrpSpPr>
+      <p:grpSpPr>
+        <a:xfrm>
+          <a:off x="0" y="0"/>
+          <a:ext cx="0" cy="0"/>
+          <a:chOff x="0" y="0"/>
+          <a:chExt cx="0" cy="0"/>
+        </a:xfrm>
+      </p:grpSpPr>
+      <p:sp>
+        <p:nvSpPr>
+          <p:cNvPr id="2" name="Slide Image Placeholder 1"/>
+          <p:cNvSpPr>
+            <a:spLocks noGrp="1" noRot="1" noChangeAspect="1"/>
+          </p:cNvSpPr>
+          <p:nvPr>
+            <p:ph type="sldImg"/>
+          </p:nvPr>
+        </p:nvSpPr>
+        <p:spPr/>
+      </p:sp>
+      <p:sp>
+        <p:nvSpPr>
+          <p:cNvPr id="3" name="Notes Placeholder 2"/>
+          <p:cNvSpPr>
+            <a:spLocks noGrp="1"/>
+          </p:cNvSpPr>
+          <p:nvPr>
+            <p:ph type="body" idx="1"/>
+          </p:nvPr>
+        </p:nvSpPr>
+        <p:spPr/>
+        <p:txBody>
+          <a:bodyPr/>
+          <a:lstStyle/>
+          <a:p>
+            <a:r>
+              <a:rPr lang="en-US" dirty="0"/>
+              <a:t>Mention key findings next to</a:t>
+            </a:r>
+            <a:r>
+              <a:rPr lang="en-US" baseline="0" dirty="0"/>
+              <a:t> graphs for SNS and  </a:t>
+            </a:r>
+            <a:r>
+              <a:rPr lang="en-US" baseline="0" dirty="0" err="1"/>
+              <a:t>QoL</a:t>
+            </a:r>
+            <a:endParaRPr lang="en-IN" dirty="0"/>
+          </a:p>
+        </p:txBody>
+      </p:sp>
+      <p:sp>
+        <p:nvSpPr>
+          <p:cNvPr id="4" name="Slide Number Placeholder 3"/>
+          <p:cNvSpPr>
+            <a:spLocks noGrp="1"/>
+          </p:cNvSpPr>
+          <p:nvPr>
+            <p:ph type="sldNum" sz="quarter" idx="10"/>
+          </p:nvPr>
+        </p:nvSpPr>
+        <p:spPr/>
+        <p:txBody>
+          <a:bodyPr/>
+          <a:lstStyle/>
+          <a:p>
+            <a:fld id="{17221C13-30DA-4E71-8DF4-961BA98FF8DA}" type="slidenum">
+              <a:rPr lang="en-US" smtClean="0"/>
+              <a:t>11</a:t>
+            </a:fld>
+            <a:endParaRPr lang="en-US"/>
+          </a:p>
+        </p:txBody>
+      </p:sp>
+    </p:spTree>
+    <p:extLst>
+      <p:ext uri="{BB962C8B-B14F-4D97-AF65-F5344CB8AC3E}">
+        <p14:creationId xmlns:p14="http://schemas.microsoft.com/office/powerpoint/2010/main" val="4187516779"/>
+      </p:ext>
+    </p:extLst>
+  </p:cSld>
+  <p:clrMapOvr>
+    <a:masterClrMapping/>
+  </p:clrMapOvr>
+</p:notes>
+</file>
+
+<file path=ppt/notesSlides/notesSlide11.xml><?xml version="1.0" encoding="utf-8"?>
+<p:notes xmlns:a="http://schemas.openxmlformats.org/drawingml/2006/main" xmlns:r="http://schemas.openxmlformats.org/officeDocument/2006/relationships" xmlns:p="http://schemas.openxmlformats.org/presentationml/2006/main">
+  <p:cSld>
+    <p:spTree>
+      <p:nvGrpSpPr>
+        <p:cNvPr id="1" name=""/>
+        <p:cNvGrpSpPr/>
+        <p:nvPr/>
+      </p:nvGrpSpPr>
+      <p:grpSpPr>
+        <a:xfrm>
+          <a:off x="0" y="0"/>
+          <a:ext cx="0" cy="0"/>
+          <a:chOff x="0" y="0"/>
+          <a:chExt cx="0" cy="0"/>
+        </a:xfrm>
+      </p:grpSpPr>
+      <p:sp>
+        <p:nvSpPr>
+          <p:cNvPr id="2" name="Slide Image Placeholder 1"/>
+          <p:cNvSpPr>
+            <a:spLocks noGrp="1" noRot="1" noChangeAspect="1"/>
+          </p:cNvSpPr>
+          <p:nvPr>
+            <p:ph type="sldImg"/>
+          </p:nvPr>
+        </p:nvSpPr>
+        <p:spPr/>
+      </p:sp>
+      <p:sp>
+        <p:nvSpPr>
+          <p:cNvPr id="3" name="Notes Placeholder 2"/>
+          <p:cNvSpPr>
+            <a:spLocks noGrp="1"/>
+          </p:cNvSpPr>
+          <p:nvPr>
+            <p:ph type="body" idx="1"/>
+          </p:nvPr>
+        </p:nvSpPr>
+        <p:spPr/>
+        <p:txBody>
+          <a:bodyPr/>
+          <a:lstStyle/>
+          <a:p>
+            <a:endParaRPr lang="en-IN" dirty="0"/>
+          </a:p>
+        </p:txBody>
+      </p:sp>
+      <p:sp>
+        <p:nvSpPr>
+          <p:cNvPr id="4" name="Slide Number Placeholder 3"/>
+          <p:cNvSpPr>
+            <a:spLocks noGrp="1"/>
+          </p:cNvSpPr>
+          <p:nvPr>
+            <p:ph type="sldNum" sz="quarter" idx="10"/>
+          </p:nvPr>
+        </p:nvSpPr>
+        <p:spPr/>
+        <p:txBody>
+          <a:bodyPr/>
+          <a:lstStyle/>
+          <a:p>
+            <a:fld id="{17221C13-30DA-4E71-8DF4-961BA98FF8DA}" type="slidenum">
+              <a:rPr lang="en-US" smtClean="0"/>
+              <a:t>13</a:t>
+            </a:fld>
+            <a:endParaRPr lang="en-US"/>
+          </a:p>
+        </p:txBody>
+      </p:sp>
+    </p:spTree>
+    <p:extLst>
+      <p:ext uri="{BB962C8B-B14F-4D97-AF65-F5344CB8AC3E}">
+        <p14:creationId xmlns:p14="http://schemas.microsoft.com/office/powerpoint/2010/main" val="3958975437"/>
+      </p:ext>
+    </p:extLst>
+  </p:cSld>
+  <p:clrMapOvr>
+    <a:masterClrMapping/>
+  </p:clrMapOvr>
+</p:notes>
+</file>
+
+<file path=ppt/notesSlides/notesSlide12.xml><?xml version="1.0" encoding="utf-8"?>
+<p:notes xmlns:a="http://schemas.openxmlformats.org/drawingml/2006/main" xmlns:r="http://schemas.openxmlformats.org/officeDocument/2006/relationships" xmlns:p="http://schemas.openxmlformats.org/presentationml/2006/main">
+  <p:cSld>
+    <p:spTree>
+      <p:nvGrpSpPr>
+        <p:cNvPr id="1" name=""/>
+        <p:cNvGrpSpPr/>
+        <p:nvPr/>
+      </p:nvGrpSpPr>
+      <p:grpSpPr>
+        <a:xfrm>
+          <a:off x="0" y="0"/>
+          <a:ext cx="0" cy="0"/>
+          <a:chOff x="0" y="0"/>
+          <a:chExt cx="0" cy="0"/>
+        </a:xfrm>
+      </p:grpSpPr>
+      <p:sp>
+        <p:nvSpPr>
+          <p:cNvPr id="2" name="Slide Image Placeholder 1"/>
+          <p:cNvSpPr>
+            <a:spLocks noGrp="1" noRot="1" noChangeAspect="1"/>
+          </p:cNvSpPr>
+          <p:nvPr>
+            <p:ph type="sldImg"/>
+          </p:nvPr>
+        </p:nvSpPr>
+        <p:spPr/>
+      </p:sp>
+      <p:sp>
+        <p:nvSpPr>
+          <p:cNvPr id="3" name="Notes Placeholder 2"/>
+          <p:cNvSpPr>
+            <a:spLocks noGrp="1"/>
+          </p:cNvSpPr>
+          <p:nvPr>
+            <p:ph type="body" idx="1"/>
+          </p:nvPr>
+        </p:nvSpPr>
+        <p:spPr/>
+        <p:txBody>
+          <a:bodyPr/>
+          <a:lstStyle/>
+          <a:p>
+            <a:r>
+              <a:rPr lang="en-US" dirty="0"/>
+              <a:t>Highlight results</a:t>
+            </a:r>
+            <a:endParaRPr lang="en-IN" dirty="0"/>
+          </a:p>
+        </p:txBody>
+      </p:sp>
+      <p:sp>
+        <p:nvSpPr>
+          <p:cNvPr id="4" name="Slide Number Placeholder 3"/>
+          <p:cNvSpPr>
+            <a:spLocks noGrp="1"/>
+          </p:cNvSpPr>
+          <p:nvPr>
+            <p:ph type="sldNum" sz="quarter" idx="10"/>
+          </p:nvPr>
+        </p:nvSpPr>
+        <p:spPr/>
+        <p:txBody>
+          <a:bodyPr/>
+          <a:lstStyle/>
+          <a:p>
+            <a:fld id="{17221C13-30DA-4E71-8DF4-961BA98FF8DA}" type="slidenum">
+              <a:rPr lang="en-US" smtClean="0"/>
+              <a:t>14</a:t>
+            </a:fld>
+            <a:endParaRPr lang="en-US"/>
+          </a:p>
+        </p:txBody>
+      </p:sp>
+    </p:spTree>
+    <p:extLst>
+      <p:ext uri="{BB962C8B-B14F-4D97-AF65-F5344CB8AC3E}">
+        <p14:creationId xmlns:p14="http://schemas.microsoft.com/office/powerpoint/2010/main" val="281821263"/>
+      </p:ext>
+    </p:extLst>
+  </p:cSld>
+  <p:clrMapOvr>
+    <a:masterClrMapping/>
+  </p:clrMapOvr>
+</p:notes>
+</file>
+
+<file path=ppt/notesSlides/notesSlide13.xml><?xml version="1.0" encoding="utf-8"?>
+<p:notes xmlns:a="http://schemas.openxmlformats.org/drawingml/2006/main" xmlns:r="http://schemas.openxmlformats.org/officeDocument/2006/relationships" xmlns:p="http://schemas.openxmlformats.org/presentationml/2006/main">
+  <p:cSld>
+    <p:spTree>
+      <p:nvGrpSpPr>
+        <p:cNvPr id="1" name=""/>
+        <p:cNvGrpSpPr/>
+        <p:nvPr/>
+      </p:nvGrpSpPr>
+      <p:grpSpPr>
+        <a:xfrm>
+          <a:off x="0" y="0"/>
+          <a:ext cx="0" cy="0"/>
+          <a:chOff x="0" y="0"/>
+          <a:chExt cx="0" cy="0"/>
+        </a:xfrm>
+      </p:grpSpPr>
+      <p:sp>
+        <p:nvSpPr>
+          <p:cNvPr id="2" name="Slide Image Placeholder 1"/>
+          <p:cNvSpPr>
+            <a:spLocks noGrp="1" noRot="1" noChangeAspect="1"/>
+          </p:cNvSpPr>
+          <p:nvPr>
+            <p:ph type="sldImg"/>
+          </p:nvPr>
+        </p:nvSpPr>
+        <p:spPr/>
+      </p:sp>
+      <p:sp>
+        <p:nvSpPr>
+          <p:cNvPr id="3" name="Notes Placeholder 2"/>
+          <p:cNvSpPr>
+            <a:spLocks noGrp="1"/>
+          </p:cNvSpPr>
+          <p:nvPr>
+            <p:ph type="body" idx="1"/>
+          </p:nvPr>
+        </p:nvSpPr>
+        <p:spPr/>
+        <p:txBody>
+          <a:bodyPr/>
+          <a:lstStyle/>
+          <a:p>
+            <a:endParaRPr lang="en-IN" dirty="0"/>
+          </a:p>
+        </p:txBody>
+      </p:sp>
+      <p:sp>
+        <p:nvSpPr>
+          <p:cNvPr id="4" name="Slide Number Placeholder 3"/>
+          <p:cNvSpPr>
+            <a:spLocks noGrp="1"/>
+          </p:cNvSpPr>
+          <p:nvPr>
+            <p:ph type="sldNum" sz="quarter" idx="10"/>
+          </p:nvPr>
+        </p:nvSpPr>
+        <p:spPr/>
+        <p:txBody>
+          <a:bodyPr/>
+          <a:lstStyle/>
+          <a:p>
+            <a:fld id="{17221C13-30DA-4E71-8DF4-961BA98FF8DA}" type="slidenum">
+              <a:rPr lang="en-US" smtClean="0"/>
+              <a:t>15</a:t>
+            </a:fld>
+            <a:endParaRPr lang="en-US"/>
+          </a:p>
+        </p:txBody>
+      </p:sp>
+    </p:spTree>
+    <p:extLst>
+      <p:ext uri="{BB962C8B-B14F-4D97-AF65-F5344CB8AC3E}">
+        <p14:creationId xmlns:p14="http://schemas.microsoft.com/office/powerpoint/2010/main" val="822788397"/>
+      </p:ext>
+    </p:extLst>
+  </p:cSld>
+  <p:clrMapOvr>
+    <a:masterClrMapping/>
+  </p:clrMapOvr>
+</p:notes>
+</file>
+
+<file path=ppt/notesSlides/notesSlide14.xml><?xml version="1.0" encoding="utf-8"?>
+<p:notes xmlns:a="http://schemas.openxmlformats.org/drawingml/2006/main" xmlns:r="http://schemas.openxmlformats.org/officeDocument/2006/relationships" xmlns:p="http://schemas.openxmlformats.org/presentationml/2006/main">
+  <p:cSld>
+    <p:spTree>
+      <p:nvGrpSpPr>
+        <p:cNvPr id="1" name=""/>
+        <p:cNvGrpSpPr/>
+        <p:nvPr/>
+      </p:nvGrpSpPr>
+      <p:grpSpPr>
+        <a:xfrm>
+          <a:off x="0" y="0"/>
+          <a:ext cx="0" cy="0"/>
+          <a:chOff x="0" y="0"/>
+          <a:chExt cx="0" cy="0"/>
+        </a:xfrm>
+      </p:grpSpPr>
+      <p:sp>
+        <p:nvSpPr>
+          <p:cNvPr id="2" name="Slide Image Placeholder 1"/>
+          <p:cNvSpPr>
+            <a:spLocks noGrp="1" noRot="1" noChangeAspect="1"/>
+          </p:cNvSpPr>
+          <p:nvPr>
+            <p:ph type="sldImg"/>
+          </p:nvPr>
+        </p:nvSpPr>
+        <p:spPr/>
+      </p:sp>
+      <p:sp>
+        <p:nvSpPr>
+          <p:cNvPr id="3" name="Notes Placeholder 2"/>
+          <p:cNvSpPr>
+            <a:spLocks noGrp="1"/>
+          </p:cNvSpPr>
+          <p:nvPr>
+            <p:ph type="body" idx="1"/>
+          </p:nvPr>
+        </p:nvSpPr>
+        <p:spPr/>
+        <p:txBody>
+          <a:bodyPr/>
+          <a:lstStyle/>
+          <a:p>
+            <a:pPr marL="0" marR="0" lvl="0" indent="0" algn="l" defTabSz="914400" rtl="0" eaLnBrk="1" fontAlgn="auto" latinLnBrk="0" hangingPunct="1">
+              <a:lnSpc>
+                <a:spcPct val="100000"/>
+              </a:lnSpc>
+              <a:spcBef>
+                <a:spcPts val="0"/>
+              </a:spcBef>
+              <a:spcAft>
+                <a:spcPts val="0"/>
+              </a:spcAft>
+              <a:buClrTx/>
+              <a:buSzTx/>
+              <a:buFontTx/>
+              <a:buNone/>
+              <a:tabLst/>
+              <a:defRPr/>
+            </a:pPr>
+            <a:r>
+              <a:rPr lang="en-US" dirty="0"/>
+              <a:t>Limited Data – as we have one in on granular</a:t>
+            </a:r>
+            <a:r>
+              <a:rPr lang="en-US" baseline="0" dirty="0"/>
+              <a:t> level of beats, we might be having large SE</a:t>
+            </a:r>
+            <a:endParaRPr lang="en-IN" dirty="0"/>
+          </a:p>
+          <a:p>
+            <a:endParaRPr lang="en-US" dirty="0"/>
+          </a:p>
+          <a:p>
+            <a:endParaRPr lang="en-US" dirty="0"/>
+          </a:p>
+          <a:p>
+            <a:pPr marL="0" marR="0" lvl="0" indent="0" algn="l" defTabSz="914400" rtl="0" eaLnBrk="1" fontAlgn="auto" latinLnBrk="0" hangingPunct="1">
+              <a:lnSpc>
+                <a:spcPct val="100000"/>
+              </a:lnSpc>
+              <a:spcBef>
+                <a:spcPts val="0"/>
+              </a:spcBef>
+              <a:spcAft>
+                <a:spcPts val="0"/>
+              </a:spcAft>
+              <a:buClrTx/>
+              <a:buSzTx/>
+              <a:buFontTx/>
+              <a:buNone/>
+              <a:tabLst/>
+              <a:defRPr/>
+            </a:pPr>
+            <a:r>
+              <a:rPr lang="en-US" altLang="zh-CN" sz="1200" dirty="0">
+                <a:solidFill>
+                  <a:schemeClr val="bg1"/>
+                </a:solidFill>
+              </a:rPr>
+              <a:t>Insufficient</a:t>
+            </a:r>
+            <a:r>
+              <a:rPr lang="zh-CN" altLang="en-US" sz="1200" dirty="0">
+                <a:solidFill>
+                  <a:schemeClr val="bg1"/>
+                </a:solidFill>
+              </a:rPr>
+              <a:t> </a:t>
+            </a:r>
+            <a:r>
+              <a:rPr lang="en-US" altLang="zh-CN" sz="1200" dirty="0">
+                <a:solidFill>
+                  <a:schemeClr val="bg1"/>
+                </a:solidFill>
+              </a:rPr>
+              <a:t>beat</a:t>
+            </a:r>
+            <a:r>
+              <a:rPr lang="zh-CN" altLang="en-US" sz="1200" dirty="0">
+                <a:solidFill>
+                  <a:schemeClr val="bg1"/>
+                </a:solidFill>
+              </a:rPr>
+              <a:t> </a:t>
+            </a:r>
+            <a:r>
+              <a:rPr lang="en-US" altLang="zh-CN" sz="1200" dirty="0">
+                <a:solidFill>
+                  <a:schemeClr val="bg1"/>
+                </a:solidFill>
+              </a:rPr>
+              <a:t>data</a:t>
+            </a:r>
+            <a:r>
+              <a:rPr lang="zh-CN" altLang="en-US" sz="1200" dirty="0">
+                <a:solidFill>
+                  <a:schemeClr val="bg1"/>
+                </a:solidFill>
+              </a:rPr>
+              <a:t> </a:t>
+            </a:r>
+            <a:r>
+              <a:rPr lang="en-US" altLang="zh-CN" sz="1200" dirty="0">
+                <a:solidFill>
+                  <a:schemeClr val="bg1"/>
+                </a:solidFill>
+              </a:rPr>
+              <a:t>for</a:t>
+            </a:r>
+            <a:r>
+              <a:rPr lang="zh-CN" altLang="en-US" sz="1200" dirty="0">
+                <a:solidFill>
+                  <a:schemeClr val="bg1"/>
+                </a:solidFill>
+              </a:rPr>
+              <a:t> </a:t>
+            </a:r>
+            <a:r>
+              <a:rPr lang="en-US" altLang="zh-CN" sz="1200" dirty="0">
+                <a:solidFill>
+                  <a:schemeClr val="bg1"/>
+                </a:solidFill>
+              </a:rPr>
+              <a:t>low</a:t>
+            </a:r>
+            <a:r>
+              <a:rPr lang="zh-CN" altLang="en-US" sz="1200" dirty="0">
+                <a:solidFill>
+                  <a:schemeClr val="bg1"/>
+                </a:solidFill>
+              </a:rPr>
+              <a:t> </a:t>
+            </a:r>
+            <a:r>
+              <a:rPr lang="en-US" altLang="zh-CN" sz="1200" dirty="0">
+                <a:solidFill>
+                  <a:schemeClr val="bg1"/>
+                </a:solidFill>
+              </a:rPr>
+              <a:t>level</a:t>
+            </a:r>
+            <a:r>
+              <a:rPr lang="zh-CN" altLang="en-US" sz="1200" dirty="0">
+                <a:solidFill>
+                  <a:schemeClr val="bg1"/>
+                </a:solidFill>
+              </a:rPr>
+              <a:t> </a:t>
+            </a:r>
+            <a:r>
+              <a:rPr lang="en-US" altLang="zh-CN" sz="1200" dirty="0">
+                <a:solidFill>
+                  <a:schemeClr val="bg1"/>
+                </a:solidFill>
+              </a:rPr>
+              <a:t>location</a:t>
+            </a:r>
+            <a:r>
+              <a:rPr lang="zh-CN" altLang="en-US" sz="1200" dirty="0">
+                <a:solidFill>
+                  <a:schemeClr val="bg1"/>
+                </a:solidFill>
+              </a:rPr>
+              <a:t> </a:t>
+            </a:r>
+            <a:r>
+              <a:rPr lang="en-US" altLang="zh-CN" sz="1200" dirty="0">
+                <a:solidFill>
+                  <a:schemeClr val="bg1"/>
+                </a:solidFill>
+              </a:rPr>
+              <a:t>based</a:t>
+            </a:r>
+            <a:r>
+              <a:rPr lang="zh-CN" altLang="en-US" sz="1200" dirty="0">
+                <a:solidFill>
+                  <a:schemeClr val="bg1"/>
+                </a:solidFill>
+              </a:rPr>
+              <a:t> </a:t>
+            </a:r>
+            <a:r>
+              <a:rPr lang="en-US" altLang="zh-CN" sz="1200" dirty="0">
+                <a:solidFill>
+                  <a:schemeClr val="bg1"/>
+                </a:solidFill>
+              </a:rPr>
+              <a:t>analysis</a:t>
+            </a:r>
+            <a:endParaRPr lang="en-US" sz="1200" dirty="0">
+              <a:solidFill>
+                <a:schemeClr val="bg1"/>
+              </a:solidFill>
+            </a:endParaRPr>
+          </a:p>
+          <a:p>
+            <a:endParaRPr lang="en-IN" dirty="0"/>
+          </a:p>
+        </p:txBody>
+      </p:sp>
+      <p:sp>
+        <p:nvSpPr>
+          <p:cNvPr id="4" name="Slide Number Placeholder 3"/>
+          <p:cNvSpPr>
+            <a:spLocks noGrp="1"/>
+          </p:cNvSpPr>
+          <p:nvPr>
+            <p:ph type="sldNum" sz="quarter" idx="10"/>
+          </p:nvPr>
+        </p:nvSpPr>
+        <p:spPr/>
+        <p:txBody>
+          <a:bodyPr/>
+          <a:lstStyle/>
+          <a:p>
+            <a:fld id="{17221C13-30DA-4E71-8DF4-961BA98FF8DA}" type="slidenum">
+              <a:rPr lang="en-US" smtClean="0"/>
+              <a:t>16</a:t>
+            </a:fld>
+            <a:endParaRPr lang="en-US"/>
+          </a:p>
+        </p:txBody>
+      </p:sp>
+    </p:spTree>
+    <p:extLst>
+      <p:ext uri="{BB962C8B-B14F-4D97-AF65-F5344CB8AC3E}">
+        <p14:creationId xmlns:p14="http://schemas.microsoft.com/office/powerpoint/2010/main" val="2698421400"/>
+      </p:ext>
+    </p:extLst>
+  </p:cSld>
+  <p:clrMapOvr>
+    <a:masterClrMapping/>
+  </p:clrMapOvr>
+</p:notes>
+</file>
+
+<file path=ppt/notesSlides/notesSlide15.xml><?xml version="1.0" encoding="utf-8"?>
+<p:notes xmlns:a="http://schemas.openxmlformats.org/drawingml/2006/main" xmlns:r="http://schemas.openxmlformats.org/officeDocument/2006/relationships" xmlns:p="http://schemas.openxmlformats.org/presentationml/2006/main">
+  <p:cSld>
+    <p:spTree>
+      <p:nvGrpSpPr>
+        <p:cNvPr id="1" name=""/>
+        <p:cNvGrpSpPr/>
+        <p:nvPr/>
+      </p:nvGrpSpPr>
+      <p:grpSpPr>
+        <a:xfrm>
+          <a:off x="0" y="0"/>
+          <a:ext cx="0" cy="0"/>
+          <a:chOff x="0" y="0"/>
+          <a:chExt cx="0" cy="0"/>
+        </a:xfrm>
+      </p:grpSpPr>
+      <p:sp>
+        <p:nvSpPr>
+          <p:cNvPr id="2" name="Slide Image Placeholder 1"/>
+          <p:cNvSpPr>
+            <a:spLocks noGrp="1" noRot="1" noChangeAspect="1"/>
+          </p:cNvSpPr>
+          <p:nvPr>
+            <p:ph type="sldImg"/>
+          </p:nvPr>
+        </p:nvSpPr>
+        <p:spPr/>
+      </p:sp>
+      <p:sp>
+        <p:nvSpPr>
+          <p:cNvPr id="3" name="Notes Placeholder 2"/>
+          <p:cNvSpPr>
+            <a:spLocks noGrp="1"/>
+          </p:cNvSpPr>
+          <p:nvPr>
+            <p:ph type="body" idx="1"/>
+          </p:nvPr>
+        </p:nvSpPr>
+        <p:spPr/>
+        <p:txBody>
+          <a:bodyPr/>
+          <a:lstStyle/>
+          <a:p>
+            <a:r>
+              <a:rPr lang="en-US" dirty="0"/>
+              <a:t>Mention recommendations thus far such as improving data collection </a:t>
+            </a:r>
+            <a:r>
+              <a:rPr lang="en-US" dirty="0" err="1"/>
+              <a:t>etc</a:t>
+            </a:r>
+            <a:endParaRPr lang="en-IN" dirty="0"/>
+          </a:p>
+        </p:txBody>
+      </p:sp>
+      <p:sp>
+        <p:nvSpPr>
+          <p:cNvPr id="4" name="Slide Number Placeholder 3"/>
+          <p:cNvSpPr>
+            <a:spLocks noGrp="1"/>
+          </p:cNvSpPr>
+          <p:nvPr>
+            <p:ph type="sldNum" sz="quarter" idx="10"/>
+          </p:nvPr>
+        </p:nvSpPr>
+        <p:spPr/>
+        <p:txBody>
+          <a:bodyPr/>
+          <a:lstStyle/>
+          <a:p>
+            <a:fld id="{17221C13-30DA-4E71-8DF4-961BA98FF8DA}" type="slidenum">
+              <a:rPr lang="en-US" smtClean="0"/>
+              <a:t>17</a:t>
+            </a:fld>
+            <a:endParaRPr lang="en-US"/>
+          </a:p>
+        </p:txBody>
+      </p:sp>
+    </p:spTree>
+    <p:extLst>
+      <p:ext uri="{BB962C8B-B14F-4D97-AF65-F5344CB8AC3E}">
+        <p14:creationId xmlns:p14="http://schemas.microsoft.com/office/powerpoint/2010/main" val="2926241758"/>
+      </p:ext>
+    </p:extLst>
+  </p:cSld>
+  <p:clrMapOvr>
+    <a:masterClrMapping/>
+  </p:clrMapOvr>
+</p:notes>
+</file>
+
+<file path=ppt/notesSlides/notesSlide16.xml><?xml version="1.0" encoding="utf-8"?>
+<p:notes xmlns:a="http://schemas.openxmlformats.org/drawingml/2006/main" xmlns:r="http://schemas.openxmlformats.org/officeDocument/2006/relationships" xmlns:p="http://schemas.openxmlformats.org/presentationml/2006/main">
+  <p:cSld>
+    <p:spTree>
+      <p:nvGrpSpPr>
+        <p:cNvPr id="1" name=""/>
+        <p:cNvGrpSpPr/>
+        <p:nvPr/>
+      </p:nvGrpSpPr>
+      <p:grpSpPr>
+        <a:xfrm>
+          <a:off x="0" y="0"/>
+          <a:ext cx="0" cy="0"/>
+          <a:chOff x="0" y="0"/>
+          <a:chExt cx="0" cy="0"/>
+        </a:xfrm>
+      </p:grpSpPr>
+      <p:sp>
+        <p:nvSpPr>
+          <p:cNvPr id="2" name="Slide Image Placeholder 1"/>
+          <p:cNvSpPr>
+            <a:spLocks noGrp="1" noRot="1" noChangeAspect="1"/>
+          </p:cNvSpPr>
+          <p:nvPr>
+            <p:ph type="sldImg"/>
+          </p:nvPr>
+        </p:nvSpPr>
+        <p:spPr/>
+      </p:sp>
+      <p:sp>
+        <p:nvSpPr>
+          <p:cNvPr id="3" name="Notes Placeholder 2"/>
+          <p:cNvSpPr>
+            <a:spLocks noGrp="1"/>
+          </p:cNvSpPr>
+          <p:nvPr>
+            <p:ph type="body" idx="1"/>
+          </p:nvPr>
+        </p:nvSpPr>
+        <p:spPr/>
+        <p:txBody>
+          <a:bodyPr/>
+          <a:lstStyle/>
+          <a:p>
+            <a:endParaRPr lang="en-IN" dirty="0"/>
+          </a:p>
+        </p:txBody>
+      </p:sp>
+      <p:sp>
+        <p:nvSpPr>
+          <p:cNvPr id="4" name="Slide Number Placeholder 3"/>
+          <p:cNvSpPr>
+            <a:spLocks noGrp="1"/>
+          </p:cNvSpPr>
+          <p:nvPr>
+            <p:ph type="sldNum" sz="quarter" idx="10"/>
+          </p:nvPr>
+        </p:nvSpPr>
+        <p:spPr/>
+        <p:txBody>
+          <a:bodyPr/>
+          <a:lstStyle/>
+          <a:p>
+            <a:fld id="{17221C13-30DA-4E71-8DF4-961BA98FF8DA}" type="slidenum">
+              <a:rPr lang="en-US" smtClean="0"/>
+              <a:t>19</a:t>
+            </a:fld>
+            <a:endParaRPr lang="en-US"/>
+          </a:p>
+        </p:txBody>
+      </p:sp>
+    </p:spTree>
+    <p:extLst>
+      <p:ext uri="{BB962C8B-B14F-4D97-AF65-F5344CB8AC3E}">
+        <p14:creationId xmlns:p14="http://schemas.microsoft.com/office/powerpoint/2010/main" val="2370076311"/>
+      </p:ext>
+    </p:extLst>
+  </p:cSld>
+  <p:clrMapOvr>
+    <a:masterClrMapping/>
+  </p:clrMapOvr>
+</p:notes>
+</file>
+
+<file path=ppt/notesSlides/notesSlide2.xml><?xml version="1.0" encoding="utf-8"?>
+<p:notes xmlns:a="http://schemas.openxmlformats.org/drawingml/2006/main" xmlns:r="http://schemas.openxmlformats.org/officeDocument/2006/relationships" xmlns:p="http://schemas.openxmlformats.org/presentationml/2006/main">
+  <p:cSld>
+    <p:spTree>
+      <p:nvGrpSpPr>
+        <p:cNvPr id="1" name=""/>
+        <p:cNvGrpSpPr/>
+        <p:nvPr/>
+      </p:nvGrpSpPr>
+      <p:grpSpPr>
+        <a:xfrm>
+          <a:off x="0" y="0"/>
+          <a:ext cx="0" cy="0"/>
+          <a:chOff x="0" y="0"/>
+          <a:chExt cx="0" cy="0"/>
+        </a:xfrm>
+      </p:grpSpPr>
+      <p:sp>
+        <p:nvSpPr>
+          <p:cNvPr id="2" name="Slide Image Placeholder 1"/>
+          <p:cNvSpPr>
+            <a:spLocks noGrp="1" noRot="1" noChangeAspect="1"/>
+          </p:cNvSpPr>
+          <p:nvPr>
+            <p:ph type="sldImg"/>
+          </p:nvPr>
+        </p:nvSpPr>
+        <p:spPr/>
+      </p:sp>
+      <p:sp>
+        <p:nvSpPr>
+          <p:cNvPr id="3" name="Notes Placeholder 2"/>
+          <p:cNvSpPr>
+            <a:spLocks noGrp="1"/>
+          </p:cNvSpPr>
+          <p:nvPr>
+            <p:ph type="body" idx="1"/>
+          </p:nvPr>
+        </p:nvSpPr>
+        <p:spPr/>
+        <p:txBody>
+          <a:bodyPr/>
+          <a:lstStyle/>
+          <a:p>
+            <a:endParaRPr lang="en-US"/>
+          </a:p>
+        </p:txBody>
+      </p:sp>
+      <p:sp>
+        <p:nvSpPr>
+          <p:cNvPr id="4" name="Slide Number Placeholder 3"/>
+          <p:cNvSpPr>
+            <a:spLocks noGrp="1"/>
+          </p:cNvSpPr>
+          <p:nvPr>
+            <p:ph type="sldNum" sz="quarter" idx="10"/>
+          </p:nvPr>
+        </p:nvSpPr>
+        <p:spPr/>
+        <p:txBody>
+          <a:bodyPr/>
+          <a:lstStyle/>
+          <a:p>
+            <a:fld id="{17221C13-30DA-4E71-8DF4-961BA98FF8DA}" type="slidenum">
+              <a:rPr lang="en-US" smtClean="0"/>
               <a:t>2</a:t>
             </a:fld>
             <a:endParaRPr lang="en-US"/>
@@ -569,6 +1464,707 @@
     <p:extLst>
       <p:ext uri="{BB962C8B-B14F-4D97-AF65-F5344CB8AC3E}">
         <p14:creationId xmlns:p14="http://schemas.microsoft.com/office/powerpoint/2010/main" val="1011905388"/>
+      </p:ext>
+    </p:extLst>
+  </p:cSld>
+  <p:clrMapOvr>
+    <a:masterClrMapping/>
+  </p:clrMapOvr>
+</p:notes>
+</file>
+
+<file path=ppt/notesSlides/notesSlide3.xml><?xml version="1.0" encoding="utf-8"?>
+<p:notes xmlns:a="http://schemas.openxmlformats.org/drawingml/2006/main" xmlns:r="http://schemas.openxmlformats.org/officeDocument/2006/relationships" xmlns:p="http://schemas.openxmlformats.org/presentationml/2006/main">
+  <p:cSld>
+    <p:spTree>
+      <p:nvGrpSpPr>
+        <p:cNvPr id="1" name=""/>
+        <p:cNvGrpSpPr/>
+        <p:nvPr/>
+      </p:nvGrpSpPr>
+      <p:grpSpPr>
+        <a:xfrm>
+          <a:off x="0" y="0"/>
+          <a:ext cx="0" cy="0"/>
+          <a:chOff x="0" y="0"/>
+          <a:chExt cx="0" cy="0"/>
+        </a:xfrm>
+      </p:grpSpPr>
+      <p:sp>
+        <p:nvSpPr>
+          <p:cNvPr id="2" name="Slide Image Placeholder 1"/>
+          <p:cNvSpPr>
+            <a:spLocks noGrp="1" noRot="1" noChangeAspect="1"/>
+          </p:cNvSpPr>
+          <p:nvPr>
+            <p:ph type="sldImg"/>
+          </p:nvPr>
+        </p:nvSpPr>
+        <p:spPr/>
+      </p:sp>
+      <p:sp>
+        <p:nvSpPr>
+          <p:cNvPr id="3" name="Notes Placeholder 2"/>
+          <p:cNvSpPr>
+            <a:spLocks noGrp="1"/>
+          </p:cNvSpPr>
+          <p:nvPr>
+            <p:ph type="body" idx="1"/>
+          </p:nvPr>
+        </p:nvSpPr>
+        <p:spPr/>
+        <p:txBody>
+          <a:bodyPr/>
+          <a:lstStyle/>
+          <a:p>
+            <a:r>
+              <a:rPr lang="en-US" dirty="0"/>
+              <a:t>Order names and </a:t>
+            </a:r>
+            <a:r>
+              <a:rPr lang="en-US" dirty="0" err="1"/>
+              <a:t>designatioons</a:t>
+            </a:r>
+            <a:endParaRPr lang="en-IN" dirty="0"/>
+          </a:p>
+        </p:txBody>
+      </p:sp>
+      <p:sp>
+        <p:nvSpPr>
+          <p:cNvPr id="4" name="Slide Number Placeholder 3"/>
+          <p:cNvSpPr>
+            <a:spLocks noGrp="1"/>
+          </p:cNvSpPr>
+          <p:nvPr>
+            <p:ph type="sldNum" sz="quarter" idx="10"/>
+          </p:nvPr>
+        </p:nvSpPr>
+        <p:spPr/>
+        <p:txBody>
+          <a:bodyPr/>
+          <a:lstStyle/>
+          <a:p>
+            <a:fld id="{17221C13-30DA-4E71-8DF4-961BA98FF8DA}" type="slidenum">
+              <a:rPr lang="en-US" smtClean="0"/>
+              <a:t>3</a:t>
+            </a:fld>
+            <a:endParaRPr lang="en-US"/>
+          </a:p>
+        </p:txBody>
+      </p:sp>
+    </p:spTree>
+    <p:extLst>
+      <p:ext uri="{BB962C8B-B14F-4D97-AF65-F5344CB8AC3E}">
+        <p14:creationId xmlns:p14="http://schemas.microsoft.com/office/powerpoint/2010/main" val="3281459536"/>
+      </p:ext>
+    </p:extLst>
+  </p:cSld>
+  <p:clrMapOvr>
+    <a:masterClrMapping/>
+  </p:clrMapOvr>
+</p:notes>
+</file>
+
+<file path=ppt/notesSlides/notesSlide4.xml><?xml version="1.0" encoding="utf-8"?>
+<p:notes xmlns:a="http://schemas.openxmlformats.org/drawingml/2006/main" xmlns:r="http://schemas.openxmlformats.org/officeDocument/2006/relationships" xmlns:p="http://schemas.openxmlformats.org/presentationml/2006/main">
+  <p:cSld>
+    <p:spTree>
+      <p:nvGrpSpPr>
+        <p:cNvPr id="1" name=""/>
+        <p:cNvGrpSpPr/>
+        <p:nvPr/>
+      </p:nvGrpSpPr>
+      <p:grpSpPr>
+        <a:xfrm>
+          <a:off x="0" y="0"/>
+          <a:ext cx="0" cy="0"/>
+          <a:chOff x="0" y="0"/>
+          <a:chExt cx="0" cy="0"/>
+        </a:xfrm>
+      </p:grpSpPr>
+      <p:sp>
+        <p:nvSpPr>
+          <p:cNvPr id="2" name="Slide Image Placeholder 1"/>
+          <p:cNvSpPr>
+            <a:spLocks noGrp="1" noRot="1" noChangeAspect="1"/>
+          </p:cNvSpPr>
+          <p:nvPr>
+            <p:ph type="sldImg"/>
+          </p:nvPr>
+        </p:nvSpPr>
+        <p:spPr/>
+      </p:sp>
+      <p:sp>
+        <p:nvSpPr>
+          <p:cNvPr id="3" name="Notes Placeholder 2"/>
+          <p:cNvSpPr>
+            <a:spLocks noGrp="1"/>
+          </p:cNvSpPr>
+          <p:nvPr>
+            <p:ph type="body" idx="1"/>
+          </p:nvPr>
+        </p:nvSpPr>
+        <p:spPr/>
+        <p:txBody>
+          <a:bodyPr/>
+          <a:lstStyle/>
+          <a:p>
+            <a:r>
+              <a:rPr lang="en-US" dirty="0"/>
+              <a:t>Reduce Fonts</a:t>
+            </a:r>
+            <a:endParaRPr lang="en-IN" dirty="0"/>
+          </a:p>
+        </p:txBody>
+      </p:sp>
+      <p:sp>
+        <p:nvSpPr>
+          <p:cNvPr id="4" name="Slide Number Placeholder 3"/>
+          <p:cNvSpPr>
+            <a:spLocks noGrp="1"/>
+          </p:cNvSpPr>
+          <p:nvPr>
+            <p:ph type="sldNum" sz="quarter" idx="10"/>
+          </p:nvPr>
+        </p:nvSpPr>
+        <p:spPr/>
+        <p:txBody>
+          <a:bodyPr/>
+          <a:lstStyle/>
+          <a:p>
+            <a:fld id="{17221C13-30DA-4E71-8DF4-961BA98FF8DA}" type="slidenum">
+              <a:rPr lang="en-US" smtClean="0"/>
+              <a:t>5</a:t>
+            </a:fld>
+            <a:endParaRPr lang="en-US"/>
+          </a:p>
+        </p:txBody>
+      </p:sp>
+    </p:spTree>
+    <p:extLst>
+      <p:ext uri="{BB962C8B-B14F-4D97-AF65-F5344CB8AC3E}">
+        <p14:creationId xmlns:p14="http://schemas.microsoft.com/office/powerpoint/2010/main" val="2053550664"/>
+      </p:ext>
+    </p:extLst>
+  </p:cSld>
+  <p:clrMapOvr>
+    <a:masterClrMapping/>
+  </p:clrMapOvr>
+</p:notes>
+</file>
+
+<file path=ppt/notesSlides/notesSlide5.xml><?xml version="1.0" encoding="utf-8"?>
+<p:notes xmlns:a="http://schemas.openxmlformats.org/drawingml/2006/main" xmlns:r="http://schemas.openxmlformats.org/officeDocument/2006/relationships" xmlns:p="http://schemas.openxmlformats.org/presentationml/2006/main">
+  <p:cSld>
+    <p:spTree>
+      <p:nvGrpSpPr>
+        <p:cNvPr id="1" name=""/>
+        <p:cNvGrpSpPr/>
+        <p:nvPr/>
+      </p:nvGrpSpPr>
+      <p:grpSpPr>
+        <a:xfrm>
+          <a:off x="0" y="0"/>
+          <a:ext cx="0" cy="0"/>
+          <a:chOff x="0" y="0"/>
+          <a:chExt cx="0" cy="0"/>
+        </a:xfrm>
+      </p:grpSpPr>
+      <p:sp>
+        <p:nvSpPr>
+          <p:cNvPr id="2" name="Slide Image Placeholder 1"/>
+          <p:cNvSpPr>
+            <a:spLocks noGrp="1" noRot="1" noChangeAspect="1"/>
+          </p:cNvSpPr>
+          <p:nvPr>
+            <p:ph type="sldImg"/>
+          </p:nvPr>
+        </p:nvSpPr>
+        <p:spPr/>
+      </p:sp>
+      <p:sp>
+        <p:nvSpPr>
+          <p:cNvPr id="3" name="Notes Placeholder 2"/>
+          <p:cNvSpPr>
+            <a:spLocks noGrp="1"/>
+          </p:cNvSpPr>
+          <p:nvPr>
+            <p:ph type="body" idx="1"/>
+          </p:nvPr>
+        </p:nvSpPr>
+        <p:spPr/>
+        <p:txBody>
+          <a:bodyPr/>
+          <a:lstStyle/>
+          <a:p>
+            <a:endParaRPr lang="en-IN" dirty="0"/>
+          </a:p>
+        </p:txBody>
+      </p:sp>
+      <p:sp>
+        <p:nvSpPr>
+          <p:cNvPr id="4" name="Slide Number Placeholder 3"/>
+          <p:cNvSpPr>
+            <a:spLocks noGrp="1"/>
+          </p:cNvSpPr>
+          <p:nvPr>
+            <p:ph type="sldNum" sz="quarter" idx="10"/>
+          </p:nvPr>
+        </p:nvSpPr>
+        <p:spPr/>
+        <p:txBody>
+          <a:bodyPr/>
+          <a:lstStyle/>
+          <a:p>
+            <a:fld id="{17221C13-30DA-4E71-8DF4-961BA98FF8DA}" type="slidenum">
+              <a:rPr lang="en-US" smtClean="0"/>
+              <a:t>6</a:t>
+            </a:fld>
+            <a:endParaRPr lang="en-US"/>
+          </a:p>
+        </p:txBody>
+      </p:sp>
+    </p:spTree>
+    <p:extLst>
+      <p:ext uri="{BB962C8B-B14F-4D97-AF65-F5344CB8AC3E}">
+        <p14:creationId xmlns:p14="http://schemas.microsoft.com/office/powerpoint/2010/main" val="3763975198"/>
+      </p:ext>
+    </p:extLst>
+  </p:cSld>
+  <p:clrMapOvr>
+    <a:masterClrMapping/>
+  </p:clrMapOvr>
+</p:notes>
+</file>
+
+<file path=ppt/notesSlides/notesSlide6.xml><?xml version="1.0" encoding="utf-8"?>
+<p:notes xmlns:a="http://schemas.openxmlformats.org/drawingml/2006/main" xmlns:r="http://schemas.openxmlformats.org/officeDocument/2006/relationships" xmlns:p="http://schemas.openxmlformats.org/presentationml/2006/main">
+  <p:cSld>
+    <p:spTree>
+      <p:nvGrpSpPr>
+        <p:cNvPr id="1" name=""/>
+        <p:cNvGrpSpPr/>
+        <p:nvPr/>
+      </p:nvGrpSpPr>
+      <p:grpSpPr>
+        <a:xfrm>
+          <a:off x="0" y="0"/>
+          <a:ext cx="0" cy="0"/>
+          <a:chOff x="0" y="0"/>
+          <a:chExt cx="0" cy="0"/>
+        </a:xfrm>
+      </p:grpSpPr>
+      <p:sp>
+        <p:nvSpPr>
+          <p:cNvPr id="2" name="Slide Image Placeholder 1"/>
+          <p:cNvSpPr>
+            <a:spLocks noGrp="1" noRot="1" noChangeAspect="1"/>
+          </p:cNvSpPr>
+          <p:nvPr>
+            <p:ph type="sldImg"/>
+          </p:nvPr>
+        </p:nvSpPr>
+        <p:spPr/>
+      </p:sp>
+      <p:sp>
+        <p:nvSpPr>
+          <p:cNvPr id="3" name="Notes Placeholder 2"/>
+          <p:cNvSpPr>
+            <a:spLocks noGrp="1"/>
+          </p:cNvSpPr>
+          <p:nvPr>
+            <p:ph type="body" idx="1"/>
+          </p:nvPr>
+        </p:nvSpPr>
+        <p:spPr/>
+        <p:txBody>
+          <a:bodyPr/>
+          <a:lstStyle/>
+          <a:p>
+            <a:pPr marL="0" marR="0" lvl="0" indent="0" algn="l" defTabSz="914400" rtl="0" eaLnBrk="1" fontAlgn="auto" latinLnBrk="0" hangingPunct="1">
+              <a:lnSpc>
+                <a:spcPct val="100000"/>
+              </a:lnSpc>
+              <a:spcBef>
+                <a:spcPts val="0"/>
+              </a:spcBef>
+              <a:spcAft>
+                <a:spcPts val="0"/>
+              </a:spcAft>
+              <a:buClrTx/>
+              <a:buSzTx/>
+              <a:buFontTx/>
+              <a:buNone/>
+              <a:tabLst/>
+              <a:defRPr/>
+            </a:pPr>
+            <a:r>
+              <a:rPr lang="en-US" dirty="0"/>
+              <a:t>Rename</a:t>
+            </a:r>
+            <a:r>
+              <a:rPr lang="en-US" baseline="0" dirty="0"/>
+              <a:t> Methodology to Data Analysis | </a:t>
+            </a:r>
+            <a:r>
+              <a:rPr lang="en-US" dirty="0"/>
+              <a:t>CHECK slide numbers</a:t>
+            </a:r>
+            <a:endParaRPr lang="en-IN" dirty="0"/>
+          </a:p>
+          <a:p>
+            <a:pPr marL="0" marR="0" lvl="0" indent="0" algn="l" defTabSz="914400" rtl="0" eaLnBrk="1" fontAlgn="auto" latinLnBrk="0" hangingPunct="1">
+              <a:lnSpc>
+                <a:spcPct val="100000"/>
+              </a:lnSpc>
+              <a:spcBef>
+                <a:spcPts val="0"/>
+              </a:spcBef>
+              <a:spcAft>
+                <a:spcPts val="0"/>
+              </a:spcAft>
+              <a:buClrTx/>
+              <a:buSzTx/>
+              <a:buFontTx/>
+              <a:buNone/>
+              <a:tabLst/>
+              <a:defRPr/>
+            </a:pPr>
+            <a:r>
+              <a:rPr lang="en-US" dirty="0"/>
+              <a:t>Change Key</a:t>
+            </a:r>
+            <a:r>
+              <a:rPr lang="en-US" baseline="0" dirty="0"/>
+              <a:t> Findings in every agenda slide to “Results”</a:t>
+            </a:r>
+            <a:endParaRPr lang="en-IN" dirty="0"/>
+          </a:p>
+          <a:p>
+            <a:endParaRPr lang="en-IN" dirty="0"/>
+          </a:p>
+        </p:txBody>
+      </p:sp>
+      <p:sp>
+        <p:nvSpPr>
+          <p:cNvPr id="4" name="Slide Number Placeholder 3"/>
+          <p:cNvSpPr>
+            <a:spLocks noGrp="1"/>
+          </p:cNvSpPr>
+          <p:nvPr>
+            <p:ph type="sldNum" sz="quarter" idx="10"/>
+          </p:nvPr>
+        </p:nvSpPr>
+        <p:spPr/>
+        <p:txBody>
+          <a:bodyPr/>
+          <a:lstStyle/>
+          <a:p>
+            <a:fld id="{17221C13-30DA-4E71-8DF4-961BA98FF8DA}" type="slidenum">
+              <a:rPr lang="en-US" smtClean="0"/>
+              <a:t>7</a:t>
+            </a:fld>
+            <a:endParaRPr lang="en-US"/>
+          </a:p>
+        </p:txBody>
+      </p:sp>
+    </p:spTree>
+    <p:extLst>
+      <p:ext uri="{BB962C8B-B14F-4D97-AF65-F5344CB8AC3E}">
+        <p14:creationId xmlns:p14="http://schemas.microsoft.com/office/powerpoint/2010/main" val="2097745100"/>
+      </p:ext>
+    </p:extLst>
+  </p:cSld>
+  <p:clrMapOvr>
+    <a:masterClrMapping/>
+  </p:clrMapOvr>
+</p:notes>
+</file>
+
+<file path=ppt/notesSlides/notesSlide7.xml><?xml version="1.0" encoding="utf-8"?>
+<p:notes xmlns:a="http://schemas.openxmlformats.org/drawingml/2006/main" xmlns:r="http://schemas.openxmlformats.org/officeDocument/2006/relationships" xmlns:p="http://schemas.openxmlformats.org/presentationml/2006/main">
+  <p:cSld>
+    <p:spTree>
+      <p:nvGrpSpPr>
+        <p:cNvPr id="1" name=""/>
+        <p:cNvGrpSpPr/>
+        <p:nvPr/>
+      </p:nvGrpSpPr>
+      <p:grpSpPr>
+        <a:xfrm>
+          <a:off x="0" y="0"/>
+          <a:ext cx="0" cy="0"/>
+          <a:chOff x="0" y="0"/>
+          <a:chExt cx="0" cy="0"/>
+        </a:xfrm>
+      </p:grpSpPr>
+      <p:sp>
+        <p:nvSpPr>
+          <p:cNvPr id="2" name="Slide Image Placeholder 1"/>
+          <p:cNvSpPr>
+            <a:spLocks noGrp="1" noRot="1" noChangeAspect="1"/>
+          </p:cNvSpPr>
+          <p:nvPr>
+            <p:ph type="sldImg"/>
+          </p:nvPr>
+        </p:nvSpPr>
+        <p:spPr/>
+      </p:sp>
+      <p:sp>
+        <p:nvSpPr>
+          <p:cNvPr id="3" name="Notes Placeholder 2"/>
+          <p:cNvSpPr>
+            <a:spLocks noGrp="1"/>
+          </p:cNvSpPr>
+          <p:nvPr>
+            <p:ph type="body" idx="1"/>
+          </p:nvPr>
+        </p:nvSpPr>
+        <p:spPr/>
+        <p:txBody>
+          <a:bodyPr/>
+          <a:lstStyle/>
+          <a:p>
+            <a:r>
+              <a:rPr lang="en-US" dirty="0"/>
+              <a:t>Include disposition type into text</a:t>
+            </a:r>
+          </a:p>
+          <a:p>
+            <a:endParaRPr lang="en-US" dirty="0"/>
+          </a:p>
+          <a:p>
+            <a:r>
+              <a:rPr lang="en-US" dirty="0"/>
+              <a:t>Mention duration (’14-’16)</a:t>
+            </a:r>
+            <a:endParaRPr lang="en-IN" dirty="0"/>
+          </a:p>
+        </p:txBody>
+      </p:sp>
+      <p:sp>
+        <p:nvSpPr>
+          <p:cNvPr id="4" name="Slide Number Placeholder 3"/>
+          <p:cNvSpPr>
+            <a:spLocks noGrp="1"/>
+          </p:cNvSpPr>
+          <p:nvPr>
+            <p:ph type="sldNum" sz="quarter" idx="10"/>
+          </p:nvPr>
+        </p:nvSpPr>
+        <p:spPr/>
+        <p:txBody>
+          <a:bodyPr/>
+          <a:lstStyle/>
+          <a:p>
+            <a:fld id="{17221C13-30DA-4E71-8DF4-961BA98FF8DA}" type="slidenum">
+              <a:rPr lang="en-US" smtClean="0"/>
+              <a:t>8</a:t>
+            </a:fld>
+            <a:endParaRPr lang="en-US"/>
+          </a:p>
+        </p:txBody>
+      </p:sp>
+    </p:spTree>
+    <p:extLst>
+      <p:ext uri="{BB962C8B-B14F-4D97-AF65-F5344CB8AC3E}">
+        <p14:creationId xmlns:p14="http://schemas.microsoft.com/office/powerpoint/2010/main" val="1882936707"/>
+      </p:ext>
+    </p:extLst>
+  </p:cSld>
+  <p:clrMapOvr>
+    <a:masterClrMapping/>
+  </p:clrMapOvr>
+</p:notes>
+</file>
+
+<file path=ppt/notesSlides/notesSlide8.xml><?xml version="1.0" encoding="utf-8"?>
+<p:notes xmlns:a="http://schemas.openxmlformats.org/drawingml/2006/main" xmlns:r="http://schemas.openxmlformats.org/officeDocument/2006/relationships" xmlns:p="http://schemas.openxmlformats.org/presentationml/2006/main">
+  <p:cSld>
+    <p:spTree>
+      <p:nvGrpSpPr>
+        <p:cNvPr id="1" name=""/>
+        <p:cNvGrpSpPr/>
+        <p:nvPr/>
+      </p:nvGrpSpPr>
+      <p:grpSpPr>
+        <a:xfrm>
+          <a:off x="0" y="0"/>
+          <a:ext cx="0" cy="0"/>
+          <a:chOff x="0" y="0"/>
+          <a:chExt cx="0" cy="0"/>
+        </a:xfrm>
+      </p:grpSpPr>
+      <p:sp>
+        <p:nvSpPr>
+          <p:cNvPr id="2" name="Slide Image Placeholder 1"/>
+          <p:cNvSpPr>
+            <a:spLocks noGrp="1" noRot="1" noChangeAspect="1"/>
+          </p:cNvSpPr>
+          <p:nvPr>
+            <p:ph type="sldImg"/>
+          </p:nvPr>
+        </p:nvSpPr>
+        <p:spPr/>
+      </p:sp>
+      <p:sp>
+        <p:nvSpPr>
+          <p:cNvPr id="3" name="Notes Placeholder 2"/>
+          <p:cNvSpPr>
+            <a:spLocks noGrp="1"/>
+          </p:cNvSpPr>
+          <p:nvPr>
+            <p:ph type="body" idx="1"/>
+          </p:nvPr>
+        </p:nvSpPr>
+        <p:spPr/>
+        <p:txBody>
+          <a:bodyPr/>
+          <a:lstStyle/>
+          <a:p>
+            <a:r>
+              <a:rPr lang="en-US" dirty="0"/>
+              <a:t>Increase</a:t>
+            </a:r>
+            <a:r>
+              <a:rPr lang="en-US" baseline="0" dirty="0"/>
+              <a:t> size of table on the right &amp; </a:t>
+            </a:r>
+            <a:r>
+              <a:rPr lang="en-US" b="1" baseline="0" dirty="0"/>
+              <a:t>HIGHLIGHT</a:t>
+            </a:r>
+            <a:r>
+              <a:rPr lang="en-US" baseline="0" dirty="0"/>
+              <a:t> GRAND TOTAL </a:t>
+            </a:r>
+            <a:endParaRPr lang="en-IN" dirty="0"/>
+          </a:p>
+        </p:txBody>
+      </p:sp>
+      <p:sp>
+        <p:nvSpPr>
+          <p:cNvPr id="4" name="Slide Number Placeholder 3"/>
+          <p:cNvSpPr>
+            <a:spLocks noGrp="1"/>
+          </p:cNvSpPr>
+          <p:nvPr>
+            <p:ph type="sldNum" sz="quarter" idx="10"/>
+          </p:nvPr>
+        </p:nvSpPr>
+        <p:spPr/>
+        <p:txBody>
+          <a:bodyPr/>
+          <a:lstStyle/>
+          <a:p>
+            <a:fld id="{17221C13-30DA-4E71-8DF4-961BA98FF8DA}" type="slidenum">
+              <a:rPr lang="en-US" smtClean="0"/>
+              <a:t>9</a:t>
+            </a:fld>
+            <a:endParaRPr lang="en-US"/>
+          </a:p>
+        </p:txBody>
+      </p:sp>
+    </p:spTree>
+    <p:extLst>
+      <p:ext uri="{BB962C8B-B14F-4D97-AF65-F5344CB8AC3E}">
+        <p14:creationId xmlns:p14="http://schemas.microsoft.com/office/powerpoint/2010/main" val="3809188947"/>
+      </p:ext>
+    </p:extLst>
+  </p:cSld>
+  <p:clrMapOvr>
+    <a:masterClrMapping/>
+  </p:clrMapOvr>
+</p:notes>
+</file>
+
+<file path=ppt/notesSlides/notesSlide9.xml><?xml version="1.0" encoding="utf-8"?>
+<p:notes xmlns:a="http://schemas.openxmlformats.org/drawingml/2006/main" xmlns:r="http://schemas.openxmlformats.org/officeDocument/2006/relationships" xmlns:p="http://schemas.openxmlformats.org/presentationml/2006/main">
+  <p:cSld>
+    <p:spTree>
+      <p:nvGrpSpPr>
+        <p:cNvPr id="1" name=""/>
+        <p:cNvGrpSpPr/>
+        <p:nvPr/>
+      </p:nvGrpSpPr>
+      <p:grpSpPr>
+        <a:xfrm>
+          <a:off x="0" y="0"/>
+          <a:ext cx="0" cy="0"/>
+          <a:chOff x="0" y="0"/>
+          <a:chExt cx="0" cy="0"/>
+        </a:xfrm>
+      </p:grpSpPr>
+      <p:sp>
+        <p:nvSpPr>
+          <p:cNvPr id="2" name="Slide Image Placeholder 1"/>
+          <p:cNvSpPr>
+            <a:spLocks noGrp="1" noRot="1" noChangeAspect="1"/>
+          </p:cNvSpPr>
+          <p:nvPr>
+            <p:ph type="sldImg"/>
+          </p:nvPr>
+        </p:nvSpPr>
+        <p:spPr/>
+      </p:sp>
+      <p:sp>
+        <p:nvSpPr>
+          <p:cNvPr id="3" name="Notes Placeholder 2"/>
+          <p:cNvSpPr>
+            <a:spLocks noGrp="1"/>
+          </p:cNvSpPr>
+          <p:nvPr>
+            <p:ph type="body" idx="1"/>
+          </p:nvPr>
+        </p:nvSpPr>
+        <p:spPr/>
+        <p:txBody>
+          <a:bodyPr/>
+          <a:lstStyle/>
+          <a:p>
+            <a:r>
+              <a:rPr lang="en-US" dirty="0"/>
+              <a:t>Mention key findings next to</a:t>
+            </a:r>
+            <a:r>
+              <a:rPr lang="en-US" baseline="0" dirty="0"/>
+              <a:t> graphs for SNS and  </a:t>
+            </a:r>
+            <a:r>
+              <a:rPr lang="en-US" baseline="0" dirty="0" err="1"/>
+              <a:t>QoL</a:t>
+            </a:r>
+            <a:endParaRPr lang="en-IN" dirty="0"/>
+          </a:p>
+        </p:txBody>
+      </p:sp>
+      <p:sp>
+        <p:nvSpPr>
+          <p:cNvPr id="4" name="Slide Number Placeholder 3"/>
+          <p:cNvSpPr>
+            <a:spLocks noGrp="1"/>
+          </p:cNvSpPr>
+          <p:nvPr>
+            <p:ph type="sldNum" sz="quarter" idx="10"/>
+          </p:nvPr>
+        </p:nvSpPr>
+        <p:spPr/>
+        <p:txBody>
+          <a:bodyPr/>
+          <a:lstStyle/>
+          <a:p>
+            <a:fld id="{17221C13-30DA-4E71-8DF4-961BA98FF8DA}" type="slidenum">
+              <a:rPr lang="en-US" smtClean="0"/>
+              <a:t>10</a:t>
+            </a:fld>
+            <a:endParaRPr lang="en-US"/>
+          </a:p>
+        </p:txBody>
+      </p:sp>
+    </p:spTree>
+    <p:extLst>
+      <p:ext uri="{BB962C8B-B14F-4D97-AF65-F5344CB8AC3E}">
+        <p14:creationId xmlns:p14="http://schemas.microsoft.com/office/powerpoint/2010/main" val="2157850953"/>
       </p:ext>
     </p:extLst>
   </p:cSld>
@@ -751,10 +2347,9 @@
           <a:lstStyle/>
           <a:p>
             <a:r>
-              <a:rPr lang="en-US" smtClean="0"/>
+              <a:rPr lang="en-US"/>
               <a:t>1</a:t>
             </a:r>
-            <a:endParaRPr lang="en-US"/>
           </a:p>
         </p:txBody>
       </p:sp>
@@ -1013,10 +2608,9 @@
           <a:lstStyle/>
           <a:p>
             <a:r>
-              <a:rPr lang="en-US" smtClean="0"/>
+              <a:rPr lang="en-US"/>
               <a:t>1</a:t>
             </a:r>
-            <a:endParaRPr lang="en-US"/>
           </a:p>
         </p:txBody>
       </p:sp>
@@ -1159,7 +2753,7 @@
           </a:lstStyle>
           <a:p>
             <a:r>
-              <a:rPr lang="en-US" altLang="zh-CN" dirty="0" smtClean="0"/>
+              <a:rPr lang="en-US" altLang="zh-CN" dirty="0"/>
               <a:t>1</a:t>
             </a:r>
             <a:endParaRPr lang="en-US" dirty="0"/>
@@ -1267,13 +2861,6 @@
   <p:clrMapOvr>
     <a:masterClrMapping/>
   </p:clrMapOvr>
-  <p:timing>
-    <p:tnLst>
-      <p:par>
-        <p:cTn id="1" dur="indefinite" restart="never" nodeType="tmRoot"/>
-      </p:par>
-    </p:tnLst>
-  </p:timing>
 </p:sldLayout>
 </file>
 
@@ -1583,10 +3170,9 @@
           <a:lstStyle/>
           <a:p>
             <a:r>
-              <a:rPr lang="en-US" smtClean="0"/>
+              <a:rPr lang="en-US"/>
               <a:t>1</a:t>
             </a:r>
-            <a:endParaRPr lang="en-US"/>
           </a:p>
         </p:txBody>
       </p:sp>
@@ -1867,10 +3453,9 @@
           <a:lstStyle/>
           <a:p>
             <a:r>
-              <a:rPr lang="en-US" smtClean="0"/>
+              <a:rPr lang="en-US"/>
               <a:t>1</a:t>
             </a:r>
-            <a:endParaRPr lang="en-US"/>
           </a:p>
         </p:txBody>
       </p:sp>
@@ -2261,10 +3846,9 @@
           <a:lstStyle/>
           <a:p>
             <a:r>
-              <a:rPr lang="en-US" smtClean="0"/>
+              <a:rPr lang="en-US"/>
               <a:t>1</a:t>
             </a:r>
-            <a:endParaRPr lang="en-US"/>
           </a:p>
         </p:txBody>
       </p:sp>
@@ -2387,10 +3971,9 @@
           <a:lstStyle/>
           <a:p>
             <a:r>
-              <a:rPr lang="en-US" smtClean="0"/>
+              <a:rPr lang="en-US"/>
               <a:t>1</a:t>
             </a:r>
-            <a:endParaRPr lang="en-US"/>
           </a:p>
         </p:txBody>
       </p:sp>
@@ -2566,10 +4149,9 @@
           </a:lstStyle>
           <a:p>
             <a:r>
-              <a:rPr lang="en-US" smtClean="0"/>
+              <a:rPr lang="en-US"/>
               <a:t>1</a:t>
             </a:r>
-            <a:endParaRPr lang="en-US"/>
           </a:p>
         </p:txBody>
       </p:sp>
@@ -2934,10 +4516,9 @@
           </a:lstStyle>
           <a:p>
             <a:r>
-              <a:rPr lang="en-US" smtClean="0"/>
+              <a:rPr lang="en-US"/>
               <a:t>1</a:t>
             </a:r>
-            <a:endParaRPr lang="en-US"/>
           </a:p>
         </p:txBody>
       </p:sp>
@@ -3307,10 +4888,9 @@
           <a:lstStyle/>
           <a:p>
             <a:r>
-              <a:rPr lang="en-US" smtClean="0"/>
+              <a:rPr lang="en-US"/>
               <a:t>1</a:t>
             </a:r>
-            <a:endParaRPr lang="en-US"/>
           </a:p>
         </p:txBody>
       </p:sp>
@@ -3515,10 +5095,9 @@
           </a:lstStyle>
           <a:p>
             <a:r>
-              <a:rPr lang="en-US" smtClean="0"/>
+              <a:rPr lang="en-US"/>
               <a:t>1</a:t>
             </a:r>
-            <a:endParaRPr lang="en-US"/>
           </a:p>
         </p:txBody>
       </p:sp>
@@ -4012,7 +5591,7 @@
           <p:nvPr/>
         </p:nvPicPr>
         <p:blipFill rotWithShape="1">
-          <a:blip r:embed="rId2">
+          <a:blip r:embed="rId3">
             <a:extLst>
               <a:ext uri="{28A0092B-C50C-407E-A947-70E740481C1C}">
                 <a14:useLocalDpi xmlns:a14="http://schemas.microsoft.com/office/drawing/2010/main" val="0"/>
@@ -4041,7 +5620,7 @@
           <p:nvPr/>
         </p:nvPicPr>
         <p:blipFill rotWithShape="1">
-          <a:blip r:embed="rId3">
+          <a:blip r:embed="rId4">
             <a:extLst>
               <a:ext uri="{28A0092B-C50C-407E-A947-70E740481C1C}">
                 <a14:useLocalDpi xmlns:a14="http://schemas.microsoft.com/office/drawing/2010/main" val="0"/>
@@ -4108,7 +5687,7 @@
           <p:nvPr/>
         </p:nvPicPr>
         <p:blipFill rotWithShape="1">
-          <a:blip r:embed="rId4">
+          <a:blip r:embed="rId5">
             <a:extLst>
               <a:ext uri="{28A0092B-C50C-407E-A947-70E740481C1C}">
                 <a14:useLocalDpi xmlns:a14="http://schemas.microsoft.com/office/drawing/2010/main" val="0"/>
@@ -4147,7 +5726,7 @@
           <p:nvPr/>
         </p:nvPicPr>
         <p:blipFill>
-          <a:blip r:embed="rId5">
+          <a:blip r:embed="rId6">
             <a:extLst>
               <a:ext uri="{28A0092B-C50C-407E-A947-70E740481C1C}">
                 <a14:useLocalDpi xmlns:a14="http://schemas.microsoft.com/office/drawing/2010/main" val="0"/>
@@ -4178,13 +5757,6 @@
   <p:clrMapOvr>
     <a:masterClrMapping/>
   </p:clrMapOvr>
-  <p:timing>
-    <p:tnLst>
-      <p:par>
-        <p:cTn id="1" dur="indefinite" restart="never" nodeType="tmRoot"/>
-      </p:par>
-    </p:tnLst>
-  </p:timing>
 </p:sld>
 </file>
 
@@ -4268,7 +5840,7 @@
           <p:nvPr/>
         </p:nvPicPr>
         <p:blipFill rotWithShape="1">
-          <a:blip r:embed="rId2">
+          <a:blip r:embed="rId3">
             <a:extLst>
               <a:ext uri="{28A0092B-C50C-407E-A947-70E740481C1C}">
                 <a14:useLocalDpi xmlns:a14="http://schemas.microsoft.com/office/drawing/2010/main" val="0"/>
@@ -4321,7 +5893,7 @@
           <a:lstStyle/>
           <a:p>
             <a:r>
-              <a:rPr lang="en-US" altLang="zh-CN" sz="3600" dirty="0" smtClean="0">
+              <a:rPr lang="en-US" altLang="zh-CN" sz="3600" dirty="0">
                 <a:solidFill>
                   <a:schemeClr val="bg1"/>
                 </a:solidFill>
@@ -4329,7 +5901,7 @@
               <a:t>DATA</a:t>
             </a:r>
             <a:r>
-              <a:rPr lang="zh-CN" altLang="en-US" sz="3600" dirty="0" smtClean="0">
+              <a:rPr lang="zh-CN" altLang="en-US" sz="3600" dirty="0">
                 <a:solidFill>
                   <a:schemeClr val="bg1"/>
                 </a:solidFill>
@@ -4337,7 +5909,7 @@
               <a:t> </a:t>
             </a:r>
             <a:r>
-              <a:rPr lang="en-US" altLang="zh-CN" sz="3600" dirty="0" smtClean="0">
+              <a:rPr lang="en-US" altLang="zh-CN" sz="3600" dirty="0">
                 <a:solidFill>
                   <a:schemeClr val="bg1"/>
                 </a:solidFill>
@@ -4345,7 +5917,7 @@
               <a:t>analysis</a:t>
             </a:r>
             <a:r>
-              <a:rPr lang="zh-CN" altLang="en-US" sz="3600" dirty="0" smtClean="0">
+              <a:rPr lang="zh-CN" altLang="en-US" sz="3600" dirty="0">
                 <a:solidFill>
                   <a:schemeClr val="bg1"/>
                 </a:solidFill>
@@ -4353,7 +5925,7 @@
               <a:t> </a:t>
             </a:r>
             <a:r>
-              <a:rPr lang="en-US" altLang="zh-CN" sz="3600" dirty="0" smtClean="0">
+              <a:rPr lang="en-US" altLang="zh-CN" sz="3600" dirty="0">
                 <a:solidFill>
                   <a:schemeClr val="bg1"/>
                 </a:solidFill>
@@ -4361,7 +5933,7 @@
               <a:t>-</a:t>
             </a:r>
             <a:r>
-              <a:rPr lang="zh-CN" altLang="en-US" sz="3600" dirty="0" smtClean="0">
+              <a:rPr lang="zh-CN" altLang="en-US" sz="3600" dirty="0">
                 <a:solidFill>
                   <a:schemeClr val="bg1"/>
                 </a:solidFill>
@@ -4369,7 +5941,7 @@
               <a:t> </a:t>
             </a:r>
             <a:r>
-              <a:rPr lang="en-US" altLang="zh-CN" sz="3600" dirty="0" smtClean="0">
+              <a:rPr lang="en-US" altLang="zh-CN" sz="3600" dirty="0">
                 <a:solidFill>
                   <a:schemeClr val="bg1"/>
                 </a:solidFill>
@@ -4400,7 +5972,7 @@
           <a:lstStyle/>
           <a:p>
             <a:r>
-              <a:rPr lang="en-US" altLang="zh-CN" smtClean="0"/>
+              <a:rPr lang="en-US" altLang="zh-CN"/>
               <a:t>1</a:t>
             </a:r>
             <a:endParaRPr lang="en-US" dirty="0"/>
@@ -4417,13 +5989,6 @@
   <p:clrMapOvr>
     <a:masterClrMapping/>
   </p:clrMapOvr>
-  <p:timing>
-    <p:tnLst>
-      <p:par>
-        <p:cTn id="1" dur="indefinite" restart="never" nodeType="tmRoot"/>
-      </p:par>
-    </p:tnLst>
-  </p:timing>
 </p:sld>
 </file>
 
@@ -4493,6 +6058,238 @@
             <a:pPr algn="ctr"/>
             <a:r>
               <a:rPr lang="en-US" dirty="0"/>
+              <a:t>CFS | SNS</a:t>
+            </a:r>
+          </a:p>
+        </p:txBody>
+      </p:sp>
+      <p:pic>
+        <p:nvPicPr>
+          <p:cNvPr id="4" name="Picture 2" descr="Image result for heinz college logo"/>
+          <p:cNvPicPr>
+            <a:picLocks noChangeAspect="1" noChangeArrowheads="1"/>
+          </p:cNvPicPr>
+          <p:nvPr/>
+        </p:nvPicPr>
+        <p:blipFill rotWithShape="1">
+          <a:blip r:embed="rId3">
+            <a:extLst>
+              <a:ext uri="{28A0092B-C50C-407E-A947-70E740481C1C}">
+                <a14:useLocalDpi xmlns:a14="http://schemas.microsoft.com/office/drawing/2010/main" val="0"/>
+              </a:ext>
+            </a:extLst>
+          </a:blip>
+          <a:srcRect b="6506"/>
+          <a:stretch/>
+        </p:blipFill>
+        <p:spPr bwMode="auto">
+          <a:xfrm>
+            <a:off x="119270" y="5680380"/>
+            <a:ext cx="2007704" cy="652333"/>
+          </a:xfrm>
+          <a:prstGeom prst="rect">
+            <a:avLst/>
+          </a:prstGeom>
+          <a:noFill/>
+          <a:extLst>
+            <a:ext uri="{909E8E84-426E-40DD-AFC4-6F175D3DCCD1}">
+              <a14:hiddenFill xmlns:a14="http://schemas.microsoft.com/office/drawing/2010/main">
+                <a:solidFill>
+                  <a:srgbClr val="FFFFFF"/>
+                </a:solidFill>
+              </a14:hiddenFill>
+            </a:ext>
+          </a:extLst>
+        </p:spPr>
+      </p:pic>
+      <p:sp>
+        <p:nvSpPr>
+          <p:cNvPr id="5" name="TextBox 4"/>
+          <p:cNvSpPr txBox="1"/>
+          <p:nvPr/>
+        </p:nvSpPr>
+        <p:spPr>
+          <a:xfrm>
+            <a:off x="1536885" y="336883"/>
+            <a:ext cx="8887497" cy="646331"/>
+          </a:xfrm>
+          <a:prstGeom prst="rect">
+            <a:avLst/>
+          </a:prstGeom>
+          <a:noFill/>
+        </p:spPr>
+        <p:txBody>
+          <a:bodyPr wrap="square" rtlCol="0">
+            <a:spAutoFit/>
+          </a:bodyPr>
+          <a:lstStyle/>
+          <a:p>
+            <a:r>
+              <a:rPr lang="en-US" altLang="zh-CN" sz="3600" dirty="0">
+                <a:solidFill>
+                  <a:schemeClr val="bg1"/>
+                </a:solidFill>
+              </a:rPr>
+              <a:t>DATA</a:t>
+            </a:r>
+            <a:r>
+              <a:rPr lang="zh-CN" altLang="en-US" sz="3600" dirty="0">
+                <a:solidFill>
+                  <a:schemeClr val="bg1"/>
+                </a:solidFill>
+              </a:rPr>
+              <a:t> </a:t>
+            </a:r>
+            <a:r>
+              <a:rPr lang="en-US" altLang="zh-CN" sz="3600" dirty="0">
+                <a:solidFill>
+                  <a:schemeClr val="bg1"/>
+                </a:solidFill>
+              </a:rPr>
+              <a:t>analysis</a:t>
+            </a:r>
+            <a:r>
+              <a:rPr lang="zh-CN" altLang="en-US" sz="3600" dirty="0">
+                <a:solidFill>
+                  <a:schemeClr val="bg1"/>
+                </a:solidFill>
+              </a:rPr>
+              <a:t> </a:t>
+            </a:r>
+            <a:r>
+              <a:rPr lang="en-US" altLang="zh-CN" sz="3600" dirty="0">
+                <a:solidFill>
+                  <a:schemeClr val="bg1"/>
+                </a:solidFill>
+              </a:rPr>
+              <a:t>-</a:t>
+            </a:r>
+            <a:r>
+              <a:rPr lang="zh-CN" altLang="en-US" sz="3600" dirty="0">
+                <a:solidFill>
+                  <a:schemeClr val="bg1"/>
+                </a:solidFill>
+              </a:rPr>
+              <a:t> </a:t>
+            </a:r>
+            <a:r>
+              <a:rPr lang="en-US" altLang="zh-CN" sz="3600" dirty="0">
+                <a:solidFill>
+                  <a:schemeClr val="bg1"/>
+                </a:solidFill>
+              </a:rPr>
+              <a:t>I</a:t>
+            </a:r>
+            <a:endParaRPr lang="en-US" sz="3600" dirty="0">
+              <a:solidFill>
+                <a:schemeClr val="bg1"/>
+              </a:solidFill>
+            </a:endParaRPr>
+          </a:p>
+        </p:txBody>
+      </p:sp>
+      <p:sp>
+        <p:nvSpPr>
+          <p:cNvPr id="6" name="Footer Placeholder 5"/>
+          <p:cNvSpPr>
+            <a:spLocks noGrp="1"/>
+          </p:cNvSpPr>
+          <p:nvPr>
+            <p:ph type="ftr" sz="quarter" idx="11"/>
+          </p:nvPr>
+        </p:nvSpPr>
+        <p:spPr/>
+        <p:txBody>
+          <a:bodyPr/>
+          <a:lstStyle/>
+          <a:p>
+            <a:r>
+              <a:rPr lang="en-US" altLang="zh-CN"/>
+              <a:t>1</a:t>
+            </a:r>
+            <a:endParaRPr lang="en-US" dirty="0"/>
+          </a:p>
+        </p:txBody>
+      </p:sp>
+    </p:spTree>
+    <p:extLst>
+      <p:ext uri="{BB962C8B-B14F-4D97-AF65-F5344CB8AC3E}">
+        <p14:creationId xmlns:p14="http://schemas.microsoft.com/office/powerpoint/2010/main" val="3410299265"/>
+      </p:ext>
+    </p:extLst>
+  </p:cSld>
+  <p:clrMapOvr>
+    <a:masterClrMapping/>
+  </p:clrMapOvr>
+</p:sld>
+</file>
+
+<file path=ppt/slides/slide12.xml><?xml version="1.0" encoding="utf-8"?>
+<p:sld xmlns:a="http://schemas.openxmlformats.org/drawingml/2006/main" xmlns:r="http://schemas.openxmlformats.org/officeDocument/2006/relationships" xmlns:p="http://schemas.openxmlformats.org/presentationml/2006/main">
+  <p:cSld>
+    <p:spTree>
+      <p:nvGrpSpPr>
+        <p:cNvPr id="1" name=""/>
+        <p:cNvGrpSpPr/>
+        <p:nvPr/>
+      </p:nvGrpSpPr>
+      <p:grpSpPr>
+        <a:xfrm>
+          <a:off x="0" y="0"/>
+          <a:ext cx="0" cy="0"/>
+          <a:chOff x="0" y="0"/>
+          <a:chExt cx="0" cy="0"/>
+        </a:xfrm>
+      </p:grpSpPr>
+      <p:sp>
+        <p:nvSpPr>
+          <p:cNvPr id="3" name="Rectangle 2"/>
+          <p:cNvSpPr/>
+          <p:nvPr/>
+        </p:nvSpPr>
+        <p:spPr>
+          <a:xfrm>
+            <a:off x="3874169" y="2109706"/>
+            <a:ext cx="4411579" cy="2454443"/>
+          </a:xfrm>
+          <a:prstGeom prst="rect">
+            <a:avLst/>
+          </a:prstGeom>
+        </p:spPr>
+        <p:style>
+          <a:lnRef idx="2">
+            <a:schemeClr val="accent1">
+              <a:shade val="50000"/>
+            </a:schemeClr>
+          </a:lnRef>
+          <a:fillRef idx="1">
+            <a:schemeClr val="accent1"/>
+          </a:fillRef>
+          <a:effectRef idx="0">
+            <a:schemeClr val="accent1"/>
+          </a:effectRef>
+          <a:fontRef idx="minor">
+            <a:schemeClr val="lt1"/>
+          </a:fontRef>
+        </p:style>
+        <p:txBody>
+          <a:bodyPr rtlCol="0" anchor="ctr"/>
+          <a:lstStyle/>
+          <a:p>
+            <a:pPr algn="ctr"/>
+            <a:r>
+              <a:rPr lang="en-US" dirty="0"/>
+              <a:t>Exploration of Data</a:t>
+            </a:r>
+          </a:p>
+          <a:p>
+            <a:pPr algn="ctr"/>
+            <a:endParaRPr lang="en-US" dirty="0"/>
+          </a:p>
+          <a:p>
+            <a:pPr algn="ctr"/>
+            <a:r>
+              <a:rPr lang="en-US" dirty="0"/>
               <a:t>CFS | QOL</a:t>
             </a:r>
           </a:p>
@@ -4560,7 +6357,7 @@
           <a:lstStyle/>
           <a:p>
             <a:r>
-              <a:rPr lang="en-US" altLang="zh-CN" sz="3600" dirty="0" smtClean="0">
+              <a:rPr lang="en-US" altLang="zh-CN" sz="3600" dirty="0">
                 <a:solidFill>
                   <a:schemeClr val="bg1"/>
                 </a:solidFill>
@@ -4568,7 +6365,7 @@
               <a:t>DATA</a:t>
             </a:r>
             <a:r>
-              <a:rPr lang="zh-CN" altLang="en-US" sz="3600" dirty="0" smtClean="0">
+              <a:rPr lang="zh-CN" altLang="en-US" sz="3600" dirty="0">
                 <a:solidFill>
                   <a:schemeClr val="bg1"/>
                 </a:solidFill>
@@ -4576,7 +6373,7 @@
               <a:t> </a:t>
             </a:r>
             <a:r>
-              <a:rPr lang="en-US" altLang="zh-CN" sz="3600" dirty="0" smtClean="0">
+              <a:rPr lang="en-US" altLang="zh-CN" sz="3600" dirty="0">
                 <a:solidFill>
                   <a:schemeClr val="bg1"/>
                 </a:solidFill>
@@ -4584,7 +6381,7 @@
               <a:t>analysis</a:t>
             </a:r>
             <a:r>
-              <a:rPr lang="zh-CN" altLang="en-US" sz="3600" dirty="0" smtClean="0">
+              <a:rPr lang="zh-CN" altLang="en-US" sz="3600" dirty="0">
                 <a:solidFill>
                   <a:schemeClr val="bg1"/>
                 </a:solidFill>
@@ -4592,7 +6389,7 @@
               <a:t> </a:t>
             </a:r>
             <a:r>
-              <a:rPr lang="en-US" altLang="zh-CN" sz="3600" dirty="0" smtClean="0">
+              <a:rPr lang="en-US" altLang="zh-CN" sz="3600" dirty="0">
                 <a:solidFill>
                   <a:schemeClr val="bg1"/>
                 </a:solidFill>
@@ -4600,7 +6397,7 @@
               <a:t>-</a:t>
             </a:r>
             <a:r>
-              <a:rPr lang="zh-CN" altLang="en-US" sz="3600" dirty="0" smtClean="0">
+              <a:rPr lang="zh-CN" altLang="en-US" sz="3600" dirty="0">
                 <a:solidFill>
                   <a:schemeClr val="bg1"/>
                 </a:solidFill>
@@ -4608,7 +6405,7 @@
               <a:t> </a:t>
             </a:r>
             <a:r>
-              <a:rPr lang="en-US" altLang="zh-CN" sz="3600" dirty="0" smtClean="0">
+              <a:rPr lang="en-US" altLang="zh-CN" sz="3600" dirty="0">
                 <a:solidFill>
                   <a:schemeClr val="bg1"/>
                 </a:solidFill>
@@ -4639,7 +6436,7 @@
           <a:lstStyle/>
           <a:p>
             <a:r>
-              <a:rPr lang="en-US" altLang="zh-CN" smtClean="0"/>
+              <a:rPr lang="en-US" altLang="zh-CN"/>
               <a:t>1</a:t>
             </a:r>
             <a:endParaRPr lang="en-US" dirty="0"/>
@@ -4656,17 +6453,242 @@
   <p:clrMapOvr>
     <a:masterClrMapping/>
   </p:clrMapOvr>
-  <p:timing>
-    <p:tnLst>
-      <p:par>
-        <p:cTn id="1" dur="indefinite" restart="never" nodeType="tmRoot"/>
-      </p:par>
-    </p:tnLst>
-  </p:timing>
 </p:sld>
 </file>
 
-<file path=ppt/slides/slide12.xml><?xml version="1.0" encoding="utf-8"?>
+<file path=ppt/slides/slide13.xml><?xml version="1.0" encoding="utf-8"?>
+<p:sld xmlns:a="http://schemas.openxmlformats.org/drawingml/2006/main" xmlns:r="http://schemas.openxmlformats.org/officeDocument/2006/relationships" xmlns:p="http://schemas.openxmlformats.org/presentationml/2006/main">
+  <p:cSld>
+    <p:spTree>
+      <p:nvGrpSpPr>
+        <p:cNvPr id="1" name=""/>
+        <p:cNvGrpSpPr/>
+        <p:nvPr/>
+      </p:nvGrpSpPr>
+      <p:grpSpPr>
+        <a:xfrm>
+          <a:off x="0" y="0"/>
+          <a:ext cx="0" cy="0"/>
+          <a:chOff x="0" y="0"/>
+          <a:chExt cx="0" cy="0"/>
+        </a:xfrm>
+      </p:grpSpPr>
+      <p:sp>
+        <p:nvSpPr>
+          <p:cNvPr id="3" name="Rectangle 2"/>
+          <p:cNvSpPr/>
+          <p:nvPr/>
+        </p:nvSpPr>
+        <p:spPr>
+          <a:xfrm>
+            <a:off x="3874169" y="2109706"/>
+            <a:ext cx="4411579" cy="2454443"/>
+          </a:xfrm>
+          <a:prstGeom prst="rect">
+            <a:avLst/>
+          </a:prstGeom>
+        </p:spPr>
+        <p:style>
+          <a:lnRef idx="2">
+            <a:schemeClr val="accent1">
+              <a:shade val="50000"/>
+            </a:schemeClr>
+          </a:lnRef>
+          <a:fillRef idx="1">
+            <a:schemeClr val="accent1"/>
+          </a:fillRef>
+          <a:effectRef idx="0">
+            <a:schemeClr val="accent1"/>
+          </a:effectRef>
+          <a:fontRef idx="minor">
+            <a:schemeClr val="lt1"/>
+          </a:fontRef>
+        </p:style>
+        <p:txBody>
+          <a:bodyPr rtlCol="0" anchor="ctr"/>
+          <a:lstStyle/>
+          <a:p>
+            <a:pPr algn="ctr"/>
+            <a:r>
+              <a:rPr lang="en-US" dirty="0"/>
+              <a:t>Exploration of Data</a:t>
+            </a:r>
+          </a:p>
+          <a:p>
+            <a:pPr algn="ctr"/>
+            <a:endParaRPr lang="en-US" dirty="0"/>
+          </a:p>
+          <a:p>
+            <a:pPr algn="ctr"/>
+            <a:r>
+              <a:rPr lang="en-US" dirty="0"/>
+              <a:t>CFS | QOL</a:t>
+            </a:r>
+          </a:p>
+        </p:txBody>
+      </p:sp>
+      <p:pic>
+        <p:nvPicPr>
+          <p:cNvPr id="4" name="Picture 2" descr="Image result for heinz college logo"/>
+          <p:cNvPicPr>
+            <a:picLocks noChangeAspect="1" noChangeArrowheads="1"/>
+          </p:cNvPicPr>
+          <p:nvPr/>
+        </p:nvPicPr>
+        <p:blipFill rotWithShape="1">
+          <a:blip r:embed="rId3">
+            <a:extLst>
+              <a:ext uri="{28A0092B-C50C-407E-A947-70E740481C1C}">
+                <a14:useLocalDpi xmlns:a14="http://schemas.microsoft.com/office/drawing/2010/main" val="0"/>
+              </a:ext>
+            </a:extLst>
+          </a:blip>
+          <a:srcRect b="6506"/>
+          <a:stretch/>
+        </p:blipFill>
+        <p:spPr bwMode="auto">
+          <a:xfrm>
+            <a:off x="119270" y="5680380"/>
+            <a:ext cx="2007704" cy="652333"/>
+          </a:xfrm>
+          <a:prstGeom prst="rect">
+            <a:avLst/>
+          </a:prstGeom>
+          <a:noFill/>
+          <a:extLst>
+            <a:ext uri="{909E8E84-426E-40DD-AFC4-6F175D3DCCD1}">
+              <a14:hiddenFill xmlns:a14="http://schemas.microsoft.com/office/drawing/2010/main">
+                <a:solidFill>
+                  <a:srgbClr val="FFFFFF"/>
+                </a:solidFill>
+              </a14:hiddenFill>
+            </a:ext>
+          </a:extLst>
+        </p:spPr>
+      </p:pic>
+      <p:sp>
+        <p:nvSpPr>
+          <p:cNvPr id="5" name="TextBox 4"/>
+          <p:cNvSpPr txBox="1"/>
+          <p:nvPr/>
+        </p:nvSpPr>
+        <p:spPr>
+          <a:xfrm>
+            <a:off x="1536885" y="336883"/>
+            <a:ext cx="8887497" cy="646331"/>
+          </a:xfrm>
+          <a:prstGeom prst="rect">
+            <a:avLst/>
+          </a:prstGeom>
+          <a:noFill/>
+        </p:spPr>
+        <p:txBody>
+          <a:bodyPr wrap="square" rtlCol="0">
+            <a:spAutoFit/>
+          </a:bodyPr>
+          <a:lstStyle/>
+          <a:p>
+            <a:r>
+              <a:rPr lang="en-US" altLang="zh-CN" sz="3600" dirty="0">
+                <a:solidFill>
+                  <a:schemeClr val="bg1"/>
+                </a:solidFill>
+              </a:rPr>
+              <a:t>DATA</a:t>
+            </a:r>
+            <a:r>
+              <a:rPr lang="zh-CN" altLang="en-US" sz="3600" dirty="0">
+                <a:solidFill>
+                  <a:schemeClr val="bg1"/>
+                </a:solidFill>
+              </a:rPr>
+              <a:t> </a:t>
+            </a:r>
+            <a:r>
+              <a:rPr lang="en-US" altLang="zh-CN" sz="3600" dirty="0">
+                <a:solidFill>
+                  <a:schemeClr val="bg1"/>
+                </a:solidFill>
+              </a:rPr>
+              <a:t>analysis</a:t>
+            </a:r>
+            <a:r>
+              <a:rPr lang="zh-CN" altLang="en-US" sz="3600" dirty="0">
+                <a:solidFill>
+                  <a:schemeClr val="bg1"/>
+                </a:solidFill>
+              </a:rPr>
+              <a:t> </a:t>
+            </a:r>
+            <a:r>
+              <a:rPr lang="en-US" altLang="zh-CN" sz="3600" dirty="0">
+                <a:solidFill>
+                  <a:schemeClr val="bg1"/>
+                </a:solidFill>
+              </a:rPr>
+              <a:t>-</a:t>
+            </a:r>
+            <a:r>
+              <a:rPr lang="zh-CN" altLang="en-US" sz="3600" dirty="0">
+                <a:solidFill>
+                  <a:schemeClr val="bg1"/>
+                </a:solidFill>
+              </a:rPr>
+              <a:t> </a:t>
+            </a:r>
+            <a:r>
+              <a:rPr lang="en-US" altLang="zh-CN" sz="3600" dirty="0">
+                <a:solidFill>
+                  <a:schemeClr val="bg1"/>
+                </a:solidFill>
+              </a:rPr>
+              <a:t>II</a:t>
+            </a:r>
+            <a:endParaRPr lang="en-US" sz="3600" dirty="0">
+              <a:solidFill>
+                <a:schemeClr val="bg1"/>
+              </a:solidFill>
+            </a:endParaRPr>
+          </a:p>
+        </p:txBody>
+      </p:sp>
+      <p:sp>
+        <p:nvSpPr>
+          <p:cNvPr id="6" name="Footer Placeholder 5"/>
+          <p:cNvSpPr>
+            <a:spLocks noGrp="1"/>
+          </p:cNvSpPr>
+          <p:nvPr>
+            <p:ph type="ftr" sz="quarter" idx="11"/>
+          </p:nvPr>
+        </p:nvSpPr>
+        <p:spPr/>
+        <p:txBody>
+          <a:bodyPr/>
+          <a:lstStyle/>
+          <a:p>
+            <a:r>
+              <a:rPr lang="en-US" altLang="zh-CN"/>
+              <a:t>1</a:t>
+            </a:r>
+            <a:endParaRPr lang="en-US" dirty="0"/>
+          </a:p>
+        </p:txBody>
+      </p:sp>
+    </p:spTree>
+    <p:extLst>
+      <p:ext uri="{BB962C8B-B14F-4D97-AF65-F5344CB8AC3E}">
+        <p14:creationId xmlns:p14="http://schemas.microsoft.com/office/powerpoint/2010/main" val="1717538046"/>
+      </p:ext>
+    </p:extLst>
+  </p:cSld>
+  <p:clrMapOvr>
+    <a:masterClrMapping/>
+  </p:clrMapOvr>
+</p:sld>
+</file>
+
+<file path=ppt/slides/slide14.xml><?xml version="1.0" encoding="utf-8"?>
 <p:sld xmlns:a="http://schemas.openxmlformats.org/drawingml/2006/main" xmlns:r="http://schemas.openxmlformats.org/officeDocument/2006/relationships" xmlns:p="http://schemas.openxmlformats.org/presentationml/2006/main">
   <p:cSld>
     <p:spTree>
@@ -4692,7 +6714,7 @@
           <p:nvPr/>
         </p:nvPicPr>
         <p:blipFill rotWithShape="1">
-          <a:blip r:embed="rId2">
+          <a:blip r:embed="rId3">
             <a:extLst>
               <a:ext uri="{28A0092B-C50C-407E-A947-70E740481C1C}">
                 <a14:useLocalDpi xmlns:a14="http://schemas.microsoft.com/office/drawing/2010/main" val="0"/>
@@ -4745,7 +6767,7 @@
           <a:lstStyle/>
           <a:p>
             <a:r>
-              <a:rPr lang="en-US" altLang="zh-CN" sz="3600" dirty="0" smtClean="0">
+              <a:rPr lang="en-US" altLang="zh-CN" sz="3600" dirty="0">
                 <a:solidFill>
                   <a:schemeClr val="bg1"/>
                 </a:solidFill>
@@ -4838,7 +6860,7 @@
         </p:nvCxnSpPr>
         <p:spPr>
           <a:xfrm>
-            <a:off x="1663908" y="3839151"/>
+            <a:off x="1663908" y="3869131"/>
             <a:ext cx="6790544" cy="0"/>
           </a:xfrm>
           <a:prstGeom prst="line">
@@ -4925,15 +6947,15 @@
           <a:lstStyle/>
           <a:p>
             <a:r>
-              <a:rPr lang="en-US" altLang="zh-CN" sz="3200" dirty="0" smtClean="0"/>
+              <a:rPr lang="en-US" altLang="zh-CN" sz="3200" dirty="0"/>
               <a:t>Project</a:t>
             </a:r>
             <a:r>
-              <a:rPr lang="zh-CN" altLang="en-US" sz="3200" dirty="0" smtClean="0"/>
+              <a:rPr lang="zh-CN" altLang="en-US" sz="3200" dirty="0"/>
               <a:t> </a:t>
             </a:r>
             <a:r>
-              <a:rPr lang="en-US" altLang="zh-CN" sz="3200" dirty="0" smtClean="0"/>
+              <a:rPr lang="en-US" altLang="zh-CN" sz="3200" dirty="0"/>
               <a:t>Introduction</a:t>
             </a:r>
             <a:endParaRPr lang="en-US" sz="3200" dirty="0"/>
@@ -4948,7 +6970,50 @@
         </p:nvSpPr>
         <p:spPr>
           <a:xfrm>
-            <a:off x="1663908" y="2652035"/>
+            <a:off x="1663908" y="2622796"/>
+            <a:ext cx="6790544" cy="643253"/>
+          </a:xfrm>
+          <a:prstGeom prst="rect">
+            <a:avLst/>
+          </a:prstGeom>
+          <a:solidFill>
+            <a:srgbClr val="072348"/>
+          </a:solidFill>
+          <a:ln>
+            <a:noFill/>
+          </a:ln>
+        </p:spPr>
+        <p:txBody>
+          <a:bodyPr wrap="square" rtlCol="0">
+            <a:spAutoFit/>
+          </a:bodyPr>
+          <a:lstStyle/>
+          <a:p>
+            <a:r>
+              <a:rPr lang="en-US" altLang="zh-CN" sz="3200" dirty="0">
+                <a:solidFill>
+                  <a:schemeClr val="bg1"/>
+                </a:solidFill>
+              </a:rPr>
+              <a:t>Methodology</a:t>
+            </a:r>
+            <a:endParaRPr lang="en-US" sz="3200" dirty="0">
+              <a:solidFill>
+                <a:schemeClr val="bg1"/>
+              </a:solidFill>
+            </a:endParaRPr>
+          </a:p>
+        </p:txBody>
+      </p:sp>
+      <p:sp>
+        <p:nvSpPr>
+          <p:cNvPr id="19" name="TextBox 18"/>
+          <p:cNvSpPr txBox="1"/>
+          <p:nvPr/>
+        </p:nvSpPr>
+        <p:spPr>
+          <a:xfrm>
+            <a:off x="1663908" y="3269705"/>
             <a:ext cx="6790544" cy="584775"/>
           </a:xfrm>
           <a:prstGeom prst="rect">
@@ -4968,85 +7033,10 @@
           <a:lstStyle/>
           <a:p>
             <a:r>
-              <a:rPr lang="en-US" altLang="zh-CN" sz="3200" dirty="0" smtClean="0"/>
-              <a:t>Methodology</a:t>
+              <a:rPr lang="en-US" altLang="zh-CN" sz="3200" dirty="0"/>
+              <a:t>Results</a:t>
             </a:r>
             <a:endParaRPr lang="en-US" sz="3200" dirty="0"/>
-          </a:p>
-        </p:txBody>
-      </p:sp>
-      <p:sp>
-        <p:nvSpPr>
-          <p:cNvPr id="19" name="TextBox 18"/>
-          <p:cNvSpPr txBox="1"/>
-          <p:nvPr/>
-        </p:nvSpPr>
-        <p:spPr>
-          <a:xfrm>
-            <a:off x="1678906" y="3214947"/>
-            <a:ext cx="6790544" cy="643253"/>
-          </a:xfrm>
-          <a:prstGeom prst="rect">
-            <a:avLst/>
-          </a:prstGeom>
-          <a:solidFill>
-            <a:srgbClr val="072348"/>
-          </a:solidFill>
-          <a:ln>
-            <a:noFill/>
-          </a:ln>
-        </p:spPr>
-        <p:txBody>
-          <a:bodyPr wrap="square" rtlCol="0">
-            <a:spAutoFit/>
-          </a:bodyPr>
-          <a:lstStyle/>
-          <a:p>
-            <a:r>
-              <a:rPr lang="en-US" altLang="zh-CN" sz="3200" dirty="0" smtClean="0">
-                <a:solidFill>
-                  <a:schemeClr val="bg1"/>
-                </a:solidFill>
-              </a:rPr>
-              <a:t>Key</a:t>
-            </a:r>
-            <a:r>
-              <a:rPr lang="zh-CN" altLang="en-US" sz="3200" dirty="0" smtClean="0">
-                <a:solidFill>
-                  <a:schemeClr val="bg1"/>
-                </a:solidFill>
-              </a:rPr>
-              <a:t> </a:t>
-            </a:r>
-            <a:r>
-              <a:rPr lang="en-US" altLang="zh-CN" sz="3200" dirty="0">
-                <a:solidFill>
-                  <a:schemeClr val="bg1"/>
-                </a:solidFill>
-              </a:rPr>
-              <a:t>F</a:t>
-            </a:r>
-            <a:r>
-              <a:rPr lang="en-US" altLang="zh-CN" sz="3200" dirty="0" smtClean="0">
-                <a:solidFill>
-                  <a:schemeClr val="bg1"/>
-                </a:solidFill>
-              </a:rPr>
-              <a:t>indings</a:t>
-            </a:r>
-            <a:r>
-              <a:rPr lang="zh-CN" altLang="en-US" sz="3200" dirty="0" smtClean="0">
-                <a:solidFill>
-                  <a:schemeClr val="bg1"/>
-                </a:solidFill>
-              </a:rPr>
-              <a:t> </a:t>
-            </a:r>
-            <a:endParaRPr lang="en-US" sz="3200" dirty="0">
-              <a:solidFill>
-                <a:schemeClr val="bg1"/>
-              </a:solidFill>
-            </a:endParaRPr>
           </a:p>
         </p:txBody>
       </p:sp>
@@ -5078,15 +7068,15 @@
           <a:lstStyle/>
           <a:p>
             <a:r>
-              <a:rPr lang="en-US" altLang="zh-CN" sz="3200" dirty="0" smtClean="0"/>
+              <a:rPr lang="en-US" altLang="zh-CN" sz="3200" dirty="0"/>
               <a:t>Next</a:t>
             </a:r>
             <a:r>
-              <a:rPr lang="zh-CN" altLang="en-US" sz="3200" dirty="0" smtClean="0"/>
+              <a:rPr lang="zh-CN" altLang="en-US" sz="3200" dirty="0"/>
               <a:t> </a:t>
             </a:r>
             <a:r>
-              <a:rPr lang="en-US" altLang="zh-CN" sz="3200" dirty="0" smtClean="0"/>
+              <a:rPr lang="en-US" altLang="zh-CN" sz="3200" dirty="0"/>
               <a:t>Steps</a:t>
             </a:r>
             <a:endParaRPr lang="en-US" sz="3200" dirty="0"/>
@@ -5109,7 +7099,7 @@
           <a:lstStyle/>
           <a:p>
             <a:r>
-              <a:rPr lang="en-US" altLang="zh-CN" smtClean="0"/>
+              <a:rPr lang="en-US" altLang="zh-CN"/>
               <a:t>1</a:t>
             </a:r>
             <a:endParaRPr lang="en-US" dirty="0"/>
@@ -5119,24 +7109,17 @@
     </p:spTree>
     <p:extLst>
       <p:ext uri="{BB962C8B-B14F-4D97-AF65-F5344CB8AC3E}">
-        <p14:creationId xmlns:p14="http://schemas.microsoft.com/office/powerpoint/2010/main" val="1850238415"/>
+        <p14:creationId xmlns:p14="http://schemas.microsoft.com/office/powerpoint/2010/main" val="3417733336"/>
       </p:ext>
     </p:extLst>
   </p:cSld>
   <p:clrMapOvr>
     <a:masterClrMapping/>
   </p:clrMapOvr>
-  <p:timing>
-    <p:tnLst>
-      <p:par>
-        <p:cTn id="1" dur="indefinite" restart="never" nodeType="tmRoot"/>
-      </p:par>
-    </p:tnLst>
-  </p:timing>
 </p:sld>
 </file>
 
-<file path=ppt/slides/slide13.xml><?xml version="1.0" encoding="utf-8"?>
+<file path=ppt/slides/slide15.xml><?xml version="1.0" encoding="utf-8"?>
 <p:sld xmlns:a="http://schemas.openxmlformats.org/drawingml/2006/main" xmlns:r="http://schemas.openxmlformats.org/officeDocument/2006/relationships" xmlns:p="http://schemas.openxmlformats.org/presentationml/2006/main">
   <p:cSld>
     <p:spTree>
@@ -5161,8 +7144,8 @@
         </p:nvSpPr>
         <p:spPr>
           <a:xfrm>
-            <a:off x="3993438" y="2205441"/>
-            <a:ext cx="3432314" cy="1385203"/>
+            <a:off x="3874169" y="2109706"/>
+            <a:ext cx="4411579" cy="2454443"/>
           </a:xfrm>
           <a:prstGeom prst="rect">
             <a:avLst/>
@@ -5190,23 +7173,22 @@
           <a:p>
             <a:pPr algn="ctr"/>
             <a:r>
-              <a:rPr lang="en-US" altLang="zh-CN" dirty="0"/>
-              <a:t>SUMMARY OF RESULTS</a:t>
-            </a:r>
-            <a:endParaRPr lang="en-US" dirty="0"/>
+              <a:rPr lang="en-US" dirty="0"/>
+              <a:t>What is the business implication? Are the findings interesting for the client?</a:t>
+            </a:r>
           </a:p>
         </p:txBody>
       </p:sp>
       <p:pic>
         <p:nvPicPr>
-          <p:cNvPr id="7" name="Picture 2" descr="Image result for heinz college logo"/>
+          <p:cNvPr id="4" name="Picture 2" descr="Image result for heinz college logo"/>
           <p:cNvPicPr>
             <a:picLocks noChangeAspect="1" noChangeArrowheads="1"/>
           </p:cNvPicPr>
           <p:nvPr/>
         </p:nvPicPr>
         <p:blipFill rotWithShape="1">
-          <a:blip r:embed="rId2">
+          <a:blip r:embed="rId3">
             <a:extLst>
               <a:ext uri="{28A0092B-C50C-407E-A947-70E740481C1C}">
                 <a14:useLocalDpi xmlns:a14="http://schemas.microsoft.com/office/drawing/2010/main" val="0"/>
@@ -5259,224 +7241,12 @@
           <a:lstStyle/>
           <a:p>
             <a:r>
-              <a:rPr lang="en-US" altLang="zh-CN" sz="3600" dirty="0" smtClean="0">
+              <a:rPr lang="en-US" altLang="zh-CN" sz="3600" dirty="0">
                 <a:solidFill>
                   <a:schemeClr val="bg1"/>
                 </a:solidFill>
               </a:rPr>
-              <a:t>Key</a:t>
-            </a:r>
-            <a:r>
-              <a:rPr lang="zh-CN" altLang="en-US" sz="3600" dirty="0" smtClean="0">
-                <a:solidFill>
-                  <a:schemeClr val="bg1"/>
-                </a:solidFill>
-              </a:rPr>
-              <a:t> </a:t>
-            </a:r>
-            <a:r>
-              <a:rPr lang="en-US" altLang="zh-CN" sz="3600" dirty="0" smtClean="0">
-                <a:solidFill>
-                  <a:schemeClr val="bg1"/>
-                </a:solidFill>
-              </a:rPr>
-              <a:t>findings</a:t>
-            </a:r>
-            <a:endParaRPr lang="en-US" sz="3600" dirty="0">
-              <a:solidFill>
-                <a:schemeClr val="bg1"/>
-              </a:solidFill>
-            </a:endParaRPr>
-          </a:p>
-        </p:txBody>
-      </p:sp>
-      <p:sp>
-        <p:nvSpPr>
-          <p:cNvPr id="4" name="Footer Placeholder 3"/>
-          <p:cNvSpPr>
-            <a:spLocks noGrp="1"/>
-          </p:cNvSpPr>
-          <p:nvPr>
-            <p:ph type="ftr" sz="quarter" idx="11"/>
-          </p:nvPr>
-        </p:nvSpPr>
-        <p:spPr/>
-        <p:txBody>
-          <a:bodyPr/>
-          <a:lstStyle/>
-          <a:p>
-            <a:r>
-              <a:rPr lang="en-US" altLang="zh-CN" smtClean="0"/>
-              <a:t>1</a:t>
-            </a:r>
-            <a:endParaRPr lang="en-US" dirty="0"/>
-          </a:p>
-        </p:txBody>
-      </p:sp>
-    </p:spTree>
-    <p:extLst>
-      <p:ext uri="{BB962C8B-B14F-4D97-AF65-F5344CB8AC3E}">
-        <p14:creationId xmlns:p14="http://schemas.microsoft.com/office/powerpoint/2010/main" val="2062410670"/>
-      </p:ext>
-    </p:extLst>
-  </p:cSld>
-  <p:clrMapOvr>
-    <a:masterClrMapping/>
-  </p:clrMapOvr>
-  <p:timing>
-    <p:tnLst>
-      <p:par>
-        <p:cTn id="1" dur="indefinite" restart="never" nodeType="tmRoot"/>
-      </p:par>
-    </p:tnLst>
-  </p:timing>
-</p:sld>
-</file>
-
-<file path=ppt/slides/slide14.xml><?xml version="1.0" encoding="utf-8"?>
-<p:sld xmlns:a="http://schemas.openxmlformats.org/drawingml/2006/main" xmlns:r="http://schemas.openxmlformats.org/officeDocument/2006/relationships" xmlns:p="http://schemas.openxmlformats.org/presentationml/2006/main">
-  <p:cSld>
-    <p:spTree>
-      <p:nvGrpSpPr>
-        <p:cNvPr id="1" name=""/>
-        <p:cNvGrpSpPr/>
-        <p:nvPr/>
-      </p:nvGrpSpPr>
-      <p:grpSpPr>
-        <a:xfrm>
-          <a:off x="0" y="0"/>
-          <a:ext cx="0" cy="0"/>
-          <a:chOff x="0" y="0"/>
-          <a:chExt cx="0" cy="0"/>
-        </a:xfrm>
-      </p:grpSpPr>
-      <p:sp>
-        <p:nvSpPr>
-          <p:cNvPr id="3" name="Rectangle 2"/>
-          <p:cNvSpPr/>
-          <p:nvPr/>
-        </p:nvSpPr>
-        <p:spPr>
-          <a:xfrm>
-            <a:off x="3874169" y="2109706"/>
-            <a:ext cx="4411579" cy="2454443"/>
-          </a:xfrm>
-          <a:prstGeom prst="rect">
-            <a:avLst/>
-          </a:prstGeom>
-        </p:spPr>
-        <p:style>
-          <a:lnRef idx="2">
-            <a:schemeClr val="accent1">
-              <a:shade val="50000"/>
-            </a:schemeClr>
-          </a:lnRef>
-          <a:fillRef idx="1">
-            <a:schemeClr val="accent1"/>
-          </a:fillRef>
-          <a:effectRef idx="0">
-            <a:schemeClr val="accent1"/>
-          </a:effectRef>
-          <a:fontRef idx="minor">
-            <a:schemeClr val="lt1"/>
-          </a:fontRef>
-        </p:style>
-        <p:txBody>
-          <a:bodyPr rtlCol="0" anchor="ctr"/>
-          <a:lstStyle/>
-          <a:p>
-            <a:pPr algn="ctr"/>
-            <a:r>
-              <a:rPr lang="en-US" dirty="0"/>
-              <a:t>What is the business implication? Are the findings interesting for the client?</a:t>
-            </a:r>
-          </a:p>
-        </p:txBody>
-      </p:sp>
-      <p:pic>
-        <p:nvPicPr>
-          <p:cNvPr id="4" name="Picture 2" descr="Image result for heinz college logo"/>
-          <p:cNvPicPr>
-            <a:picLocks noChangeAspect="1" noChangeArrowheads="1"/>
-          </p:cNvPicPr>
-          <p:nvPr/>
-        </p:nvPicPr>
-        <p:blipFill rotWithShape="1">
-          <a:blip r:embed="rId2">
-            <a:extLst>
-              <a:ext uri="{28A0092B-C50C-407E-A947-70E740481C1C}">
-                <a14:useLocalDpi xmlns:a14="http://schemas.microsoft.com/office/drawing/2010/main" val="0"/>
-              </a:ext>
-            </a:extLst>
-          </a:blip>
-          <a:srcRect b="6506"/>
-          <a:stretch/>
-        </p:blipFill>
-        <p:spPr bwMode="auto">
-          <a:xfrm>
-            <a:off x="119270" y="5680380"/>
-            <a:ext cx="2007704" cy="652333"/>
-          </a:xfrm>
-          <a:prstGeom prst="rect">
-            <a:avLst/>
-          </a:prstGeom>
-          <a:noFill/>
-          <a:extLst>
-            <a:ext uri="{909E8E84-426E-40DD-AFC4-6F175D3DCCD1}">
-              <a14:hiddenFill xmlns:a14="http://schemas.microsoft.com/office/drawing/2010/main">
-                <a:solidFill>
-                  <a:srgbClr val="FFFFFF"/>
-                </a:solidFill>
-              </a14:hiddenFill>
-            </a:ext>
-          </a:extLst>
-        </p:spPr>
-      </p:pic>
-      <p:sp>
-        <p:nvSpPr>
-          <p:cNvPr id="5" name="TextBox 4"/>
-          <p:cNvSpPr txBox="1"/>
-          <p:nvPr/>
-        </p:nvSpPr>
-        <p:spPr>
-          <a:xfrm>
-            <a:off x="1536885" y="336883"/>
-            <a:ext cx="8887497" cy="646331"/>
-          </a:xfrm>
-          <a:prstGeom prst="rect">
-            <a:avLst/>
-          </a:prstGeom>
-          <a:noFill/>
-        </p:spPr>
-        <p:txBody>
-          <a:bodyPr wrap="square" rtlCol="0">
-            <a:spAutoFit/>
-          </a:bodyPr>
-          <a:lstStyle/>
-          <a:p>
-            <a:r>
-              <a:rPr lang="en-US" altLang="zh-CN" sz="3600" dirty="0" smtClean="0">
-                <a:solidFill>
-                  <a:schemeClr val="bg1"/>
-                </a:solidFill>
-              </a:rPr>
-              <a:t>Business</a:t>
-            </a:r>
-            <a:r>
-              <a:rPr lang="zh-CN" altLang="en-US" sz="3600" dirty="0" smtClean="0">
-                <a:solidFill>
-                  <a:schemeClr val="bg1"/>
-                </a:solidFill>
-              </a:rPr>
-              <a:t> </a:t>
-            </a:r>
-            <a:r>
-              <a:rPr lang="en-US" altLang="zh-CN" sz="3600" dirty="0" smtClean="0">
-                <a:solidFill>
-                  <a:schemeClr val="bg1"/>
-                </a:solidFill>
-              </a:rPr>
-              <a:t>implications</a:t>
+              <a:t>Inference</a:t>
             </a:r>
             <a:endParaRPr lang="en-US" sz="3600" dirty="0">
               <a:solidFill>
@@ -5502,7 +7272,7 @@
           <a:lstStyle/>
           <a:p>
             <a:r>
-              <a:rPr lang="en-US" altLang="zh-CN" smtClean="0"/>
+              <a:rPr lang="en-US" altLang="zh-CN"/>
               <a:t>1</a:t>
             </a:r>
             <a:endParaRPr lang="en-US" dirty="0"/>
@@ -5519,17 +7289,10 @@
   <p:clrMapOvr>
     <a:masterClrMapping/>
   </p:clrMapOvr>
-  <p:timing>
-    <p:tnLst>
-      <p:par>
-        <p:cTn id="1" dur="indefinite" restart="never" nodeType="tmRoot"/>
-      </p:par>
-    </p:tnLst>
-  </p:timing>
 </p:sld>
 </file>
 
-<file path=ppt/slides/slide15.xml><?xml version="1.0" encoding="utf-8"?>
+<file path=ppt/slides/slide16.xml><?xml version="1.0" encoding="utf-8"?>
 <p:sld xmlns:a="http://schemas.openxmlformats.org/drawingml/2006/main" xmlns:r="http://schemas.openxmlformats.org/officeDocument/2006/relationships" xmlns:p="http://schemas.openxmlformats.org/presentationml/2006/main">
   <p:cSld>
     <p:spTree>
@@ -5555,7 +7318,7 @@
           <p:nvPr/>
         </p:nvPicPr>
         <p:blipFill rotWithShape="1">
-          <a:blip r:embed="rId2">
+          <a:blip r:embed="rId3">
             <a:extLst>
               <a:ext uri="{28A0092B-C50C-407E-A947-70E740481C1C}">
                 <a14:useLocalDpi xmlns:a14="http://schemas.microsoft.com/office/drawing/2010/main" val="0"/>
@@ -5608,7 +7371,7 @@
           <a:lstStyle/>
           <a:p>
             <a:r>
-              <a:rPr lang="en-US" altLang="zh-CN" sz="3600" dirty="0" smtClean="0">
+              <a:rPr lang="en-US" altLang="zh-CN" sz="3600" dirty="0">
                 <a:solidFill>
                   <a:schemeClr val="bg1"/>
                 </a:solidFill>
@@ -5616,7 +7379,7 @@
               <a:t>Potential</a:t>
             </a:r>
             <a:r>
-              <a:rPr lang="zh-CN" altLang="en-US" sz="3600" dirty="0" smtClean="0">
+              <a:rPr lang="zh-CN" altLang="en-US" sz="3600" dirty="0">
                 <a:solidFill>
                   <a:schemeClr val="bg1"/>
                 </a:solidFill>
@@ -5624,7 +7387,7 @@
               <a:t> </a:t>
             </a:r>
             <a:r>
-              <a:rPr lang="en-US" altLang="zh-CN" sz="3600" dirty="0" smtClean="0">
+              <a:rPr lang="en-US" altLang="zh-CN" sz="3600" dirty="0">
                 <a:solidFill>
                   <a:schemeClr val="bg1"/>
                 </a:solidFill>
@@ -5632,7 +7395,7 @@
               <a:t>challenges</a:t>
             </a:r>
             <a:r>
-              <a:rPr lang="zh-CN" altLang="en-US" sz="3600" dirty="0" smtClean="0">
+              <a:rPr lang="zh-CN" altLang="en-US" sz="3600" dirty="0">
                 <a:solidFill>
                   <a:schemeClr val="bg1"/>
                 </a:solidFill>
@@ -5663,7 +7426,7 @@
           <a:lstStyle/>
           <a:p>
             <a:r>
-              <a:rPr lang="en-US" altLang="zh-CN" smtClean="0"/>
+              <a:rPr lang="en-US" altLang="zh-CN"/>
               <a:t>1</a:t>
             </a:r>
             <a:endParaRPr lang="en-US" dirty="0"/>
@@ -5679,7 +7442,7 @@
         <p:spPr>
           <a:xfrm>
             <a:off x="2279328" y="3018794"/>
-            <a:ext cx="7372672" cy="954107"/>
+            <a:ext cx="7372672" cy="523220"/>
           </a:xfrm>
           <a:prstGeom prst="rect">
             <a:avLst/>
@@ -5701,177 +7464,8 @@
                   <a:schemeClr val="bg1"/>
                 </a:solidFill>
               </a:rPr>
-              <a:t>Constant reconsideration of approach due to lack of domain knowledge</a:t>
-            </a:r>
-          </a:p>
-        </p:txBody>
-      </p:sp>
-      <p:sp>
-        <p:nvSpPr>
-          <p:cNvPr id="11" name="Rectangle 10"/>
-          <p:cNvSpPr/>
-          <p:nvPr/>
-        </p:nvSpPr>
-        <p:spPr>
-          <a:xfrm>
-            <a:off x="2279328" y="4148554"/>
-            <a:ext cx="7372672" cy="954107"/>
-          </a:xfrm>
-          <a:prstGeom prst="rect">
-            <a:avLst/>
-          </a:prstGeom>
-          <a:solidFill>
-            <a:srgbClr val="072348"/>
-          </a:solidFill>
-        </p:spPr>
-        <p:txBody>
-          <a:bodyPr wrap="square">
-            <a:spAutoFit/>
-          </a:bodyPr>
-          <a:lstStyle/>
-          <a:p>
-            <a:pPr defTabSz="877712"/>
-            <a:r>
-              <a:rPr lang="en-US" altLang="zh-CN" sz="2800" dirty="0">
-                <a:solidFill>
-                  <a:schemeClr val="bg1"/>
-                </a:solidFill>
-              </a:rPr>
-              <a:t>Insufficient</a:t>
-            </a:r>
-            <a:r>
-              <a:rPr lang="zh-CN" altLang="en-US" sz="2800" dirty="0">
-                <a:solidFill>
-                  <a:schemeClr val="bg1"/>
-                </a:solidFill>
-              </a:rPr>
-              <a:t> </a:t>
-            </a:r>
-            <a:r>
-              <a:rPr lang="en-US" altLang="zh-CN" sz="2800" dirty="0">
-                <a:solidFill>
-                  <a:schemeClr val="bg1"/>
-                </a:solidFill>
-              </a:rPr>
-              <a:t>beat</a:t>
-            </a:r>
-            <a:r>
-              <a:rPr lang="zh-CN" altLang="en-US" sz="2800" dirty="0">
-                <a:solidFill>
-                  <a:schemeClr val="bg1"/>
-                </a:solidFill>
-              </a:rPr>
-              <a:t> </a:t>
-            </a:r>
-            <a:r>
-              <a:rPr lang="en-US" altLang="zh-CN" sz="2800" dirty="0">
-                <a:solidFill>
-                  <a:schemeClr val="bg1"/>
-                </a:solidFill>
-              </a:rPr>
-              <a:t>data</a:t>
-            </a:r>
-            <a:r>
-              <a:rPr lang="zh-CN" altLang="en-US" sz="2800" dirty="0">
-                <a:solidFill>
-                  <a:schemeClr val="bg1"/>
-                </a:solidFill>
-              </a:rPr>
-              <a:t> </a:t>
-            </a:r>
-            <a:r>
-              <a:rPr lang="en-US" altLang="zh-CN" sz="2800" dirty="0">
-                <a:solidFill>
-                  <a:schemeClr val="bg1"/>
-                </a:solidFill>
-              </a:rPr>
-              <a:t>for</a:t>
-            </a:r>
-            <a:r>
-              <a:rPr lang="zh-CN" altLang="en-US" sz="2800" dirty="0">
-                <a:solidFill>
-                  <a:schemeClr val="bg1"/>
-                </a:solidFill>
-              </a:rPr>
-              <a:t>  </a:t>
-            </a:r>
-            <a:r>
-              <a:rPr lang="en-US" altLang="zh-CN" sz="2800" dirty="0">
-                <a:solidFill>
-                  <a:schemeClr val="bg1"/>
-                </a:solidFill>
-              </a:rPr>
-              <a:t>low</a:t>
-            </a:r>
-            <a:r>
-              <a:rPr lang="zh-CN" altLang="en-US" sz="2800" dirty="0">
-                <a:solidFill>
-                  <a:schemeClr val="bg1"/>
-                </a:solidFill>
-              </a:rPr>
-              <a:t> </a:t>
-            </a:r>
-            <a:r>
-              <a:rPr lang="en-US" altLang="zh-CN" sz="2800" dirty="0">
-                <a:solidFill>
-                  <a:schemeClr val="bg1"/>
-                </a:solidFill>
-              </a:rPr>
-              <a:t>level</a:t>
-            </a:r>
-            <a:r>
-              <a:rPr lang="zh-CN" altLang="en-US" sz="2800" dirty="0">
-                <a:solidFill>
-                  <a:schemeClr val="bg1"/>
-                </a:solidFill>
-              </a:rPr>
-              <a:t> </a:t>
-            </a:r>
-            <a:r>
-              <a:rPr lang="en-US" altLang="zh-CN" sz="2800" dirty="0">
-                <a:solidFill>
-                  <a:schemeClr val="bg1"/>
-                </a:solidFill>
-              </a:rPr>
-              <a:t>location</a:t>
-            </a:r>
-            <a:r>
-              <a:rPr lang="zh-CN" altLang="en-US" sz="2800" dirty="0">
-                <a:solidFill>
-                  <a:schemeClr val="bg1"/>
-                </a:solidFill>
-              </a:rPr>
-              <a:t> </a:t>
-            </a:r>
-            <a:r>
-              <a:rPr lang="en-US" altLang="zh-CN" sz="2800" dirty="0">
-                <a:solidFill>
-                  <a:schemeClr val="bg1"/>
-                </a:solidFill>
-              </a:rPr>
-              <a:t>based</a:t>
-            </a:r>
-            <a:r>
-              <a:rPr lang="zh-CN" altLang="en-US" sz="2800" dirty="0">
-                <a:solidFill>
-                  <a:schemeClr val="bg1"/>
-                </a:solidFill>
-              </a:rPr>
-              <a:t> </a:t>
-            </a:r>
-            <a:r>
-              <a:rPr lang="en-US" altLang="zh-CN" sz="2800" dirty="0">
-                <a:solidFill>
-                  <a:schemeClr val="bg1"/>
-                </a:solidFill>
-              </a:rPr>
-              <a:t>analysis</a:t>
-            </a:r>
-            <a:endParaRPr lang="en-US" sz="2800" dirty="0">
-              <a:solidFill>
-                <a:schemeClr val="bg1"/>
-              </a:solidFill>
-            </a:endParaRPr>
+              <a:t>Lack of domain knowledge</a:t>
+            </a:r>
           </a:p>
         </p:txBody>
       </p:sp>
@@ -5964,34 +7558,13 @@
             <a:p>
               <a:pPr defTabSz="877712"/>
               <a:r>
-                <a:rPr lang="en-IN" sz="2800" kern="0" dirty="0" smtClean="0">
+                <a:rPr lang="en-IN" sz="2800" kern="0" dirty="0">
                   <a:solidFill>
                     <a:schemeClr val="bg1"/>
                   </a:solidFill>
                 </a:rPr>
-                <a:t>Missing/insufficient </a:t>
+                <a:t>Missing/limited data</a:t>
               </a:r>
-              <a:r>
-                <a:rPr lang="en-IN" sz="2800" kern="0" dirty="0" err="1" smtClean="0">
-                  <a:solidFill>
-                    <a:schemeClr val="bg1"/>
-                  </a:solidFill>
-                </a:rPr>
-                <a:t>dat</a:t>
-              </a:r>
-              <a:r>
-                <a:rPr lang="en-US" altLang="zh-CN" sz="2800" kern="0" dirty="0" smtClean="0">
-                  <a:solidFill>
-                    <a:schemeClr val="bg1"/>
-                  </a:solidFill>
-                </a:rPr>
-                <a:t>a</a:t>
-              </a:r>
-              <a:endParaRPr lang="en-IN" sz="2800" kern="0" dirty="0" smtClean="0">
-                <a:solidFill>
-                  <a:schemeClr val="bg1"/>
-                </a:solidFill>
-              </a:endParaRPr>
             </a:p>
           </p:txBody>
         </p:sp>
@@ -6006,17 +7579,10 @@
   <p:clrMapOvr>
     <a:masterClrMapping/>
   </p:clrMapOvr>
-  <p:timing>
-    <p:tnLst>
-      <p:par>
-        <p:cTn id="1" dur="indefinite" restart="never" nodeType="tmRoot"/>
-      </p:par>
-    </p:tnLst>
-  </p:timing>
 </p:sld>
 </file>
 
-<file path=ppt/slides/slide16.xml><?xml version="1.0" encoding="utf-8"?>
+<file path=ppt/slides/slide17.xml><?xml version="1.0" encoding="utf-8"?>
 <p:sld xmlns:a="http://schemas.openxmlformats.org/drawingml/2006/main" xmlns:r="http://schemas.openxmlformats.org/officeDocument/2006/relationships" xmlns:p="http://schemas.openxmlformats.org/presentationml/2006/main">
   <p:cSld>
     <p:spTree>
@@ -6103,7 +7669,7 @@
           <p:nvPr/>
         </p:nvPicPr>
         <p:blipFill rotWithShape="1">
-          <a:blip r:embed="rId2">
+          <a:blip r:embed="rId3">
             <a:extLst>
               <a:ext uri="{28A0092B-C50C-407E-A947-70E740481C1C}">
                 <a14:useLocalDpi xmlns:a14="http://schemas.microsoft.com/office/drawing/2010/main" val="0"/>
@@ -6156,7 +7722,7 @@
           <a:lstStyle/>
           <a:p>
             <a:r>
-              <a:rPr lang="en-US" altLang="zh-CN" sz="3600" dirty="0" smtClean="0">
+              <a:rPr lang="en-US" altLang="zh-CN" sz="3600" dirty="0">
                 <a:solidFill>
                   <a:schemeClr val="bg1"/>
                 </a:solidFill>
@@ -6187,7 +7753,7 @@
           <a:lstStyle/>
           <a:p>
             <a:r>
-              <a:rPr lang="en-US" altLang="zh-CN" smtClean="0"/>
+              <a:rPr lang="en-US" altLang="zh-CN"/>
               <a:t>1</a:t>
             </a:r>
             <a:endParaRPr lang="en-US" dirty="0"/>
@@ -6204,17 +7770,10 @@
   <p:clrMapOvr>
     <a:masterClrMapping/>
   </p:clrMapOvr>
-  <p:timing>
-    <p:tnLst>
-      <p:par>
-        <p:cTn id="1" dur="indefinite" restart="never" nodeType="tmRoot"/>
-      </p:par>
-    </p:tnLst>
-  </p:timing>
 </p:sld>
 </file>
 
-<file path=ppt/slides/slide17.xml><?xml version="1.0" encoding="utf-8"?>
+<file path=ppt/slides/slide18.xml><?xml version="1.0" encoding="utf-8"?>
 <p:sld xmlns:a="http://schemas.openxmlformats.org/drawingml/2006/main" xmlns:r="http://schemas.openxmlformats.org/officeDocument/2006/relationships" xmlns:p="http://schemas.openxmlformats.org/presentationml/2006/main">
   <p:cSld>
     <p:spTree>
@@ -6293,7 +7852,7 @@
           <a:lstStyle/>
           <a:p>
             <a:r>
-              <a:rPr lang="en-US" altLang="zh-CN" sz="3600" dirty="0" smtClean="0">
+              <a:rPr lang="en-US" altLang="zh-CN" sz="3600" dirty="0">
                 <a:solidFill>
                   <a:schemeClr val="bg1"/>
                 </a:solidFill>
@@ -6473,15 +8032,15 @@
           <a:lstStyle/>
           <a:p>
             <a:r>
-              <a:rPr lang="en-US" altLang="zh-CN" sz="3200" dirty="0" smtClean="0"/>
+              <a:rPr lang="en-US" altLang="zh-CN" sz="3200" dirty="0"/>
               <a:t>Project</a:t>
             </a:r>
             <a:r>
-              <a:rPr lang="zh-CN" altLang="en-US" sz="3200" dirty="0" smtClean="0"/>
+              <a:rPr lang="zh-CN" altLang="en-US" sz="3200" dirty="0"/>
               <a:t> </a:t>
             </a:r>
             <a:r>
-              <a:rPr lang="en-US" altLang="zh-CN" sz="3200" dirty="0" smtClean="0"/>
+              <a:rPr lang="en-US" altLang="zh-CN" sz="3200" dirty="0"/>
               <a:t>Introduction</a:t>
             </a:r>
             <a:endParaRPr lang="en-US" sz="3200" dirty="0"/>
@@ -6516,7 +8075,7 @@
           <a:lstStyle/>
           <a:p>
             <a:r>
-              <a:rPr lang="en-US" altLang="zh-CN" sz="3200" dirty="0" smtClean="0"/>
+              <a:rPr lang="en-US" altLang="zh-CN" sz="3200" dirty="0"/>
               <a:t>Methodology</a:t>
             </a:r>
             <a:endParaRPr lang="en-US" sz="3200" dirty="0"/>
@@ -6551,23 +8110,19 @@
           <a:lstStyle/>
           <a:p>
             <a:r>
-              <a:rPr lang="en-US" altLang="zh-CN" sz="3200" dirty="0" smtClean="0"/>
+              <a:rPr lang="en-US" altLang="zh-CN" sz="3200" dirty="0"/>
               <a:t>Key</a:t>
             </a:r>
             <a:r>
-              <a:rPr lang="zh-CN" altLang="en-US" sz="3200" dirty="0" smtClean="0"/>
+              <a:rPr lang="zh-CN" altLang="en-US" sz="3200" dirty="0"/>
               <a:t> </a:t>
             </a:r>
             <a:r>
               <a:rPr lang="en-US" altLang="zh-CN" sz="3200" dirty="0"/>
-              <a:t>F</a:t>
-            </a:r>
-            <a:r>
-              <a:rPr lang="en-US" altLang="zh-CN" sz="3200" dirty="0" smtClean="0"/>
-              <a:t>indings</a:t>
-            </a:r>
-            <a:r>
-              <a:rPr lang="zh-CN" altLang="en-US" sz="3200" dirty="0" smtClean="0"/>
+              <a:t>Findings</a:t>
+            </a:r>
+            <a:r>
+              <a:rPr lang="zh-CN" altLang="en-US" sz="3200" dirty="0"/>
               <a:t> </a:t>
             </a:r>
             <a:endParaRPr lang="en-US" sz="3200" dirty="0"/>
@@ -6602,7 +8157,7 @@
           <a:lstStyle/>
           <a:p>
             <a:r>
-              <a:rPr lang="en-US" altLang="zh-CN" sz="3200" dirty="0" smtClean="0">
+              <a:rPr lang="en-US" altLang="zh-CN" sz="3200" dirty="0">
                 <a:solidFill>
                   <a:schemeClr val="bg1"/>
                 </a:solidFill>
@@ -6610,7 +8165,7 @@
               <a:t>Next</a:t>
             </a:r>
             <a:r>
-              <a:rPr lang="zh-CN" altLang="en-US" sz="3200" dirty="0" smtClean="0">
+              <a:rPr lang="zh-CN" altLang="en-US" sz="3200" dirty="0">
                 <a:solidFill>
                   <a:schemeClr val="bg1"/>
                 </a:solidFill>
@@ -6618,7 +8173,7 @@
               <a:t> </a:t>
             </a:r>
             <a:r>
-              <a:rPr lang="en-US" altLang="zh-CN" sz="3200" dirty="0" smtClean="0">
+              <a:rPr lang="en-US" altLang="zh-CN" sz="3200" dirty="0">
                 <a:solidFill>
                   <a:schemeClr val="bg1"/>
                 </a:solidFill>
@@ -6649,7 +8204,7 @@
           <a:lstStyle/>
           <a:p>
             <a:r>
-              <a:rPr lang="en-US" altLang="zh-CN" smtClean="0"/>
+              <a:rPr lang="en-US" altLang="zh-CN"/>
               <a:t>1</a:t>
             </a:r>
             <a:endParaRPr lang="en-US" dirty="0"/>
@@ -6666,390 +8221,6 @@
   <p:clrMapOvr>
     <a:masterClrMapping/>
   </p:clrMapOvr>
-  <p:timing>
-    <p:tnLst>
-      <p:par>
-        <p:cTn id="1" dur="indefinite" restart="never" nodeType="tmRoot"/>
-      </p:par>
-    </p:tnLst>
-  </p:timing>
-</p:sld>
-</file>
-
-<file path=ppt/slides/slide18.xml><?xml version="1.0" encoding="utf-8"?>
-<p:sld xmlns:a="http://schemas.openxmlformats.org/drawingml/2006/main" xmlns:r="http://schemas.openxmlformats.org/officeDocument/2006/relationships" xmlns:p="http://schemas.openxmlformats.org/presentationml/2006/main">
-  <p:cSld>
-    <p:spTree>
-      <p:nvGrpSpPr>
-        <p:cNvPr id="1" name=""/>
-        <p:cNvGrpSpPr/>
-        <p:nvPr/>
-      </p:nvGrpSpPr>
-      <p:grpSpPr>
-        <a:xfrm>
-          <a:off x="0" y="0"/>
-          <a:ext cx="0" cy="0"/>
-          <a:chOff x="0" y="0"/>
-          <a:chExt cx="0" cy="0"/>
-        </a:xfrm>
-      </p:grpSpPr>
-      <p:sp>
-        <p:nvSpPr>
-          <p:cNvPr id="3" name="Rectangle 2"/>
-          <p:cNvSpPr/>
-          <p:nvPr/>
-        </p:nvSpPr>
-        <p:spPr>
-          <a:xfrm>
-            <a:off x="2321910" y="3295192"/>
-            <a:ext cx="2249287" cy="436971"/>
-          </a:xfrm>
-          <a:prstGeom prst="rect">
-            <a:avLst/>
-          </a:prstGeom>
-          <a:solidFill>
-            <a:srgbClr val="96A9BA"/>
-          </a:solidFill>
-          <a:ln>
-            <a:noFill/>
-          </a:ln>
-        </p:spPr>
-        <p:style>
-          <a:lnRef idx="2">
-            <a:schemeClr val="accent1">
-              <a:shade val="50000"/>
-            </a:schemeClr>
-          </a:lnRef>
-          <a:fillRef idx="1">
-            <a:schemeClr val="accent1"/>
-          </a:fillRef>
-          <a:effectRef idx="0">
-            <a:schemeClr val="accent1"/>
-          </a:effectRef>
-          <a:fontRef idx="minor">
-            <a:schemeClr val="lt1"/>
-          </a:fontRef>
-        </p:style>
-        <p:txBody>
-          <a:bodyPr rtlCol="0" anchor="ctr"/>
-          <a:lstStyle/>
-          <a:p>
-            <a:pPr algn="ctr"/>
-            <a:r>
-              <a:rPr lang="en-US" sz="2000" smtClean="0"/>
-              <a:t>Identify features</a:t>
-            </a:r>
-            <a:endParaRPr lang="en-US" sz="2000" dirty="0"/>
-          </a:p>
-        </p:txBody>
-      </p:sp>
-      <p:pic>
-        <p:nvPicPr>
-          <p:cNvPr id="4" name="Picture 2" descr="Image result for heinz college logo"/>
-          <p:cNvPicPr>
-            <a:picLocks noChangeAspect="1" noChangeArrowheads="1"/>
-          </p:cNvPicPr>
-          <p:nvPr/>
-        </p:nvPicPr>
-        <p:blipFill rotWithShape="1">
-          <a:blip r:embed="rId2">
-            <a:extLst>
-              <a:ext uri="{28A0092B-C50C-407E-A947-70E740481C1C}">
-                <a14:useLocalDpi xmlns:a14="http://schemas.microsoft.com/office/drawing/2010/main" val="0"/>
-              </a:ext>
-            </a:extLst>
-          </a:blip>
-          <a:srcRect b="6506"/>
-          <a:stretch/>
-        </p:blipFill>
-        <p:spPr bwMode="auto">
-          <a:xfrm>
-            <a:off x="119270" y="5680380"/>
-            <a:ext cx="2007704" cy="652333"/>
-          </a:xfrm>
-          <a:prstGeom prst="rect">
-            <a:avLst/>
-          </a:prstGeom>
-          <a:noFill/>
-          <a:extLst>
-            <a:ext uri="{909E8E84-426E-40DD-AFC4-6F175D3DCCD1}">
-              <a14:hiddenFill xmlns:a14="http://schemas.microsoft.com/office/drawing/2010/main">
-                <a:solidFill>
-                  <a:srgbClr val="FFFFFF"/>
-                </a:solidFill>
-              </a14:hiddenFill>
-            </a:ext>
-          </a:extLst>
-        </p:spPr>
-      </p:pic>
-      <p:sp>
-        <p:nvSpPr>
-          <p:cNvPr id="11" name="Rectangle 10"/>
-          <p:cNvSpPr/>
-          <p:nvPr/>
-        </p:nvSpPr>
-        <p:spPr>
-          <a:xfrm>
-            <a:off x="4765303" y="2795899"/>
-            <a:ext cx="2957209" cy="438430"/>
-          </a:xfrm>
-          <a:prstGeom prst="rect">
-            <a:avLst/>
-          </a:prstGeom>
-          <a:solidFill>
-            <a:srgbClr val="96A9BA"/>
-          </a:solidFill>
-          <a:ln>
-            <a:noFill/>
-          </a:ln>
-        </p:spPr>
-        <p:style>
-          <a:lnRef idx="2">
-            <a:schemeClr val="accent1">
-              <a:shade val="50000"/>
-            </a:schemeClr>
-          </a:lnRef>
-          <a:fillRef idx="1">
-            <a:schemeClr val="accent1"/>
-          </a:fillRef>
-          <a:effectRef idx="0">
-            <a:schemeClr val="accent1"/>
-          </a:effectRef>
-          <a:fontRef idx="minor">
-            <a:schemeClr val="lt1"/>
-          </a:fontRef>
-        </p:style>
-        <p:txBody>
-          <a:bodyPr rtlCol="0" anchor="ctr"/>
-          <a:lstStyle/>
-          <a:p>
-            <a:pPr algn="ctr"/>
-            <a:r>
-              <a:rPr lang="en-US" altLang="zh-CN" sz="2000" dirty="0" smtClean="0"/>
-              <a:t>Build</a:t>
-            </a:r>
-            <a:r>
-              <a:rPr lang="zh-CN" altLang="en-US" sz="2000" dirty="0" smtClean="0"/>
-              <a:t> </a:t>
-            </a:r>
-            <a:r>
-              <a:rPr lang="en-US" altLang="zh-CN" sz="2000" dirty="0" smtClean="0"/>
-              <a:t>the</a:t>
-            </a:r>
-            <a:r>
-              <a:rPr lang="zh-CN" altLang="en-US" sz="2000" dirty="0" smtClean="0"/>
-              <a:t> </a:t>
-            </a:r>
-            <a:r>
-              <a:rPr lang="en-US" altLang="zh-CN" sz="2000" dirty="0" smtClean="0"/>
-              <a:t>predictive</a:t>
-            </a:r>
-            <a:r>
-              <a:rPr lang="zh-CN" altLang="en-US" sz="2000" dirty="0" smtClean="0"/>
-              <a:t> </a:t>
-            </a:r>
-            <a:r>
-              <a:rPr lang="en-US" altLang="zh-CN" sz="2000" dirty="0" smtClean="0"/>
-              <a:t>model</a:t>
-            </a:r>
-            <a:endParaRPr lang="en-US" sz="2000" dirty="0"/>
-          </a:p>
-        </p:txBody>
-      </p:sp>
-      <p:sp>
-        <p:nvSpPr>
-          <p:cNvPr id="15" name="TextBox 14"/>
-          <p:cNvSpPr txBox="1"/>
-          <p:nvPr/>
-        </p:nvSpPr>
-        <p:spPr>
-          <a:xfrm>
-            <a:off x="1536885" y="336883"/>
-            <a:ext cx="8887497" cy="646331"/>
-          </a:xfrm>
-          <a:prstGeom prst="rect">
-            <a:avLst/>
-          </a:prstGeom>
-          <a:noFill/>
-        </p:spPr>
-        <p:txBody>
-          <a:bodyPr wrap="square" rtlCol="0">
-            <a:spAutoFit/>
-          </a:bodyPr>
-          <a:lstStyle/>
-          <a:p>
-            <a:r>
-              <a:rPr lang="en-US" altLang="zh-CN" sz="3600" dirty="0" smtClean="0">
-                <a:solidFill>
-                  <a:schemeClr val="bg1"/>
-                </a:solidFill>
-              </a:rPr>
-              <a:t>Future</a:t>
-            </a:r>
-            <a:r>
-              <a:rPr lang="zh-CN" altLang="en-US" sz="3600" dirty="0" smtClean="0">
-                <a:solidFill>
-                  <a:schemeClr val="bg1"/>
-                </a:solidFill>
-              </a:rPr>
-              <a:t> </a:t>
-            </a:r>
-            <a:r>
-              <a:rPr lang="en-US" altLang="zh-CN" sz="3600" dirty="0" smtClean="0">
-                <a:solidFill>
-                  <a:schemeClr val="bg1"/>
-                </a:solidFill>
-              </a:rPr>
-              <a:t>work</a:t>
-            </a:r>
-            <a:endParaRPr lang="en-US" sz="3600" dirty="0">
-              <a:solidFill>
-                <a:schemeClr val="bg1"/>
-              </a:solidFill>
-            </a:endParaRPr>
-          </a:p>
-        </p:txBody>
-      </p:sp>
-      <p:sp>
-        <p:nvSpPr>
-          <p:cNvPr id="6" name="Footer Placeholder 5"/>
-          <p:cNvSpPr>
-            <a:spLocks noGrp="1"/>
-          </p:cNvSpPr>
-          <p:nvPr>
-            <p:ph type="ftr" sz="quarter" idx="11"/>
-          </p:nvPr>
-        </p:nvSpPr>
-        <p:spPr/>
-        <p:txBody>
-          <a:bodyPr/>
-          <a:lstStyle/>
-          <a:p>
-            <a:r>
-              <a:rPr lang="en-US" altLang="zh-CN" smtClean="0"/>
-              <a:t>1</a:t>
-            </a:r>
-            <a:endParaRPr lang="en-US" dirty="0"/>
-          </a:p>
-        </p:txBody>
-      </p:sp>
-      <p:sp>
-        <p:nvSpPr>
-          <p:cNvPr id="5" name="Oval 4"/>
-          <p:cNvSpPr/>
-          <p:nvPr/>
-        </p:nvSpPr>
-        <p:spPr>
-          <a:xfrm>
-            <a:off x="2126974" y="3100256"/>
-            <a:ext cx="389871" cy="389871"/>
-          </a:xfrm>
-          <a:prstGeom prst="ellipse">
-            <a:avLst/>
-          </a:prstGeom>
-          <a:solidFill>
-            <a:srgbClr val="072348"/>
-          </a:solidFill>
-          <a:ln>
-            <a:noFill/>
-          </a:ln>
-        </p:spPr>
-        <p:style>
-          <a:lnRef idx="2">
-            <a:schemeClr val="accent1">
-              <a:shade val="50000"/>
-            </a:schemeClr>
-          </a:lnRef>
-          <a:fillRef idx="1">
-            <a:schemeClr val="accent1"/>
-          </a:fillRef>
-          <a:effectRef idx="0">
-            <a:schemeClr val="accent1"/>
-          </a:effectRef>
-          <a:fontRef idx="minor">
-            <a:schemeClr val="lt1"/>
-          </a:fontRef>
-        </p:style>
-        <p:txBody>
-          <a:bodyPr rtlCol="0" anchor="ctr"/>
-          <a:lstStyle/>
-          <a:p>
-            <a:pPr algn="ctr"/>
-            <a:r>
-              <a:rPr lang="en-US" altLang="zh-CN" smtClean="0"/>
-              <a:t>1</a:t>
-            </a:r>
-            <a:endParaRPr lang="en-US"/>
-          </a:p>
-        </p:txBody>
-      </p:sp>
-      <p:sp>
-        <p:nvSpPr>
-          <p:cNvPr id="17" name="Oval 16"/>
-          <p:cNvSpPr/>
-          <p:nvPr/>
-        </p:nvSpPr>
-        <p:spPr>
-          <a:xfrm>
-            <a:off x="4570367" y="2600963"/>
-            <a:ext cx="389871" cy="389871"/>
-          </a:xfrm>
-          <a:prstGeom prst="ellipse">
-            <a:avLst/>
-          </a:prstGeom>
-          <a:solidFill>
-            <a:srgbClr val="072348"/>
-          </a:solidFill>
-          <a:ln>
-            <a:noFill/>
-          </a:ln>
-        </p:spPr>
-        <p:style>
-          <a:lnRef idx="2">
-            <a:schemeClr val="accent1">
-              <a:shade val="50000"/>
-            </a:schemeClr>
-          </a:lnRef>
-          <a:fillRef idx="1">
-            <a:schemeClr val="accent1"/>
-          </a:fillRef>
-          <a:effectRef idx="0">
-            <a:schemeClr val="accent1"/>
-          </a:effectRef>
-          <a:fontRef idx="minor">
-            <a:schemeClr val="lt1"/>
-          </a:fontRef>
-        </p:style>
-        <p:txBody>
-          <a:bodyPr rtlCol="0" anchor="ctr"/>
-          <a:lstStyle/>
-          <a:p>
-            <a:pPr algn="ctr"/>
-            <a:r>
-              <a:rPr lang="en-US" altLang="zh-CN" dirty="0" smtClean="0"/>
-              <a:t>2</a:t>
-            </a:r>
-            <a:endParaRPr lang="en-US" dirty="0"/>
-          </a:p>
-        </p:txBody>
-      </p:sp>
-    </p:spTree>
-    <p:extLst>
-      <p:ext uri="{BB962C8B-B14F-4D97-AF65-F5344CB8AC3E}">
-        <p14:creationId xmlns:p14="http://schemas.microsoft.com/office/powerpoint/2010/main" val="936431822"/>
-      </p:ext>
-    </p:extLst>
-  </p:cSld>
-  <p:clrMapOvr>
-    <a:masterClrMapping/>
-  </p:clrMapOvr>
-  <p:timing>
-    <p:tnLst>
-      <p:par>
-        <p:cTn id="1" dur="indefinite" restart="never" nodeType="tmRoot"/>
-      </p:par>
-    </p:tnLst>
-  </p:timing>
 </p:sld>
 </file>
 
@@ -7072,6 +8243,1234 @@
       </p:grpSpPr>
       <p:pic>
         <p:nvPicPr>
+          <p:cNvPr id="4" name="Picture 2" descr="Image result for heinz college logo"/>
+          <p:cNvPicPr>
+            <a:picLocks noChangeAspect="1" noChangeArrowheads="1"/>
+          </p:cNvPicPr>
+          <p:nvPr/>
+        </p:nvPicPr>
+        <p:blipFill rotWithShape="1">
+          <a:blip r:embed="rId3">
+            <a:extLst>
+              <a:ext uri="{28A0092B-C50C-407E-A947-70E740481C1C}">
+                <a14:useLocalDpi xmlns:a14="http://schemas.microsoft.com/office/drawing/2010/main" val="0"/>
+              </a:ext>
+            </a:extLst>
+          </a:blip>
+          <a:srcRect b="6506"/>
+          <a:stretch/>
+        </p:blipFill>
+        <p:spPr bwMode="auto">
+          <a:xfrm>
+            <a:off x="119270" y="5680380"/>
+            <a:ext cx="2007704" cy="652333"/>
+          </a:xfrm>
+          <a:prstGeom prst="rect">
+            <a:avLst/>
+          </a:prstGeom>
+          <a:noFill/>
+          <a:extLst>
+            <a:ext uri="{909E8E84-426E-40DD-AFC4-6F175D3DCCD1}">
+              <a14:hiddenFill xmlns:a14="http://schemas.microsoft.com/office/drawing/2010/main">
+                <a:solidFill>
+                  <a:srgbClr val="FFFFFF"/>
+                </a:solidFill>
+              </a14:hiddenFill>
+            </a:ext>
+          </a:extLst>
+        </p:spPr>
+      </p:pic>
+      <p:sp>
+        <p:nvSpPr>
+          <p:cNvPr id="15" name="TextBox 14"/>
+          <p:cNvSpPr txBox="1"/>
+          <p:nvPr/>
+        </p:nvSpPr>
+        <p:spPr>
+          <a:xfrm>
+            <a:off x="1536885" y="336883"/>
+            <a:ext cx="8887497" cy="646331"/>
+          </a:xfrm>
+          <a:prstGeom prst="rect">
+            <a:avLst/>
+          </a:prstGeom>
+          <a:noFill/>
+        </p:spPr>
+        <p:txBody>
+          <a:bodyPr wrap="square" rtlCol="0">
+            <a:spAutoFit/>
+          </a:bodyPr>
+          <a:lstStyle/>
+          <a:p>
+            <a:r>
+              <a:rPr lang="en-US" altLang="zh-CN" sz="3600" dirty="0">
+                <a:solidFill>
+                  <a:schemeClr val="bg1"/>
+                </a:solidFill>
+              </a:rPr>
+              <a:t>Future</a:t>
+            </a:r>
+            <a:r>
+              <a:rPr lang="zh-CN" altLang="en-US" sz="3600" dirty="0">
+                <a:solidFill>
+                  <a:schemeClr val="bg1"/>
+                </a:solidFill>
+              </a:rPr>
+              <a:t> </a:t>
+            </a:r>
+            <a:r>
+              <a:rPr lang="en-US" altLang="zh-CN" sz="3600" dirty="0">
+                <a:solidFill>
+                  <a:schemeClr val="bg1"/>
+                </a:solidFill>
+              </a:rPr>
+              <a:t>work</a:t>
+            </a:r>
+            <a:endParaRPr lang="en-US" sz="3600" dirty="0">
+              <a:solidFill>
+                <a:schemeClr val="bg1"/>
+              </a:solidFill>
+            </a:endParaRPr>
+          </a:p>
+        </p:txBody>
+      </p:sp>
+      <p:sp>
+        <p:nvSpPr>
+          <p:cNvPr id="6" name="Footer Placeholder 5"/>
+          <p:cNvSpPr>
+            <a:spLocks noGrp="1"/>
+          </p:cNvSpPr>
+          <p:nvPr>
+            <p:ph type="ftr" sz="quarter" idx="11"/>
+          </p:nvPr>
+        </p:nvSpPr>
+        <p:spPr/>
+        <p:txBody>
+          <a:bodyPr/>
+          <a:lstStyle/>
+          <a:p>
+            <a:r>
+              <a:rPr lang="en-US" altLang="zh-CN"/>
+              <a:t>1</a:t>
+            </a:r>
+            <a:endParaRPr lang="en-US" dirty="0"/>
+          </a:p>
+        </p:txBody>
+      </p:sp>
+      <p:sp>
+        <p:nvSpPr>
+          <p:cNvPr id="2" name="TextBox 1"/>
+          <p:cNvSpPr txBox="1"/>
+          <p:nvPr/>
+        </p:nvSpPr>
+        <p:spPr>
+          <a:xfrm>
+            <a:off x="404037" y="1552353"/>
+            <a:ext cx="10737205" cy="4985980"/>
+          </a:xfrm>
+          <a:prstGeom prst="rect">
+            <a:avLst/>
+          </a:prstGeom>
+          <a:noFill/>
+        </p:spPr>
+        <p:txBody>
+          <a:bodyPr wrap="square" rtlCol="0">
+            <a:spAutoFit/>
+          </a:bodyPr>
+          <a:lstStyle/>
+          <a:p>
+            <a:r>
+              <a:rPr lang="en-US" dirty="0" err="1"/>
+              <a:t>Dsadasd</a:t>
+            </a:r>
+            <a:endParaRPr lang="en-US" dirty="0"/>
+          </a:p>
+          <a:p>
+            <a:endParaRPr lang="en-US" dirty="0"/>
+          </a:p>
+          <a:p>
+            <a:r>
+              <a:rPr lang="en-US" dirty="0"/>
+              <a:t>Extend analysis to all other beats, and all other quality of life issues</a:t>
+            </a:r>
+          </a:p>
+          <a:p>
+            <a:endParaRPr lang="en-US" dirty="0"/>
+          </a:p>
+          <a:p>
+            <a:r>
+              <a:rPr lang="en-US" dirty="0"/>
+              <a:t>Create a model using machine learning to :</a:t>
+            </a:r>
+          </a:p>
+          <a:p>
+            <a:pPr marL="342900" indent="-342900">
+              <a:buAutoNum type="arabicParenR"/>
+            </a:pPr>
+            <a:endParaRPr lang="en-US" dirty="0"/>
+          </a:p>
+          <a:p>
+            <a:r>
+              <a:rPr lang="en-US" sz="4800" dirty="0"/>
+              <a:t>DRAW MODEL SCHEMATICALLY</a:t>
+            </a:r>
+          </a:p>
+          <a:p>
+            <a:endParaRPr lang="en-US" dirty="0"/>
+          </a:p>
+          <a:p>
+            <a:endParaRPr lang="en-US" dirty="0"/>
+          </a:p>
+          <a:p>
+            <a:endParaRPr lang="en-US" dirty="0"/>
+          </a:p>
+          <a:p>
+            <a:endParaRPr lang="en-US" dirty="0"/>
+          </a:p>
+          <a:p>
+            <a:endParaRPr lang="en-US" dirty="0"/>
+          </a:p>
+          <a:p>
+            <a:endParaRPr lang="en-US" dirty="0"/>
+          </a:p>
+          <a:p>
+            <a:endParaRPr lang="en-US" dirty="0"/>
+          </a:p>
+          <a:p>
+            <a:endParaRPr lang="en-US" dirty="0"/>
+          </a:p>
+          <a:p>
+            <a:endParaRPr lang="en-IN" dirty="0"/>
+          </a:p>
+        </p:txBody>
+      </p:sp>
+    </p:spTree>
+    <p:extLst>
+      <p:ext uri="{BB962C8B-B14F-4D97-AF65-F5344CB8AC3E}">
+        <p14:creationId xmlns:p14="http://schemas.microsoft.com/office/powerpoint/2010/main" val="936431822"/>
+      </p:ext>
+    </p:extLst>
+  </p:cSld>
+  <p:clrMapOvr>
+    <a:masterClrMapping/>
+  </p:clrMapOvr>
+</p:sld>
+</file>
+
+<file path=ppt/slides/slide2.xml><?xml version="1.0" encoding="utf-8"?>
+<p:sld xmlns:a="http://schemas.openxmlformats.org/drawingml/2006/main" xmlns:r="http://schemas.openxmlformats.org/officeDocument/2006/relationships" xmlns:p="http://schemas.openxmlformats.org/presentationml/2006/main">
+  <p:cSld>
+    <p:spTree>
+      <p:nvGrpSpPr>
+        <p:cNvPr id="1" name=""/>
+        <p:cNvGrpSpPr/>
+        <p:nvPr/>
+      </p:nvGrpSpPr>
+      <p:grpSpPr>
+        <a:xfrm>
+          <a:off x="0" y="0"/>
+          <a:ext cx="0" cy="0"/>
+          <a:chOff x="0" y="0"/>
+          <a:chExt cx="0" cy="0"/>
+        </a:xfrm>
+      </p:grpSpPr>
+      <p:sp>
+        <p:nvSpPr>
+          <p:cNvPr id="25" name="Rectangle 24"/>
+          <p:cNvSpPr>
+            <a:spLocks/>
+          </p:cNvSpPr>
+          <p:nvPr/>
+        </p:nvSpPr>
+        <p:spPr>
+          <a:xfrm>
+            <a:off x="2300717" y="2187770"/>
+            <a:ext cx="1371600" cy="1371600"/>
+          </a:xfrm>
+          <a:prstGeom prst="rect">
+            <a:avLst/>
+          </a:prstGeom>
+          <a:solidFill>
+            <a:srgbClr val="072348"/>
+          </a:solidFill>
+          <a:ln>
+            <a:noFill/>
+          </a:ln>
+        </p:spPr>
+        <p:style>
+          <a:lnRef idx="2">
+            <a:schemeClr val="accent1">
+              <a:shade val="50000"/>
+            </a:schemeClr>
+          </a:lnRef>
+          <a:fillRef idx="1">
+            <a:schemeClr val="accent1"/>
+          </a:fillRef>
+          <a:effectRef idx="0">
+            <a:schemeClr val="accent1"/>
+          </a:effectRef>
+          <a:fontRef idx="minor">
+            <a:schemeClr val="lt1"/>
+          </a:fontRef>
+        </p:style>
+        <p:txBody>
+          <a:bodyPr rtlCol="0" anchor="ctr"/>
+          <a:lstStyle/>
+          <a:p>
+            <a:pPr algn="ctr"/>
+            <a:endParaRPr lang="en-US"/>
+          </a:p>
+        </p:txBody>
+      </p:sp>
+      <p:sp>
+        <p:nvSpPr>
+          <p:cNvPr id="26" name="Rectangle 25"/>
+          <p:cNvSpPr>
+            <a:spLocks/>
+          </p:cNvSpPr>
+          <p:nvPr/>
+        </p:nvSpPr>
+        <p:spPr>
+          <a:xfrm>
+            <a:off x="4468690" y="2187770"/>
+            <a:ext cx="1371600" cy="1371600"/>
+          </a:xfrm>
+          <a:prstGeom prst="rect">
+            <a:avLst/>
+          </a:prstGeom>
+          <a:solidFill>
+            <a:srgbClr val="072348"/>
+          </a:solidFill>
+          <a:ln>
+            <a:noFill/>
+          </a:ln>
+        </p:spPr>
+        <p:style>
+          <a:lnRef idx="2">
+            <a:schemeClr val="accent1">
+              <a:shade val="50000"/>
+            </a:schemeClr>
+          </a:lnRef>
+          <a:fillRef idx="1">
+            <a:schemeClr val="accent1"/>
+          </a:fillRef>
+          <a:effectRef idx="0">
+            <a:schemeClr val="accent1"/>
+          </a:effectRef>
+          <a:fontRef idx="minor">
+            <a:schemeClr val="lt1"/>
+          </a:fontRef>
+        </p:style>
+        <p:txBody>
+          <a:bodyPr rtlCol="0" anchor="ctr"/>
+          <a:lstStyle/>
+          <a:p>
+            <a:pPr algn="ctr"/>
+            <a:endParaRPr lang="en-US"/>
+          </a:p>
+        </p:txBody>
+      </p:sp>
+      <p:sp>
+        <p:nvSpPr>
+          <p:cNvPr id="27" name="Rectangle 26"/>
+          <p:cNvSpPr>
+            <a:spLocks/>
+          </p:cNvSpPr>
+          <p:nvPr/>
+        </p:nvSpPr>
+        <p:spPr>
+          <a:xfrm>
+            <a:off x="6459052" y="2187770"/>
+            <a:ext cx="1371600" cy="1371600"/>
+          </a:xfrm>
+          <a:prstGeom prst="rect">
+            <a:avLst/>
+          </a:prstGeom>
+          <a:solidFill>
+            <a:srgbClr val="072348"/>
+          </a:solidFill>
+          <a:ln>
+            <a:noFill/>
+          </a:ln>
+        </p:spPr>
+        <p:style>
+          <a:lnRef idx="2">
+            <a:schemeClr val="accent1">
+              <a:shade val="50000"/>
+            </a:schemeClr>
+          </a:lnRef>
+          <a:fillRef idx="1">
+            <a:schemeClr val="accent1"/>
+          </a:fillRef>
+          <a:effectRef idx="0">
+            <a:schemeClr val="accent1"/>
+          </a:effectRef>
+          <a:fontRef idx="minor">
+            <a:schemeClr val="lt1"/>
+          </a:fontRef>
+        </p:style>
+        <p:txBody>
+          <a:bodyPr rtlCol="0" anchor="ctr"/>
+          <a:lstStyle/>
+          <a:p>
+            <a:pPr algn="ctr"/>
+            <a:endParaRPr lang="en-US"/>
+          </a:p>
+        </p:txBody>
+      </p:sp>
+      <p:sp>
+        <p:nvSpPr>
+          <p:cNvPr id="28" name="Rectangle 27"/>
+          <p:cNvSpPr>
+            <a:spLocks/>
+          </p:cNvSpPr>
+          <p:nvPr/>
+        </p:nvSpPr>
+        <p:spPr>
+          <a:xfrm>
+            <a:off x="8511622" y="2174214"/>
+            <a:ext cx="1371600" cy="1371600"/>
+          </a:xfrm>
+          <a:prstGeom prst="rect">
+            <a:avLst/>
+          </a:prstGeom>
+          <a:solidFill>
+            <a:srgbClr val="072348"/>
+          </a:solidFill>
+          <a:ln>
+            <a:noFill/>
+          </a:ln>
+        </p:spPr>
+        <p:style>
+          <a:lnRef idx="2">
+            <a:schemeClr val="accent1">
+              <a:shade val="50000"/>
+            </a:schemeClr>
+          </a:lnRef>
+          <a:fillRef idx="1">
+            <a:schemeClr val="accent1"/>
+          </a:fillRef>
+          <a:effectRef idx="0">
+            <a:schemeClr val="accent1"/>
+          </a:effectRef>
+          <a:fontRef idx="minor">
+            <a:schemeClr val="lt1"/>
+          </a:fontRef>
+        </p:style>
+        <p:txBody>
+          <a:bodyPr rtlCol="0" anchor="ctr"/>
+          <a:lstStyle/>
+          <a:p>
+            <a:pPr algn="ctr"/>
+            <a:endParaRPr lang="en-US"/>
+          </a:p>
+        </p:txBody>
+      </p:sp>
+      <p:sp>
+        <p:nvSpPr>
+          <p:cNvPr id="29" name="Rectangle 28"/>
+          <p:cNvSpPr>
+            <a:spLocks/>
+          </p:cNvSpPr>
+          <p:nvPr/>
+        </p:nvSpPr>
+        <p:spPr>
+          <a:xfrm>
+            <a:off x="10573008" y="2187770"/>
+            <a:ext cx="1371600" cy="1371600"/>
+          </a:xfrm>
+          <a:prstGeom prst="rect">
+            <a:avLst/>
+          </a:prstGeom>
+          <a:solidFill>
+            <a:srgbClr val="072348"/>
+          </a:solidFill>
+          <a:ln>
+            <a:noFill/>
+          </a:ln>
+        </p:spPr>
+        <p:style>
+          <a:lnRef idx="2">
+            <a:schemeClr val="accent1">
+              <a:shade val="50000"/>
+            </a:schemeClr>
+          </a:lnRef>
+          <a:fillRef idx="1">
+            <a:schemeClr val="accent1"/>
+          </a:fillRef>
+          <a:effectRef idx="0">
+            <a:schemeClr val="accent1"/>
+          </a:effectRef>
+          <a:fontRef idx="minor">
+            <a:schemeClr val="lt1"/>
+          </a:fontRef>
+        </p:style>
+        <p:txBody>
+          <a:bodyPr rtlCol="0" anchor="ctr"/>
+          <a:lstStyle/>
+          <a:p>
+            <a:pPr algn="ctr"/>
+            <a:endParaRPr lang="en-US"/>
+          </a:p>
+        </p:txBody>
+      </p:sp>
+      <p:sp>
+        <p:nvSpPr>
+          <p:cNvPr id="30" name="Rectangle 29"/>
+          <p:cNvSpPr>
+            <a:spLocks/>
+          </p:cNvSpPr>
+          <p:nvPr/>
+        </p:nvSpPr>
+        <p:spPr>
+          <a:xfrm>
+            <a:off x="5340552" y="4406957"/>
+            <a:ext cx="1371600" cy="1371600"/>
+          </a:xfrm>
+          <a:prstGeom prst="rect">
+            <a:avLst/>
+          </a:prstGeom>
+          <a:solidFill>
+            <a:srgbClr val="072348"/>
+          </a:solidFill>
+          <a:ln>
+            <a:noFill/>
+          </a:ln>
+        </p:spPr>
+        <p:style>
+          <a:lnRef idx="2">
+            <a:schemeClr val="accent1">
+              <a:shade val="50000"/>
+            </a:schemeClr>
+          </a:lnRef>
+          <a:fillRef idx="1">
+            <a:schemeClr val="accent1"/>
+          </a:fillRef>
+          <a:effectRef idx="0">
+            <a:schemeClr val="accent1"/>
+          </a:effectRef>
+          <a:fontRef idx="minor">
+            <a:schemeClr val="lt1"/>
+          </a:fontRef>
+        </p:style>
+        <p:txBody>
+          <a:bodyPr rtlCol="0" anchor="ctr"/>
+          <a:lstStyle/>
+          <a:p>
+            <a:pPr algn="ctr"/>
+            <a:endParaRPr lang="en-US"/>
+          </a:p>
+        </p:txBody>
+      </p:sp>
+      <p:pic>
+        <p:nvPicPr>
+          <p:cNvPr id="18" name="Picture 17"/>
+          <p:cNvPicPr>
+            <a:picLocks noChangeAspect="1"/>
+          </p:cNvPicPr>
+          <p:nvPr/>
+        </p:nvPicPr>
+        <p:blipFill rotWithShape="1">
+          <a:blip r:embed="rId3">
+            <a:extLst>
+              <a:ext uri="{28A0092B-C50C-407E-A947-70E740481C1C}">
+                <a14:useLocalDpi xmlns:a14="http://schemas.microsoft.com/office/drawing/2010/main" val="0"/>
+              </a:ext>
+            </a:extLst>
+          </a:blip>
+          <a:srcRect l="25660" t="28050" r="26994" b="23325"/>
+          <a:stretch/>
+        </p:blipFill>
+        <p:spPr>
+          <a:xfrm>
+            <a:off x="10632275" y="2237645"/>
+            <a:ext cx="1253066" cy="1286934"/>
+          </a:xfrm>
+          <a:prstGeom prst="rect">
+            <a:avLst/>
+          </a:prstGeom>
+        </p:spPr>
+      </p:pic>
+      <p:grpSp>
+        <p:nvGrpSpPr>
+          <p:cNvPr id="23" name="Group 22"/>
+          <p:cNvGrpSpPr/>
+          <p:nvPr/>
+        </p:nvGrpSpPr>
+        <p:grpSpPr>
+          <a:xfrm>
+            <a:off x="352170" y="2174214"/>
+            <a:ext cx="1371600" cy="1371600"/>
+            <a:chOff x="352170" y="2174214"/>
+            <a:chExt cx="1371600" cy="1371600"/>
+          </a:xfrm>
+        </p:grpSpPr>
+        <p:sp>
+          <p:nvSpPr>
+            <p:cNvPr id="22" name="Rectangle 21"/>
+            <p:cNvSpPr>
+              <a:spLocks/>
+            </p:cNvSpPr>
+            <p:nvPr/>
+          </p:nvSpPr>
+          <p:spPr>
+            <a:xfrm>
+              <a:off x="352170" y="2174214"/>
+              <a:ext cx="1371600" cy="1371600"/>
+            </a:xfrm>
+            <a:prstGeom prst="rect">
+              <a:avLst/>
+            </a:prstGeom>
+            <a:solidFill>
+              <a:srgbClr val="072348"/>
+            </a:solidFill>
+            <a:ln>
+              <a:noFill/>
+            </a:ln>
+          </p:spPr>
+          <p:style>
+            <a:lnRef idx="2">
+              <a:schemeClr val="accent1">
+                <a:shade val="50000"/>
+              </a:schemeClr>
+            </a:lnRef>
+            <a:fillRef idx="1">
+              <a:schemeClr val="accent1"/>
+            </a:fillRef>
+            <a:effectRef idx="0">
+              <a:schemeClr val="accent1"/>
+            </a:effectRef>
+            <a:fontRef idx="minor">
+              <a:schemeClr val="lt1"/>
+            </a:fontRef>
+          </p:style>
+          <p:txBody>
+            <a:bodyPr rtlCol="0" anchor="ctr"/>
+            <a:lstStyle/>
+            <a:p>
+              <a:pPr algn="ctr"/>
+              <a:endParaRPr lang="en-US"/>
+            </a:p>
+          </p:txBody>
+        </p:sp>
+        <p:pic>
+          <p:nvPicPr>
+            <p:cNvPr id="19" name="Picture 18"/>
+            <p:cNvPicPr>
+              <a:picLocks/>
+            </p:cNvPicPr>
+            <p:nvPr/>
+          </p:nvPicPr>
+          <p:blipFill rotWithShape="1">
+            <a:blip r:embed="rId4">
+              <a:extLst>
+                <a:ext uri="{28A0092B-C50C-407E-A947-70E740481C1C}">
+                  <a14:useLocalDpi xmlns:a14="http://schemas.microsoft.com/office/drawing/2010/main" val="0"/>
+                </a:ext>
+              </a:extLst>
+            </a:blip>
+            <a:srcRect l="21101" t="21315" r="25756" b="39201"/>
+            <a:stretch/>
+          </p:blipFill>
+          <p:spPr>
+            <a:xfrm>
+              <a:off x="397890" y="2235333"/>
+              <a:ext cx="1280160" cy="1280160"/>
+            </a:xfrm>
+            <a:prstGeom prst="rect">
+              <a:avLst/>
+            </a:prstGeom>
+            <a:ln>
+              <a:noFill/>
+            </a:ln>
+          </p:spPr>
+        </p:pic>
+      </p:grpSp>
+      <p:sp>
+        <p:nvSpPr>
+          <p:cNvPr id="10" name="TextBox 9"/>
+          <p:cNvSpPr txBox="1"/>
+          <p:nvPr/>
+        </p:nvSpPr>
+        <p:spPr>
+          <a:xfrm>
+            <a:off x="1536885" y="336883"/>
+            <a:ext cx="8887497" cy="646331"/>
+          </a:xfrm>
+          <a:prstGeom prst="rect">
+            <a:avLst/>
+          </a:prstGeom>
+          <a:noFill/>
+        </p:spPr>
+        <p:txBody>
+          <a:bodyPr wrap="square" rtlCol="0">
+            <a:spAutoFit/>
+          </a:bodyPr>
+          <a:lstStyle/>
+          <a:p>
+            <a:r>
+              <a:rPr lang="en-US" sz="3600" dirty="0">
+                <a:solidFill>
+                  <a:schemeClr val="bg1"/>
+                </a:solidFill>
+              </a:rPr>
+              <a:t>CARNEGIE MELLON TEAM</a:t>
+            </a:r>
+          </a:p>
+        </p:txBody>
+      </p:sp>
+      <p:pic>
+        <p:nvPicPr>
+          <p:cNvPr id="1026" name="Picture 2" descr="Image result for heinz college logo"/>
+          <p:cNvPicPr>
+            <a:picLocks noChangeAspect="1" noChangeArrowheads="1"/>
+          </p:cNvPicPr>
+          <p:nvPr/>
+        </p:nvPicPr>
+        <p:blipFill rotWithShape="1">
+          <a:blip r:embed="rId5">
+            <a:extLst>
+              <a:ext uri="{28A0092B-C50C-407E-A947-70E740481C1C}">
+                <a14:useLocalDpi xmlns:a14="http://schemas.microsoft.com/office/drawing/2010/main" val="0"/>
+              </a:ext>
+            </a:extLst>
+          </a:blip>
+          <a:srcRect b="6506"/>
+          <a:stretch/>
+        </p:blipFill>
+        <p:spPr bwMode="auto">
+          <a:xfrm>
+            <a:off x="119270" y="5680380"/>
+            <a:ext cx="2007704" cy="652333"/>
+          </a:xfrm>
+          <a:prstGeom prst="rect">
+            <a:avLst/>
+          </a:prstGeom>
+          <a:noFill/>
+          <a:extLst>
+            <a:ext uri="{909E8E84-426E-40DD-AFC4-6F175D3DCCD1}">
+              <a14:hiddenFill xmlns:a14="http://schemas.microsoft.com/office/drawing/2010/main">
+                <a:solidFill>
+                  <a:srgbClr val="FFFFFF"/>
+                </a:solidFill>
+              </a14:hiddenFill>
+            </a:ext>
+          </a:extLst>
+        </p:spPr>
+      </p:pic>
+      <p:sp>
+        <p:nvSpPr>
+          <p:cNvPr id="2" name="TextBox 1"/>
+          <p:cNvSpPr txBox="1"/>
+          <p:nvPr/>
+        </p:nvSpPr>
+        <p:spPr>
+          <a:xfrm>
+            <a:off x="4764428" y="3948048"/>
+            <a:ext cx="2432407" cy="523220"/>
+          </a:xfrm>
+          <a:prstGeom prst="rect">
+            <a:avLst/>
+          </a:prstGeom>
+          <a:noFill/>
+        </p:spPr>
+        <p:txBody>
+          <a:bodyPr wrap="square" rtlCol="0">
+            <a:spAutoFit/>
+          </a:bodyPr>
+          <a:lstStyle/>
+          <a:p>
+            <a:r>
+              <a:rPr lang="en-US" sz="2800" b="1" i="1"/>
+              <a:t>Project Advisor</a:t>
+            </a:r>
+            <a:endParaRPr lang="en-US" sz="2800" dirty="0"/>
+          </a:p>
+        </p:txBody>
+      </p:sp>
+      <p:sp>
+        <p:nvSpPr>
+          <p:cNvPr id="4" name="Rectangle 3"/>
+          <p:cNvSpPr/>
+          <p:nvPr/>
+        </p:nvSpPr>
+        <p:spPr>
+          <a:xfrm>
+            <a:off x="5526469" y="5765045"/>
+            <a:ext cx="908326" cy="369332"/>
+          </a:xfrm>
+          <a:prstGeom prst="rect">
+            <a:avLst/>
+          </a:prstGeom>
+        </p:spPr>
+        <p:txBody>
+          <a:bodyPr wrap="none">
+            <a:spAutoFit/>
+          </a:bodyPr>
+          <a:lstStyle/>
+          <a:p>
+            <a:r>
+              <a:rPr lang="en-US"/>
+              <a:t>Tim Zak</a:t>
+            </a:r>
+            <a:endParaRPr lang="en-US" b="1" i="1" dirty="0"/>
+          </a:p>
+        </p:txBody>
+      </p:sp>
+      <p:sp>
+        <p:nvSpPr>
+          <p:cNvPr id="6" name="Rectangle 5"/>
+          <p:cNvSpPr/>
+          <p:nvPr/>
+        </p:nvSpPr>
+        <p:spPr>
+          <a:xfrm>
+            <a:off x="4927235" y="1599816"/>
+            <a:ext cx="2106795" cy="523220"/>
+          </a:xfrm>
+          <a:prstGeom prst="rect">
+            <a:avLst/>
+          </a:prstGeom>
+        </p:spPr>
+        <p:txBody>
+          <a:bodyPr wrap="none">
+            <a:spAutoFit/>
+          </a:bodyPr>
+          <a:lstStyle/>
+          <a:p>
+            <a:r>
+              <a:rPr lang="en-US" sz="2800" b="1" i="1" dirty="0"/>
+              <a:t>Presented by</a:t>
+            </a:r>
+            <a:endParaRPr lang="en-US" sz="2800" dirty="0"/>
+          </a:p>
+        </p:txBody>
+      </p:sp>
+      <p:sp>
+        <p:nvSpPr>
+          <p:cNvPr id="7" name="Rectangle 6"/>
+          <p:cNvSpPr/>
+          <p:nvPr/>
+        </p:nvSpPr>
+        <p:spPr>
+          <a:xfrm>
+            <a:off x="248278" y="3571758"/>
+            <a:ext cx="1515543" cy="369332"/>
+          </a:xfrm>
+          <a:prstGeom prst="rect">
+            <a:avLst/>
+          </a:prstGeom>
+        </p:spPr>
+        <p:txBody>
+          <a:bodyPr wrap="none">
+            <a:spAutoFit/>
+          </a:bodyPr>
+          <a:lstStyle/>
+          <a:p>
+            <a:r>
+              <a:rPr lang="en-US" dirty="0" err="1"/>
+              <a:t>Ronak</a:t>
+            </a:r>
+            <a:r>
+              <a:rPr lang="zh-CN" altLang="en-US" dirty="0"/>
+              <a:t> </a:t>
+            </a:r>
+            <a:r>
+              <a:rPr lang="en-US" altLang="zh-CN" dirty="0" err="1"/>
+              <a:t>Saradhi</a:t>
+            </a:r>
+            <a:endParaRPr lang="en-US" dirty="0"/>
+          </a:p>
+        </p:txBody>
+      </p:sp>
+      <p:sp>
+        <p:nvSpPr>
+          <p:cNvPr id="8" name="Rectangle 7"/>
+          <p:cNvSpPr/>
+          <p:nvPr/>
+        </p:nvSpPr>
+        <p:spPr>
+          <a:xfrm>
+            <a:off x="2314791" y="3571758"/>
+            <a:ext cx="1540999" cy="369332"/>
+          </a:xfrm>
+          <a:prstGeom prst="rect">
+            <a:avLst/>
+          </a:prstGeom>
+        </p:spPr>
+        <p:txBody>
+          <a:bodyPr wrap="none">
+            <a:spAutoFit/>
+          </a:bodyPr>
+          <a:lstStyle/>
+          <a:p>
+            <a:r>
+              <a:rPr lang="en-US" dirty="0" err="1"/>
+              <a:t>Niteesh</a:t>
+            </a:r>
+            <a:r>
+              <a:rPr lang="zh-CN" altLang="en-US" dirty="0"/>
+              <a:t> </a:t>
+            </a:r>
+            <a:r>
+              <a:rPr lang="en-US" altLang="zh-CN" dirty="0"/>
+              <a:t>Reddy</a:t>
+            </a:r>
+            <a:endParaRPr lang="en-US" dirty="0"/>
+          </a:p>
+        </p:txBody>
+      </p:sp>
+      <p:sp>
+        <p:nvSpPr>
+          <p:cNvPr id="9" name="Rectangle 8"/>
+          <p:cNvSpPr/>
+          <p:nvPr/>
+        </p:nvSpPr>
+        <p:spPr>
+          <a:xfrm>
+            <a:off x="4620522" y="3571758"/>
+            <a:ext cx="1012200" cy="369332"/>
+          </a:xfrm>
+          <a:prstGeom prst="rect">
+            <a:avLst/>
+          </a:prstGeom>
+        </p:spPr>
+        <p:txBody>
+          <a:bodyPr wrap="none">
+            <a:spAutoFit/>
+          </a:bodyPr>
+          <a:lstStyle/>
+          <a:p>
+            <a:r>
+              <a:rPr lang="en-US" dirty="0" err="1"/>
+              <a:t>Xinyao</a:t>
+            </a:r>
+            <a:r>
+              <a:rPr lang="zh-CN" altLang="en-US" dirty="0"/>
+              <a:t> </a:t>
+            </a:r>
+            <a:r>
+              <a:rPr lang="en-US" altLang="zh-CN" dirty="0"/>
+              <a:t>Li</a:t>
+            </a:r>
+            <a:endParaRPr lang="en-US" dirty="0"/>
+          </a:p>
+        </p:txBody>
+      </p:sp>
+      <p:sp>
+        <p:nvSpPr>
+          <p:cNvPr id="11" name="Rectangle 10"/>
+          <p:cNvSpPr/>
+          <p:nvPr/>
+        </p:nvSpPr>
+        <p:spPr>
+          <a:xfrm>
+            <a:off x="6459052" y="3571758"/>
+            <a:ext cx="1443665" cy="369332"/>
+          </a:xfrm>
+          <a:prstGeom prst="rect">
+            <a:avLst/>
+          </a:prstGeom>
+        </p:spPr>
+        <p:txBody>
+          <a:bodyPr wrap="none">
+            <a:spAutoFit/>
+          </a:bodyPr>
+          <a:lstStyle/>
+          <a:p>
+            <a:r>
+              <a:rPr lang="en-US" dirty="0"/>
+              <a:t>Christina</a:t>
+            </a:r>
+            <a:r>
+              <a:rPr lang="zh-CN" altLang="en-US" dirty="0"/>
+              <a:t> </a:t>
+            </a:r>
+            <a:r>
+              <a:rPr lang="en-US" altLang="zh-CN" dirty="0"/>
+              <a:t>Gan</a:t>
+            </a:r>
+            <a:endParaRPr lang="en-US" dirty="0"/>
+          </a:p>
+        </p:txBody>
+      </p:sp>
+      <p:sp>
+        <p:nvSpPr>
+          <p:cNvPr id="12" name="Rectangle 11"/>
+          <p:cNvSpPr/>
+          <p:nvPr/>
+        </p:nvSpPr>
+        <p:spPr>
+          <a:xfrm>
+            <a:off x="7973678" y="3571758"/>
+            <a:ext cx="2521524" cy="369332"/>
+          </a:xfrm>
+          <a:prstGeom prst="rect">
+            <a:avLst/>
+          </a:prstGeom>
+        </p:spPr>
+        <p:txBody>
+          <a:bodyPr wrap="none">
+            <a:spAutoFit/>
+          </a:bodyPr>
+          <a:lstStyle/>
+          <a:p>
+            <a:r>
+              <a:rPr lang="en-US" dirty="0" err="1"/>
+              <a:t>Karthik</a:t>
+            </a:r>
+            <a:r>
+              <a:rPr lang="zh-CN" altLang="en-US" dirty="0"/>
+              <a:t> </a:t>
+            </a:r>
+            <a:r>
+              <a:rPr lang="en-US" dirty="0" err="1"/>
+              <a:t>Balasubramanian</a:t>
+            </a:r>
+            <a:endParaRPr lang="en-US" dirty="0"/>
+          </a:p>
+        </p:txBody>
+      </p:sp>
+      <p:sp>
+        <p:nvSpPr>
+          <p:cNvPr id="13" name="Rectangle 12"/>
+          <p:cNvSpPr/>
+          <p:nvPr/>
+        </p:nvSpPr>
+        <p:spPr>
+          <a:xfrm>
+            <a:off x="10495202" y="3571758"/>
+            <a:ext cx="1527213" cy="369332"/>
+          </a:xfrm>
+          <a:prstGeom prst="rect">
+            <a:avLst/>
+          </a:prstGeom>
+        </p:spPr>
+        <p:txBody>
+          <a:bodyPr wrap="none">
+            <a:spAutoFit/>
+          </a:bodyPr>
+          <a:lstStyle/>
+          <a:p>
+            <a:r>
+              <a:rPr lang="en-US" dirty="0"/>
+              <a:t>Nikhil</a:t>
+            </a:r>
+            <a:r>
+              <a:rPr lang="zh-CN" altLang="en-US" dirty="0"/>
+              <a:t> </a:t>
+            </a:r>
+            <a:r>
+              <a:rPr lang="en-US" dirty="0"/>
+              <a:t>Agarwal</a:t>
+            </a:r>
+          </a:p>
+        </p:txBody>
+      </p:sp>
+      <p:pic>
+        <p:nvPicPr>
+          <p:cNvPr id="14" name="Picture 13"/>
+          <p:cNvPicPr>
+            <a:picLocks/>
+          </p:cNvPicPr>
+          <p:nvPr/>
+        </p:nvPicPr>
+        <p:blipFill>
+          <a:blip r:embed="rId6">
+            <a:extLst>
+              <a:ext uri="{28A0092B-C50C-407E-A947-70E740481C1C}">
+                <a14:useLocalDpi xmlns:a14="http://schemas.microsoft.com/office/drawing/2010/main" val="0"/>
+              </a:ext>
+            </a:extLst>
+          </a:blip>
+          <a:stretch>
+            <a:fillRect/>
+          </a:stretch>
+        </p:blipFill>
+        <p:spPr>
+          <a:xfrm>
+            <a:off x="5386272" y="4452677"/>
+            <a:ext cx="1280160" cy="1280160"/>
+          </a:xfrm>
+          <a:prstGeom prst="rect">
+            <a:avLst/>
+          </a:prstGeom>
+        </p:spPr>
+      </p:pic>
+      <p:pic>
+        <p:nvPicPr>
+          <p:cNvPr id="15" name="Picture 14"/>
+          <p:cNvPicPr>
+            <a:picLocks noChangeAspect="1"/>
+          </p:cNvPicPr>
+          <p:nvPr/>
+        </p:nvPicPr>
+        <p:blipFill>
+          <a:blip r:embed="rId7">
+            <a:extLst>
+              <a:ext uri="{28A0092B-C50C-407E-A947-70E740481C1C}">
+                <a14:useLocalDpi xmlns:a14="http://schemas.microsoft.com/office/drawing/2010/main" val="0"/>
+              </a:ext>
+            </a:extLst>
+          </a:blip>
+          <a:stretch>
+            <a:fillRect/>
+          </a:stretch>
+        </p:blipFill>
+        <p:spPr>
+          <a:xfrm>
+            <a:off x="6504772" y="2237645"/>
+            <a:ext cx="1280160" cy="1280160"/>
+          </a:xfrm>
+          <a:prstGeom prst="rect">
+            <a:avLst/>
+          </a:prstGeom>
+        </p:spPr>
+      </p:pic>
+      <p:pic>
+        <p:nvPicPr>
+          <p:cNvPr id="16" name="Picture 15"/>
+          <p:cNvPicPr>
+            <a:picLocks noChangeAspect="1"/>
+          </p:cNvPicPr>
+          <p:nvPr/>
+        </p:nvPicPr>
+        <p:blipFill>
+          <a:blip r:embed="rId8">
+            <a:extLst>
+              <a:ext uri="{28A0092B-C50C-407E-A947-70E740481C1C}">
+                <a14:useLocalDpi xmlns:a14="http://schemas.microsoft.com/office/drawing/2010/main" val="0"/>
+              </a:ext>
+            </a:extLst>
+          </a:blip>
+          <a:stretch>
+            <a:fillRect/>
+          </a:stretch>
+        </p:blipFill>
+        <p:spPr>
+          <a:xfrm>
+            <a:off x="4514410" y="2237645"/>
+            <a:ext cx="1280160" cy="1280160"/>
+          </a:xfrm>
+          <a:prstGeom prst="rect">
+            <a:avLst/>
+          </a:prstGeom>
+        </p:spPr>
+      </p:pic>
+      <p:pic>
+        <p:nvPicPr>
+          <p:cNvPr id="17" name="Picture 16"/>
+          <p:cNvPicPr>
+            <a:picLocks noChangeAspect="1"/>
+          </p:cNvPicPr>
+          <p:nvPr/>
+        </p:nvPicPr>
+        <p:blipFill>
+          <a:blip r:embed="rId9">
+            <a:extLst>
+              <a:ext uri="{28A0092B-C50C-407E-A947-70E740481C1C}">
+                <a14:useLocalDpi xmlns:a14="http://schemas.microsoft.com/office/drawing/2010/main" val="0"/>
+              </a:ext>
+            </a:extLst>
+          </a:blip>
+          <a:stretch>
+            <a:fillRect/>
+          </a:stretch>
+        </p:blipFill>
+        <p:spPr>
+          <a:xfrm>
+            <a:off x="8557342" y="2237645"/>
+            <a:ext cx="1280160" cy="1280160"/>
+          </a:xfrm>
+          <a:prstGeom prst="rect">
+            <a:avLst/>
+          </a:prstGeom>
+        </p:spPr>
+      </p:pic>
+      <p:pic>
+        <p:nvPicPr>
+          <p:cNvPr id="21" name="Picture 20"/>
+          <p:cNvPicPr>
+            <a:picLocks noChangeAspect="1"/>
+          </p:cNvPicPr>
+          <p:nvPr/>
+        </p:nvPicPr>
+        <p:blipFill rotWithShape="1">
+          <a:blip r:embed="rId10">
+            <a:extLst>
+              <a:ext uri="{28A0092B-C50C-407E-A947-70E740481C1C}">
+                <a14:useLocalDpi xmlns:a14="http://schemas.microsoft.com/office/drawing/2010/main" val="0"/>
+              </a:ext>
+            </a:extLst>
+          </a:blip>
+          <a:srcRect l="-1395" b="22632"/>
+          <a:stretch/>
+        </p:blipFill>
+        <p:spPr>
+          <a:xfrm>
+            <a:off x="2337511" y="2237645"/>
+            <a:ext cx="1298012" cy="1273418"/>
+          </a:xfrm>
+          <a:prstGeom prst="rect">
+            <a:avLst/>
+          </a:prstGeom>
+        </p:spPr>
+      </p:pic>
+      <p:sp>
+        <p:nvSpPr>
+          <p:cNvPr id="31" name="Footer Placeholder 30"/>
+          <p:cNvSpPr>
+            <a:spLocks noGrp="1"/>
+          </p:cNvSpPr>
+          <p:nvPr>
+            <p:ph type="ftr" sz="quarter" idx="11"/>
+          </p:nvPr>
+        </p:nvSpPr>
+        <p:spPr/>
+        <p:txBody>
+          <a:bodyPr/>
+          <a:lstStyle/>
+          <a:p>
+            <a:r>
+              <a:rPr lang="en-US" altLang="zh-CN" dirty="0"/>
+              <a:t>1</a:t>
+            </a:r>
+            <a:endParaRPr lang="en-US" dirty="0"/>
+          </a:p>
+        </p:txBody>
+      </p:sp>
+    </p:spTree>
+    <p:extLst>
+      <p:ext uri="{BB962C8B-B14F-4D97-AF65-F5344CB8AC3E}">
+        <p14:creationId xmlns:p14="http://schemas.microsoft.com/office/powerpoint/2010/main" val="1876032331"/>
+      </p:ext>
+    </p:extLst>
+  </p:cSld>
+  <p:clrMapOvr>
+    <a:masterClrMapping/>
+  </p:clrMapOvr>
+</p:sld>
+</file>
+
+<file path=ppt/slides/slide20.xml><?xml version="1.0" encoding="utf-8"?>
+<p:sld xmlns:a="http://schemas.openxmlformats.org/drawingml/2006/main" xmlns:r="http://schemas.openxmlformats.org/officeDocument/2006/relationships" xmlns:p="http://schemas.openxmlformats.org/presentationml/2006/main">
+  <p:cSld>
+    <p:spTree>
+      <p:nvGrpSpPr>
+        <p:cNvPr id="1" name=""/>
+        <p:cNvGrpSpPr/>
+        <p:nvPr/>
+      </p:nvGrpSpPr>
+      <p:grpSpPr>
+        <a:xfrm>
+          <a:off x="0" y="0"/>
+          <a:ext cx="0" cy="0"/>
+          <a:chOff x="0" y="0"/>
+          <a:chExt cx="0" cy="0"/>
+        </a:xfrm>
+      </p:grpSpPr>
+      <p:pic>
+        <p:nvPicPr>
           <p:cNvPr id="1026" name="Picture 2" descr="Image result for heinz college logo"/>
           <p:cNvPicPr>
             <a:picLocks noChangeAspect="1" noChangeArrowheads="1"/>
@@ -7132,7 +9531,7 @@
           <a:lstStyle/>
           <a:p>
             <a:r>
-              <a:rPr lang="en-US" altLang="zh-CN" sz="3600" dirty="0" smtClean="0">
+              <a:rPr lang="en-US" altLang="zh-CN" sz="3600" dirty="0">
                 <a:solidFill>
                   <a:schemeClr val="bg1"/>
                 </a:solidFill>
@@ -7140,7 +9539,7 @@
               <a:t>Tools</a:t>
             </a:r>
             <a:r>
-              <a:rPr lang="zh-CN" altLang="en-US" sz="3600" dirty="0" smtClean="0">
+              <a:rPr lang="zh-CN" altLang="en-US" sz="3600" dirty="0">
                 <a:solidFill>
                   <a:schemeClr val="bg1"/>
                 </a:solidFill>
@@ -7148,7 +9547,7 @@
               <a:t> </a:t>
             </a:r>
             <a:r>
-              <a:rPr lang="en-US" altLang="zh-CN" sz="3600" dirty="0" smtClean="0">
+              <a:rPr lang="en-US" altLang="zh-CN" sz="3600" dirty="0">
                 <a:solidFill>
                   <a:schemeClr val="bg1"/>
                 </a:solidFill>
@@ -7156,7 +9555,7 @@
               <a:t>and</a:t>
             </a:r>
             <a:r>
-              <a:rPr lang="zh-CN" altLang="en-US" sz="3600" dirty="0" smtClean="0">
+              <a:rPr lang="zh-CN" altLang="en-US" sz="3600" dirty="0">
                 <a:solidFill>
                   <a:schemeClr val="bg1"/>
                 </a:solidFill>
@@ -7164,7 +9563,7 @@
               <a:t> </a:t>
             </a:r>
             <a:r>
-              <a:rPr lang="en-US" altLang="zh-CN" sz="3600" dirty="0" smtClean="0">
+              <a:rPr lang="en-US" altLang="zh-CN" sz="3600" dirty="0">
                 <a:solidFill>
                   <a:schemeClr val="bg1"/>
                 </a:solidFill>
@@ -7195,7 +9594,7 @@
           <a:lstStyle/>
           <a:p>
             <a:r>
-              <a:rPr lang="en-US" altLang="zh-CN" smtClean="0"/>
+              <a:rPr lang="en-US" altLang="zh-CN"/>
               <a:t>1</a:t>
             </a:r>
             <a:endParaRPr lang="en-US" dirty="0"/>
@@ -7256,7 +9655,7 @@
           <a:p>
             <a:pPr algn="ctr"/>
             <a:r>
-              <a:rPr lang="en-US" altLang="zh-CN" sz="2000" smtClean="0"/>
+              <a:rPr lang="en-US" altLang="zh-CN" sz="2000"/>
               <a:t>Github</a:t>
             </a:r>
             <a:endParaRPr lang="en-US" sz="2000" dirty="0"/>
@@ -7678,15 +10077,15 @@
           <a:p>
             <a:pPr algn="ctr"/>
             <a:r>
-              <a:rPr lang="en-US" altLang="zh-CN" dirty="0" smtClean="0"/>
+              <a:rPr lang="en-US" altLang="zh-CN" dirty="0"/>
               <a:t>Code</a:t>
             </a:r>
             <a:r>
-              <a:rPr lang="zh-CN" altLang="en-US" dirty="0" smtClean="0"/>
+              <a:rPr lang="zh-CN" altLang="en-US" dirty="0"/>
               <a:t> </a:t>
             </a:r>
             <a:r>
-              <a:rPr lang="en-US" altLang="zh-CN" dirty="0" smtClean="0"/>
+              <a:rPr lang="en-US" altLang="zh-CN" dirty="0"/>
               <a:t>Analysis</a:t>
             </a:r>
             <a:endParaRPr lang="en-US" dirty="0"/>
@@ -7717,7 +10116,7 @@
           <a:p>
             <a:pPr algn="ctr"/>
             <a:r>
-              <a:rPr lang="en-US" altLang="zh-CN" dirty="0" smtClean="0"/>
+              <a:rPr lang="en-US" altLang="zh-CN" dirty="0"/>
               <a:t>Collaboration</a:t>
             </a:r>
             <a:endParaRPr lang="en-US" dirty="0"/>
@@ -7748,7 +10147,7 @@
           <a:p>
             <a:pPr algn="ctr"/>
             <a:r>
-              <a:rPr lang="en-US" altLang="zh-CN" smtClean="0"/>
+              <a:rPr lang="en-US" altLang="zh-CN"/>
               <a:t>Visualization</a:t>
             </a:r>
             <a:endParaRPr lang="en-US" dirty="0"/>
@@ -7765,1019 +10164,10 @@
   <p:clrMapOvr>
     <a:masterClrMapping/>
   </p:clrMapOvr>
-  <p:timing>
-    <p:tnLst>
-      <p:par>
-        <p:cTn id="1" dur="indefinite" restart="never" nodeType="tmRoot"/>
-      </p:par>
-    </p:tnLst>
-  </p:timing>
 </p:sld>
 </file>
 
-<file path=ppt/slides/slide2.xml><?xml version="1.0" encoding="utf-8"?>
-<p:sld xmlns:a="http://schemas.openxmlformats.org/drawingml/2006/main" xmlns:r="http://schemas.openxmlformats.org/officeDocument/2006/relationships" xmlns:p="http://schemas.openxmlformats.org/presentationml/2006/main">
-  <p:cSld>
-    <p:spTree>
-      <p:nvGrpSpPr>
-        <p:cNvPr id="1" name=""/>
-        <p:cNvGrpSpPr/>
-        <p:nvPr/>
-      </p:nvGrpSpPr>
-      <p:grpSpPr>
-        <a:xfrm>
-          <a:off x="0" y="0"/>
-          <a:ext cx="0" cy="0"/>
-          <a:chOff x="0" y="0"/>
-          <a:chExt cx="0" cy="0"/>
-        </a:xfrm>
-      </p:grpSpPr>
-      <p:sp>
-        <p:nvSpPr>
-          <p:cNvPr id="25" name="Rectangle 24"/>
-          <p:cNvSpPr>
-            <a:spLocks/>
-          </p:cNvSpPr>
-          <p:nvPr/>
-        </p:nvSpPr>
-        <p:spPr>
-          <a:xfrm>
-            <a:off x="2300717" y="2187770"/>
-            <a:ext cx="1371600" cy="1371600"/>
-          </a:xfrm>
-          <a:prstGeom prst="rect">
-            <a:avLst/>
-          </a:prstGeom>
-          <a:solidFill>
-            <a:srgbClr val="072348"/>
-          </a:solidFill>
-          <a:ln>
-            <a:noFill/>
-          </a:ln>
-        </p:spPr>
-        <p:style>
-          <a:lnRef idx="2">
-            <a:schemeClr val="accent1">
-              <a:shade val="50000"/>
-            </a:schemeClr>
-          </a:lnRef>
-          <a:fillRef idx="1">
-            <a:schemeClr val="accent1"/>
-          </a:fillRef>
-          <a:effectRef idx="0">
-            <a:schemeClr val="accent1"/>
-          </a:effectRef>
-          <a:fontRef idx="minor">
-            <a:schemeClr val="lt1"/>
-          </a:fontRef>
-        </p:style>
-        <p:txBody>
-          <a:bodyPr rtlCol="0" anchor="ctr"/>
-          <a:lstStyle/>
-          <a:p>
-            <a:pPr algn="ctr"/>
-            <a:endParaRPr lang="en-US"/>
-          </a:p>
-        </p:txBody>
-      </p:sp>
-      <p:sp>
-        <p:nvSpPr>
-          <p:cNvPr id="26" name="Rectangle 25"/>
-          <p:cNvSpPr>
-            <a:spLocks/>
-          </p:cNvSpPr>
-          <p:nvPr/>
-        </p:nvSpPr>
-        <p:spPr>
-          <a:xfrm>
-            <a:off x="4468690" y="2187770"/>
-            <a:ext cx="1371600" cy="1371600"/>
-          </a:xfrm>
-          <a:prstGeom prst="rect">
-            <a:avLst/>
-          </a:prstGeom>
-          <a:solidFill>
-            <a:srgbClr val="072348"/>
-          </a:solidFill>
-          <a:ln>
-            <a:noFill/>
-          </a:ln>
-        </p:spPr>
-        <p:style>
-          <a:lnRef idx="2">
-            <a:schemeClr val="accent1">
-              <a:shade val="50000"/>
-            </a:schemeClr>
-          </a:lnRef>
-          <a:fillRef idx="1">
-            <a:schemeClr val="accent1"/>
-          </a:fillRef>
-          <a:effectRef idx="0">
-            <a:schemeClr val="accent1"/>
-          </a:effectRef>
-          <a:fontRef idx="minor">
-            <a:schemeClr val="lt1"/>
-          </a:fontRef>
-        </p:style>
-        <p:txBody>
-          <a:bodyPr rtlCol="0" anchor="ctr"/>
-          <a:lstStyle/>
-          <a:p>
-            <a:pPr algn="ctr"/>
-            <a:endParaRPr lang="en-US"/>
-          </a:p>
-        </p:txBody>
-      </p:sp>
-      <p:sp>
-        <p:nvSpPr>
-          <p:cNvPr id="27" name="Rectangle 26"/>
-          <p:cNvSpPr>
-            <a:spLocks/>
-          </p:cNvSpPr>
-          <p:nvPr/>
-        </p:nvSpPr>
-        <p:spPr>
-          <a:xfrm>
-            <a:off x="6459052" y="2187770"/>
-            <a:ext cx="1371600" cy="1371600"/>
-          </a:xfrm>
-          <a:prstGeom prst="rect">
-            <a:avLst/>
-          </a:prstGeom>
-          <a:solidFill>
-            <a:srgbClr val="072348"/>
-          </a:solidFill>
-          <a:ln>
-            <a:noFill/>
-          </a:ln>
-        </p:spPr>
-        <p:style>
-          <a:lnRef idx="2">
-            <a:schemeClr val="accent1">
-              <a:shade val="50000"/>
-            </a:schemeClr>
-          </a:lnRef>
-          <a:fillRef idx="1">
-            <a:schemeClr val="accent1"/>
-          </a:fillRef>
-          <a:effectRef idx="0">
-            <a:schemeClr val="accent1"/>
-          </a:effectRef>
-          <a:fontRef idx="minor">
-            <a:schemeClr val="lt1"/>
-          </a:fontRef>
-        </p:style>
-        <p:txBody>
-          <a:bodyPr rtlCol="0" anchor="ctr"/>
-          <a:lstStyle/>
-          <a:p>
-            <a:pPr algn="ctr"/>
-            <a:endParaRPr lang="en-US"/>
-          </a:p>
-        </p:txBody>
-      </p:sp>
-      <p:sp>
-        <p:nvSpPr>
-          <p:cNvPr id="28" name="Rectangle 27"/>
-          <p:cNvSpPr>
-            <a:spLocks/>
-          </p:cNvSpPr>
-          <p:nvPr/>
-        </p:nvSpPr>
-        <p:spPr>
-          <a:xfrm>
-            <a:off x="8511622" y="2174214"/>
-            <a:ext cx="1371600" cy="1371600"/>
-          </a:xfrm>
-          <a:prstGeom prst="rect">
-            <a:avLst/>
-          </a:prstGeom>
-          <a:solidFill>
-            <a:srgbClr val="072348"/>
-          </a:solidFill>
-          <a:ln>
-            <a:noFill/>
-          </a:ln>
-        </p:spPr>
-        <p:style>
-          <a:lnRef idx="2">
-            <a:schemeClr val="accent1">
-              <a:shade val="50000"/>
-            </a:schemeClr>
-          </a:lnRef>
-          <a:fillRef idx="1">
-            <a:schemeClr val="accent1"/>
-          </a:fillRef>
-          <a:effectRef idx="0">
-            <a:schemeClr val="accent1"/>
-          </a:effectRef>
-          <a:fontRef idx="minor">
-            <a:schemeClr val="lt1"/>
-          </a:fontRef>
-        </p:style>
-        <p:txBody>
-          <a:bodyPr rtlCol="0" anchor="ctr"/>
-          <a:lstStyle/>
-          <a:p>
-            <a:pPr algn="ctr"/>
-            <a:endParaRPr lang="en-US"/>
-          </a:p>
-        </p:txBody>
-      </p:sp>
-      <p:sp>
-        <p:nvSpPr>
-          <p:cNvPr id="29" name="Rectangle 28"/>
-          <p:cNvSpPr>
-            <a:spLocks/>
-          </p:cNvSpPr>
-          <p:nvPr/>
-        </p:nvSpPr>
-        <p:spPr>
-          <a:xfrm>
-            <a:off x="10573008" y="2187770"/>
-            <a:ext cx="1371600" cy="1371600"/>
-          </a:xfrm>
-          <a:prstGeom prst="rect">
-            <a:avLst/>
-          </a:prstGeom>
-          <a:solidFill>
-            <a:srgbClr val="072348"/>
-          </a:solidFill>
-          <a:ln>
-            <a:noFill/>
-          </a:ln>
-        </p:spPr>
-        <p:style>
-          <a:lnRef idx="2">
-            <a:schemeClr val="accent1">
-              <a:shade val="50000"/>
-            </a:schemeClr>
-          </a:lnRef>
-          <a:fillRef idx="1">
-            <a:schemeClr val="accent1"/>
-          </a:fillRef>
-          <a:effectRef idx="0">
-            <a:schemeClr val="accent1"/>
-          </a:effectRef>
-          <a:fontRef idx="minor">
-            <a:schemeClr val="lt1"/>
-          </a:fontRef>
-        </p:style>
-        <p:txBody>
-          <a:bodyPr rtlCol="0" anchor="ctr"/>
-          <a:lstStyle/>
-          <a:p>
-            <a:pPr algn="ctr"/>
-            <a:endParaRPr lang="en-US"/>
-          </a:p>
-        </p:txBody>
-      </p:sp>
-      <p:sp>
-        <p:nvSpPr>
-          <p:cNvPr id="30" name="Rectangle 29"/>
-          <p:cNvSpPr>
-            <a:spLocks/>
-          </p:cNvSpPr>
-          <p:nvPr/>
-        </p:nvSpPr>
-        <p:spPr>
-          <a:xfrm>
-            <a:off x="5340552" y="4406957"/>
-            <a:ext cx="1371600" cy="1371600"/>
-          </a:xfrm>
-          <a:prstGeom prst="rect">
-            <a:avLst/>
-          </a:prstGeom>
-          <a:solidFill>
-            <a:srgbClr val="072348"/>
-          </a:solidFill>
-          <a:ln>
-            <a:noFill/>
-          </a:ln>
-        </p:spPr>
-        <p:style>
-          <a:lnRef idx="2">
-            <a:schemeClr val="accent1">
-              <a:shade val="50000"/>
-            </a:schemeClr>
-          </a:lnRef>
-          <a:fillRef idx="1">
-            <a:schemeClr val="accent1"/>
-          </a:fillRef>
-          <a:effectRef idx="0">
-            <a:schemeClr val="accent1"/>
-          </a:effectRef>
-          <a:fontRef idx="minor">
-            <a:schemeClr val="lt1"/>
-          </a:fontRef>
-        </p:style>
-        <p:txBody>
-          <a:bodyPr rtlCol="0" anchor="ctr"/>
-          <a:lstStyle/>
-          <a:p>
-            <a:pPr algn="ctr"/>
-            <a:endParaRPr lang="en-US"/>
-          </a:p>
-        </p:txBody>
-      </p:sp>
-      <p:pic>
-        <p:nvPicPr>
-          <p:cNvPr id="18" name="Picture 17"/>
-          <p:cNvPicPr>
-            <a:picLocks noChangeAspect="1"/>
-          </p:cNvPicPr>
-          <p:nvPr/>
-        </p:nvPicPr>
-        <p:blipFill rotWithShape="1">
-          <a:blip r:embed="rId3">
-            <a:extLst>
-              <a:ext uri="{28A0092B-C50C-407E-A947-70E740481C1C}">
-                <a14:useLocalDpi xmlns:a14="http://schemas.microsoft.com/office/drawing/2010/main" val="0"/>
-              </a:ext>
-            </a:extLst>
-          </a:blip>
-          <a:srcRect l="25660" t="28050" r="26994" b="23325"/>
-          <a:stretch/>
-        </p:blipFill>
-        <p:spPr>
-          <a:xfrm>
-            <a:off x="10632275" y="2237645"/>
-            <a:ext cx="1253066" cy="1286934"/>
-          </a:xfrm>
-          <a:prstGeom prst="rect">
-            <a:avLst/>
-          </a:prstGeom>
-        </p:spPr>
-      </p:pic>
-      <p:grpSp>
-        <p:nvGrpSpPr>
-          <p:cNvPr id="23" name="Group 22"/>
-          <p:cNvGrpSpPr/>
-          <p:nvPr/>
-        </p:nvGrpSpPr>
-        <p:grpSpPr>
-          <a:xfrm>
-            <a:off x="352170" y="2174214"/>
-            <a:ext cx="1371600" cy="1371600"/>
-            <a:chOff x="352170" y="2174214"/>
-            <a:chExt cx="1371600" cy="1371600"/>
-          </a:xfrm>
-        </p:grpSpPr>
-        <p:sp>
-          <p:nvSpPr>
-            <p:cNvPr id="22" name="Rectangle 21"/>
-            <p:cNvSpPr>
-              <a:spLocks/>
-            </p:cNvSpPr>
-            <p:nvPr/>
-          </p:nvSpPr>
-          <p:spPr>
-            <a:xfrm>
-              <a:off x="352170" y="2174214"/>
-              <a:ext cx="1371600" cy="1371600"/>
-            </a:xfrm>
-            <a:prstGeom prst="rect">
-              <a:avLst/>
-            </a:prstGeom>
-            <a:solidFill>
-              <a:srgbClr val="072348"/>
-            </a:solidFill>
-            <a:ln>
-              <a:noFill/>
-            </a:ln>
-          </p:spPr>
-          <p:style>
-            <a:lnRef idx="2">
-              <a:schemeClr val="accent1">
-                <a:shade val="50000"/>
-              </a:schemeClr>
-            </a:lnRef>
-            <a:fillRef idx="1">
-              <a:schemeClr val="accent1"/>
-            </a:fillRef>
-            <a:effectRef idx="0">
-              <a:schemeClr val="accent1"/>
-            </a:effectRef>
-            <a:fontRef idx="minor">
-              <a:schemeClr val="lt1"/>
-            </a:fontRef>
-          </p:style>
-          <p:txBody>
-            <a:bodyPr rtlCol="0" anchor="ctr"/>
-            <a:lstStyle/>
-            <a:p>
-              <a:pPr algn="ctr"/>
-              <a:endParaRPr lang="en-US"/>
-            </a:p>
-          </p:txBody>
-        </p:sp>
-        <p:pic>
-          <p:nvPicPr>
-            <p:cNvPr id="19" name="Picture 18"/>
-            <p:cNvPicPr>
-              <a:picLocks/>
-            </p:cNvPicPr>
-            <p:nvPr/>
-          </p:nvPicPr>
-          <p:blipFill rotWithShape="1">
-            <a:blip r:embed="rId4">
-              <a:extLst>
-                <a:ext uri="{28A0092B-C50C-407E-A947-70E740481C1C}">
-                  <a14:useLocalDpi xmlns:a14="http://schemas.microsoft.com/office/drawing/2010/main" val="0"/>
-                </a:ext>
-              </a:extLst>
-            </a:blip>
-            <a:srcRect l="21101" t="21315" r="25756" b="39201"/>
-            <a:stretch/>
-          </p:blipFill>
-          <p:spPr>
-            <a:xfrm>
-              <a:off x="397890" y="2235333"/>
-              <a:ext cx="1280160" cy="1280160"/>
-            </a:xfrm>
-            <a:prstGeom prst="rect">
-              <a:avLst/>
-            </a:prstGeom>
-            <a:ln>
-              <a:noFill/>
-            </a:ln>
-          </p:spPr>
-        </p:pic>
-      </p:grpSp>
-      <p:sp>
-        <p:nvSpPr>
-          <p:cNvPr id="10" name="TextBox 9"/>
-          <p:cNvSpPr txBox="1"/>
-          <p:nvPr/>
-        </p:nvSpPr>
-        <p:spPr>
-          <a:xfrm>
-            <a:off x="1536885" y="336883"/>
-            <a:ext cx="8887497" cy="646331"/>
-          </a:xfrm>
-          <a:prstGeom prst="rect">
-            <a:avLst/>
-          </a:prstGeom>
-          <a:noFill/>
-        </p:spPr>
-        <p:txBody>
-          <a:bodyPr wrap="square" rtlCol="0">
-            <a:spAutoFit/>
-          </a:bodyPr>
-          <a:lstStyle/>
-          <a:p>
-            <a:r>
-              <a:rPr lang="en-US" sz="3600" dirty="0">
-                <a:solidFill>
-                  <a:schemeClr val="bg1"/>
-                </a:solidFill>
-              </a:rPr>
-              <a:t>CARNEGIE MELLON TEAM</a:t>
-            </a:r>
-          </a:p>
-        </p:txBody>
-      </p:sp>
-      <p:pic>
-        <p:nvPicPr>
-          <p:cNvPr id="1026" name="Picture 2" descr="Image result for heinz college logo"/>
-          <p:cNvPicPr>
-            <a:picLocks noChangeAspect="1" noChangeArrowheads="1"/>
-          </p:cNvPicPr>
-          <p:nvPr/>
-        </p:nvPicPr>
-        <p:blipFill rotWithShape="1">
-          <a:blip r:embed="rId5">
-            <a:extLst>
-              <a:ext uri="{28A0092B-C50C-407E-A947-70E740481C1C}">
-                <a14:useLocalDpi xmlns:a14="http://schemas.microsoft.com/office/drawing/2010/main" val="0"/>
-              </a:ext>
-            </a:extLst>
-          </a:blip>
-          <a:srcRect b="6506"/>
-          <a:stretch/>
-        </p:blipFill>
-        <p:spPr bwMode="auto">
-          <a:xfrm>
-            <a:off x="119270" y="5680380"/>
-            <a:ext cx="2007704" cy="652333"/>
-          </a:xfrm>
-          <a:prstGeom prst="rect">
-            <a:avLst/>
-          </a:prstGeom>
-          <a:noFill/>
-          <a:extLst>
-            <a:ext uri="{909E8E84-426E-40DD-AFC4-6F175D3DCCD1}">
-              <a14:hiddenFill xmlns:a14="http://schemas.microsoft.com/office/drawing/2010/main">
-                <a:solidFill>
-                  <a:srgbClr val="FFFFFF"/>
-                </a:solidFill>
-              </a14:hiddenFill>
-            </a:ext>
-          </a:extLst>
-        </p:spPr>
-      </p:pic>
-      <p:sp>
-        <p:nvSpPr>
-          <p:cNvPr id="2" name="TextBox 1"/>
-          <p:cNvSpPr txBox="1"/>
-          <p:nvPr/>
-        </p:nvSpPr>
-        <p:spPr>
-          <a:xfrm>
-            <a:off x="4764428" y="3948048"/>
-            <a:ext cx="2432407" cy="523220"/>
-          </a:xfrm>
-          <a:prstGeom prst="rect">
-            <a:avLst/>
-          </a:prstGeom>
-          <a:noFill/>
-        </p:spPr>
-        <p:txBody>
-          <a:bodyPr wrap="square" rtlCol="0">
-            <a:spAutoFit/>
-          </a:bodyPr>
-          <a:lstStyle/>
-          <a:p>
-            <a:r>
-              <a:rPr lang="en-US" sz="2800" b="1" i="1"/>
-              <a:t>Project Advisor</a:t>
-            </a:r>
-            <a:endParaRPr lang="en-US" sz="2800" dirty="0"/>
-          </a:p>
-        </p:txBody>
-      </p:sp>
-      <p:sp>
-        <p:nvSpPr>
-          <p:cNvPr id="4" name="Rectangle 3"/>
-          <p:cNvSpPr/>
-          <p:nvPr/>
-        </p:nvSpPr>
-        <p:spPr>
-          <a:xfrm>
-            <a:off x="5526469" y="5765045"/>
-            <a:ext cx="908326" cy="369332"/>
-          </a:xfrm>
-          <a:prstGeom prst="rect">
-            <a:avLst/>
-          </a:prstGeom>
-        </p:spPr>
-        <p:txBody>
-          <a:bodyPr wrap="none">
-            <a:spAutoFit/>
-          </a:bodyPr>
-          <a:lstStyle/>
-          <a:p>
-            <a:r>
-              <a:rPr lang="en-US"/>
-              <a:t>Tim Zak</a:t>
-            </a:r>
-            <a:endParaRPr lang="en-US" b="1" i="1" dirty="0"/>
-          </a:p>
-        </p:txBody>
-      </p:sp>
-      <p:sp>
-        <p:nvSpPr>
-          <p:cNvPr id="6" name="Rectangle 5"/>
-          <p:cNvSpPr/>
-          <p:nvPr/>
-        </p:nvSpPr>
-        <p:spPr>
-          <a:xfrm>
-            <a:off x="4927235" y="1599816"/>
-            <a:ext cx="2106795" cy="523220"/>
-          </a:xfrm>
-          <a:prstGeom prst="rect">
-            <a:avLst/>
-          </a:prstGeom>
-        </p:spPr>
-        <p:txBody>
-          <a:bodyPr wrap="none">
-            <a:spAutoFit/>
-          </a:bodyPr>
-          <a:lstStyle/>
-          <a:p>
-            <a:r>
-              <a:rPr lang="en-US" sz="2800" b="1" i="1" dirty="0"/>
-              <a:t>Presented by</a:t>
-            </a:r>
-            <a:endParaRPr lang="en-US" sz="2800" dirty="0"/>
-          </a:p>
-        </p:txBody>
-      </p:sp>
-      <p:sp>
-        <p:nvSpPr>
-          <p:cNvPr id="7" name="Rectangle 6"/>
-          <p:cNvSpPr/>
-          <p:nvPr/>
-        </p:nvSpPr>
-        <p:spPr>
-          <a:xfrm>
-            <a:off x="248278" y="3571758"/>
-            <a:ext cx="1515543" cy="369332"/>
-          </a:xfrm>
-          <a:prstGeom prst="rect">
-            <a:avLst/>
-          </a:prstGeom>
-        </p:spPr>
-        <p:txBody>
-          <a:bodyPr wrap="none">
-            <a:spAutoFit/>
-          </a:bodyPr>
-          <a:lstStyle/>
-          <a:p>
-            <a:r>
-              <a:rPr lang="en-US" dirty="0" err="1" smtClean="0"/>
-              <a:t>Ronak</a:t>
-            </a:r>
-            <a:r>
-              <a:rPr lang="zh-CN" altLang="en-US" dirty="0" smtClean="0"/>
-              <a:t> </a:t>
-            </a:r>
-            <a:r>
-              <a:rPr lang="en-US" altLang="zh-CN" dirty="0" err="1" smtClean="0"/>
-              <a:t>Saradhi</a:t>
-            </a:r>
-            <a:endParaRPr lang="en-US" dirty="0"/>
-          </a:p>
-        </p:txBody>
-      </p:sp>
-      <p:sp>
-        <p:nvSpPr>
-          <p:cNvPr id="8" name="Rectangle 7"/>
-          <p:cNvSpPr/>
-          <p:nvPr/>
-        </p:nvSpPr>
-        <p:spPr>
-          <a:xfrm>
-            <a:off x="2314791" y="3571758"/>
-            <a:ext cx="1540999" cy="369332"/>
-          </a:xfrm>
-          <a:prstGeom prst="rect">
-            <a:avLst/>
-          </a:prstGeom>
-        </p:spPr>
-        <p:txBody>
-          <a:bodyPr wrap="none">
-            <a:spAutoFit/>
-          </a:bodyPr>
-          <a:lstStyle/>
-          <a:p>
-            <a:r>
-              <a:rPr lang="en-US" dirty="0" err="1" smtClean="0"/>
-              <a:t>Niteesh</a:t>
-            </a:r>
-            <a:r>
-              <a:rPr lang="zh-CN" altLang="en-US" dirty="0" smtClean="0"/>
-              <a:t> </a:t>
-            </a:r>
-            <a:r>
-              <a:rPr lang="en-US" altLang="zh-CN" dirty="0" smtClean="0"/>
-              <a:t>Reddy</a:t>
-            </a:r>
-            <a:endParaRPr lang="en-US" dirty="0"/>
-          </a:p>
-        </p:txBody>
-      </p:sp>
-      <p:sp>
-        <p:nvSpPr>
-          <p:cNvPr id="9" name="Rectangle 8"/>
-          <p:cNvSpPr/>
-          <p:nvPr/>
-        </p:nvSpPr>
-        <p:spPr>
-          <a:xfrm>
-            <a:off x="4620522" y="3571758"/>
-            <a:ext cx="1012200" cy="369332"/>
-          </a:xfrm>
-          <a:prstGeom prst="rect">
-            <a:avLst/>
-          </a:prstGeom>
-        </p:spPr>
-        <p:txBody>
-          <a:bodyPr wrap="none">
-            <a:spAutoFit/>
-          </a:bodyPr>
-          <a:lstStyle/>
-          <a:p>
-            <a:r>
-              <a:rPr lang="en-US" dirty="0" err="1" smtClean="0"/>
-              <a:t>Xinyao</a:t>
-            </a:r>
-            <a:r>
-              <a:rPr lang="zh-CN" altLang="en-US" dirty="0" smtClean="0"/>
-              <a:t> </a:t>
-            </a:r>
-            <a:r>
-              <a:rPr lang="en-US" altLang="zh-CN" dirty="0" smtClean="0"/>
-              <a:t>Li</a:t>
-            </a:r>
-            <a:endParaRPr lang="en-US" dirty="0"/>
-          </a:p>
-        </p:txBody>
-      </p:sp>
-      <p:sp>
-        <p:nvSpPr>
-          <p:cNvPr id="11" name="Rectangle 10"/>
-          <p:cNvSpPr/>
-          <p:nvPr/>
-        </p:nvSpPr>
-        <p:spPr>
-          <a:xfrm>
-            <a:off x="6459052" y="3571758"/>
-            <a:ext cx="1443665" cy="369332"/>
-          </a:xfrm>
-          <a:prstGeom prst="rect">
-            <a:avLst/>
-          </a:prstGeom>
-        </p:spPr>
-        <p:txBody>
-          <a:bodyPr wrap="none">
-            <a:spAutoFit/>
-          </a:bodyPr>
-          <a:lstStyle/>
-          <a:p>
-            <a:r>
-              <a:rPr lang="en-US" dirty="0" smtClean="0"/>
-              <a:t>Christina</a:t>
-            </a:r>
-            <a:r>
-              <a:rPr lang="zh-CN" altLang="en-US" dirty="0" smtClean="0"/>
-              <a:t> </a:t>
-            </a:r>
-            <a:r>
-              <a:rPr lang="en-US" altLang="zh-CN" dirty="0" smtClean="0"/>
-              <a:t>Gan</a:t>
-            </a:r>
-            <a:endParaRPr lang="en-US" dirty="0"/>
-          </a:p>
-        </p:txBody>
-      </p:sp>
-      <p:sp>
-        <p:nvSpPr>
-          <p:cNvPr id="12" name="Rectangle 11"/>
-          <p:cNvSpPr/>
-          <p:nvPr/>
-        </p:nvSpPr>
-        <p:spPr>
-          <a:xfrm>
-            <a:off x="7973678" y="3571758"/>
-            <a:ext cx="2521524" cy="369332"/>
-          </a:xfrm>
-          <a:prstGeom prst="rect">
-            <a:avLst/>
-          </a:prstGeom>
-        </p:spPr>
-        <p:txBody>
-          <a:bodyPr wrap="none">
-            <a:spAutoFit/>
-          </a:bodyPr>
-          <a:lstStyle/>
-          <a:p>
-            <a:r>
-              <a:rPr lang="en-US" dirty="0" err="1" smtClean="0"/>
-              <a:t>Karthik</a:t>
-            </a:r>
-            <a:r>
-              <a:rPr lang="zh-CN" altLang="en-US" dirty="0" smtClean="0"/>
-              <a:t> </a:t>
-            </a:r>
-            <a:r>
-              <a:rPr lang="en-US" dirty="0" err="1" smtClean="0"/>
-              <a:t>Balasubramanian</a:t>
-            </a:r>
-            <a:endParaRPr lang="en-US" dirty="0"/>
-          </a:p>
-        </p:txBody>
-      </p:sp>
-      <p:sp>
-        <p:nvSpPr>
-          <p:cNvPr id="13" name="Rectangle 12"/>
-          <p:cNvSpPr/>
-          <p:nvPr/>
-        </p:nvSpPr>
-        <p:spPr>
-          <a:xfrm>
-            <a:off x="10495202" y="3571758"/>
-            <a:ext cx="1527213" cy="369332"/>
-          </a:xfrm>
-          <a:prstGeom prst="rect">
-            <a:avLst/>
-          </a:prstGeom>
-        </p:spPr>
-        <p:txBody>
-          <a:bodyPr wrap="none">
-            <a:spAutoFit/>
-          </a:bodyPr>
-          <a:lstStyle/>
-          <a:p>
-            <a:r>
-              <a:rPr lang="en-US" dirty="0" smtClean="0"/>
-              <a:t>Nikhil</a:t>
-            </a:r>
-            <a:r>
-              <a:rPr lang="zh-CN" altLang="en-US" dirty="0" smtClean="0"/>
-              <a:t> </a:t>
-            </a:r>
-            <a:r>
-              <a:rPr lang="en-US" dirty="0"/>
-              <a:t>Agarwal</a:t>
-            </a:r>
-          </a:p>
-        </p:txBody>
-      </p:sp>
-      <p:pic>
-        <p:nvPicPr>
-          <p:cNvPr id="14" name="Picture 13"/>
-          <p:cNvPicPr>
-            <a:picLocks/>
-          </p:cNvPicPr>
-          <p:nvPr/>
-        </p:nvPicPr>
-        <p:blipFill>
-          <a:blip r:embed="rId6">
-            <a:extLst>
-              <a:ext uri="{28A0092B-C50C-407E-A947-70E740481C1C}">
-                <a14:useLocalDpi xmlns:a14="http://schemas.microsoft.com/office/drawing/2010/main" val="0"/>
-              </a:ext>
-            </a:extLst>
-          </a:blip>
-          <a:stretch>
-            <a:fillRect/>
-          </a:stretch>
-        </p:blipFill>
-        <p:spPr>
-          <a:xfrm>
-            <a:off x="5386272" y="4452677"/>
-            <a:ext cx="1280160" cy="1280160"/>
-          </a:xfrm>
-          <a:prstGeom prst="rect">
-            <a:avLst/>
-          </a:prstGeom>
-        </p:spPr>
-      </p:pic>
-      <p:pic>
-        <p:nvPicPr>
-          <p:cNvPr id="15" name="Picture 14"/>
-          <p:cNvPicPr>
-            <a:picLocks noChangeAspect="1"/>
-          </p:cNvPicPr>
-          <p:nvPr/>
-        </p:nvPicPr>
-        <p:blipFill>
-          <a:blip r:embed="rId7">
-            <a:extLst>
-              <a:ext uri="{28A0092B-C50C-407E-A947-70E740481C1C}">
-                <a14:useLocalDpi xmlns:a14="http://schemas.microsoft.com/office/drawing/2010/main" val="0"/>
-              </a:ext>
-            </a:extLst>
-          </a:blip>
-          <a:stretch>
-            <a:fillRect/>
-          </a:stretch>
-        </p:blipFill>
-        <p:spPr>
-          <a:xfrm>
-            <a:off x="6504772" y="2237645"/>
-            <a:ext cx="1280160" cy="1280160"/>
-          </a:xfrm>
-          <a:prstGeom prst="rect">
-            <a:avLst/>
-          </a:prstGeom>
-        </p:spPr>
-      </p:pic>
-      <p:pic>
-        <p:nvPicPr>
-          <p:cNvPr id="16" name="Picture 15"/>
-          <p:cNvPicPr>
-            <a:picLocks noChangeAspect="1"/>
-          </p:cNvPicPr>
-          <p:nvPr/>
-        </p:nvPicPr>
-        <p:blipFill>
-          <a:blip r:embed="rId8">
-            <a:extLst>
-              <a:ext uri="{28A0092B-C50C-407E-A947-70E740481C1C}">
-                <a14:useLocalDpi xmlns:a14="http://schemas.microsoft.com/office/drawing/2010/main" val="0"/>
-              </a:ext>
-            </a:extLst>
-          </a:blip>
-          <a:stretch>
-            <a:fillRect/>
-          </a:stretch>
-        </p:blipFill>
-        <p:spPr>
-          <a:xfrm>
-            <a:off x="4514410" y="2237645"/>
-            <a:ext cx="1280160" cy="1280160"/>
-          </a:xfrm>
-          <a:prstGeom prst="rect">
-            <a:avLst/>
-          </a:prstGeom>
-        </p:spPr>
-      </p:pic>
-      <p:pic>
-        <p:nvPicPr>
-          <p:cNvPr id="17" name="Picture 16"/>
-          <p:cNvPicPr>
-            <a:picLocks noChangeAspect="1"/>
-          </p:cNvPicPr>
-          <p:nvPr/>
-        </p:nvPicPr>
-        <p:blipFill>
-          <a:blip r:embed="rId9">
-            <a:extLst>
-              <a:ext uri="{28A0092B-C50C-407E-A947-70E740481C1C}">
-                <a14:useLocalDpi xmlns:a14="http://schemas.microsoft.com/office/drawing/2010/main" val="0"/>
-              </a:ext>
-            </a:extLst>
-          </a:blip>
-          <a:stretch>
-            <a:fillRect/>
-          </a:stretch>
-        </p:blipFill>
-        <p:spPr>
-          <a:xfrm>
-            <a:off x="8557342" y="2237645"/>
-            <a:ext cx="1280160" cy="1280160"/>
-          </a:xfrm>
-          <a:prstGeom prst="rect">
-            <a:avLst/>
-          </a:prstGeom>
-        </p:spPr>
-      </p:pic>
-      <p:pic>
-        <p:nvPicPr>
-          <p:cNvPr id="21" name="Picture 20"/>
-          <p:cNvPicPr>
-            <a:picLocks noChangeAspect="1"/>
-          </p:cNvPicPr>
-          <p:nvPr/>
-        </p:nvPicPr>
-        <p:blipFill rotWithShape="1">
-          <a:blip r:embed="rId10">
-            <a:extLst>
-              <a:ext uri="{28A0092B-C50C-407E-A947-70E740481C1C}">
-                <a14:useLocalDpi xmlns:a14="http://schemas.microsoft.com/office/drawing/2010/main" val="0"/>
-              </a:ext>
-            </a:extLst>
-          </a:blip>
-          <a:srcRect l="-1395" b="22632"/>
-          <a:stretch/>
-        </p:blipFill>
-        <p:spPr>
-          <a:xfrm>
-            <a:off x="2337511" y="2237645"/>
-            <a:ext cx="1298012" cy="1273418"/>
-          </a:xfrm>
-          <a:prstGeom prst="rect">
-            <a:avLst/>
-          </a:prstGeom>
-        </p:spPr>
-      </p:pic>
-      <p:sp>
-        <p:nvSpPr>
-          <p:cNvPr id="31" name="Footer Placeholder 30"/>
-          <p:cNvSpPr>
-            <a:spLocks noGrp="1"/>
-          </p:cNvSpPr>
-          <p:nvPr>
-            <p:ph type="ftr" sz="quarter" idx="11"/>
-          </p:nvPr>
-        </p:nvSpPr>
-        <p:spPr/>
-        <p:txBody>
-          <a:bodyPr/>
-          <a:lstStyle/>
-          <a:p>
-            <a:r>
-              <a:rPr lang="en-US" altLang="zh-CN" dirty="0" smtClean="0"/>
-              <a:t>1</a:t>
-            </a:r>
-            <a:endParaRPr lang="en-US" dirty="0"/>
-          </a:p>
-        </p:txBody>
-      </p:sp>
-    </p:spTree>
-    <p:extLst>
-      <p:ext uri="{BB962C8B-B14F-4D97-AF65-F5344CB8AC3E}">
-        <p14:creationId xmlns:p14="http://schemas.microsoft.com/office/powerpoint/2010/main" val="1876032331"/>
-      </p:ext>
-    </p:extLst>
-  </p:cSld>
-  <p:clrMapOvr>
-    <a:masterClrMapping/>
-  </p:clrMapOvr>
-  <p:timing>
-    <p:tnLst>
-      <p:par>
-        <p:cTn id="1" dur="indefinite" restart="never" nodeType="tmRoot"/>
-      </p:par>
-    </p:tnLst>
-  </p:timing>
-</p:sld>
-</file>
-
-<file path=ppt/slides/slide20.xml><?xml version="1.0" encoding="utf-8"?>
+<file path=ppt/slides/slide21.xml><?xml version="1.0" encoding="utf-8"?>
 <p:sld xmlns:a="http://schemas.openxmlformats.org/drawingml/2006/main" xmlns:r="http://schemas.openxmlformats.org/officeDocument/2006/relationships" xmlns:p="http://schemas.openxmlformats.org/presentationml/2006/main">
   <p:cSld>
     <p:spTree>
@@ -8849,7 +10239,7 @@
           <a:lstStyle/>
           <a:p>
             <a:r>
-              <a:rPr lang="en-US" altLang="zh-CN" smtClean="0"/>
+              <a:rPr lang="en-US" altLang="zh-CN"/>
               <a:t>1</a:t>
             </a:r>
             <a:endParaRPr lang="en-US" dirty="0"/>
@@ -8909,15 +10299,15 @@
           <a:p>
             <a:pPr algn="ctr"/>
             <a:r>
-              <a:rPr lang="en-US" altLang="zh-CN" sz="5400" b="1" dirty="0" smtClean="0"/>
+              <a:rPr lang="en-US" altLang="zh-CN" sz="5400" b="1" dirty="0"/>
               <a:t>Thank</a:t>
             </a:r>
             <a:r>
-              <a:rPr lang="zh-CN" altLang="en-US" sz="5400" b="1" dirty="0" smtClean="0"/>
+              <a:rPr lang="zh-CN" altLang="en-US" sz="5400" b="1" dirty="0"/>
               <a:t> </a:t>
             </a:r>
             <a:r>
-              <a:rPr lang="en-US" altLang="zh-CN" sz="5400" b="1" dirty="0" smtClean="0"/>
+              <a:rPr lang="en-US" altLang="zh-CN" sz="5400" b="1" dirty="0"/>
               <a:t>You!</a:t>
             </a:r>
             <a:endParaRPr lang="en-US" sz="5400" b="1" dirty="0"/>
@@ -8934,13 +10324,6 @@
   <p:clrMapOvr>
     <a:masterClrMapping/>
   </p:clrMapOvr>
-  <p:timing>
-    <p:tnLst>
-      <p:par>
-        <p:cTn id="1" dur="indefinite" restart="never" nodeType="tmRoot"/>
-      </p:par>
-    </p:tnLst>
-  </p:timing>
 </p:sld>
 </file>
 
@@ -9018,7 +10401,7 @@
           <p:nvPr/>
         </p:nvPicPr>
         <p:blipFill rotWithShape="1">
-          <a:blip r:embed="rId2">
+          <a:blip r:embed="rId3">
             <a:extLst>
               <a:ext uri="{28A0092B-C50C-407E-A947-70E740481C1C}">
                 <a14:useLocalDpi xmlns:a14="http://schemas.microsoft.com/office/drawing/2010/main" val="0"/>
@@ -9106,7 +10489,7 @@
           <p:nvPr/>
         </p:nvPicPr>
         <p:blipFill>
-          <a:blip r:embed="rId3">
+          <a:blip r:embed="rId4">
             <a:extLst>
               <a:ext uri="{28A0092B-C50C-407E-A947-70E740481C1C}">
                 <a14:useLocalDpi xmlns:a14="http://schemas.microsoft.com/office/drawing/2010/main" val="0"/>
@@ -9150,13 +10533,8 @@
           <a:p>
             <a:r>
               <a:rPr lang="en-US" dirty="0"/>
-              <a:t>Benjamin N. </a:t>
-            </a:r>
-            <a:r>
-              <a:rPr lang="en-US" dirty="0" smtClean="0"/>
-              <a:t>Horwitz</a:t>
-            </a:r>
-            <a:endParaRPr lang="en-US" dirty="0"/>
+              <a:t>Benjamin N. Horwitz</a:t>
+            </a:r>
           </a:p>
         </p:txBody>
       </p:sp>
@@ -9182,18 +10560,9 @@
           <a:lstStyle/>
           <a:p>
             <a:r>
-              <a:rPr lang="en-US" sz="2800" b="1" i="1" dirty="0" smtClean="0"/>
-              <a:t>Director </a:t>
-            </a:r>
-            <a:r>
               <a:rPr lang="en-US" sz="2800" b="1" i="1" dirty="0"/>
-              <a:t>of Analytics at New Orleans Police </a:t>
-            </a:r>
-            <a:r>
-              <a:rPr lang="en-US" sz="2800" b="1" i="1" dirty="0" smtClean="0"/>
-              <a:t>Department</a:t>
-            </a:r>
-            <a:endParaRPr lang="en-US" sz="2800" b="1" i="1" dirty="0"/>
+              <a:t>Director of Analytics at New Orleans Police Department</a:t>
+            </a:r>
           </a:p>
         </p:txBody>
       </p:sp>
@@ -9220,18 +10589,17 @@
           <a:p>
             <a:pPr algn="ctr"/>
             <a:r>
-              <a:rPr lang="en-US" sz="1600" b="1" i="1" dirty="0" smtClean="0"/>
+              <a:rPr lang="en-US" sz="1600" b="1" i="1" dirty="0"/>
               <a:t>Detective Investigative Unit Lieutenant, 4</a:t>
             </a:r>
             <a:r>
-              <a:rPr lang="en-US" sz="1600" b="1" i="1" baseline="30000" dirty="0" smtClean="0"/>
+              <a:rPr lang="en-US" sz="1600" b="1" i="1" baseline="30000" dirty="0"/>
               <a:t>th</a:t>
             </a:r>
             <a:r>
-              <a:rPr lang="en-US" sz="1600" b="1" i="1" dirty="0" smtClean="0"/>
+              <a:rPr lang="en-US" sz="1600" b="1" i="1" dirty="0"/>
               <a:t> District</a:t>
             </a:r>
-            <a:endParaRPr lang="en-US" sz="1600" b="1" i="1" dirty="0"/>
           </a:p>
         </p:txBody>
       </p:sp>
@@ -9257,7 +10625,7 @@
           <a:lstStyle/>
           <a:p>
             <a:r>
-              <a:rPr lang="en-US" dirty="0" smtClean="0">
+              <a:rPr lang="en-US" dirty="0">
                 <a:latin typeface="Calibri" charset="0"/>
                 <a:ea typeface="Calibri" charset="0"/>
                 <a:cs typeface="Calibri" charset="0"/>
@@ -9265,7 +10633,7 @@
               <a:t>Preston </a:t>
             </a:r>
             <a:r>
-              <a:rPr lang="en-US" dirty="0" err="1" smtClean="0">
+              <a:rPr lang="en-US" dirty="0" err="1">
                 <a:latin typeface="Calibri" charset="0"/>
                 <a:ea typeface="Calibri" charset="0"/>
                 <a:cs typeface="Calibri" charset="0"/>
@@ -9303,7 +10671,7 @@
           <a:p>
             <a:pPr algn="ctr"/>
             <a:r>
-              <a:rPr lang="en-US" sz="1600" b="1" i="1" dirty="0" smtClean="0">
+              <a:rPr lang="en-US" sz="1600" b="1" i="1" dirty="0">
                 <a:latin typeface="Calibri" charset="0"/>
                 <a:ea typeface="Calibri" charset="0"/>
                 <a:cs typeface="Calibri" charset="0"/>
@@ -9311,7 +10679,7 @@
               <a:t>Lieutenant</a:t>
             </a:r>
             <a:r>
-              <a:rPr lang="zh-CN" altLang="en-US" sz="1600" b="1" i="1" dirty="0" smtClean="0">
+              <a:rPr lang="zh-CN" altLang="en-US" sz="1600" b="1" i="1" dirty="0">
                 <a:latin typeface="Calibri" charset="0"/>
                 <a:ea typeface="Calibri" charset="0"/>
                 <a:cs typeface="Calibri" charset="0"/>
@@ -9319,18 +10687,13 @@
               <a:t> </a:t>
             </a:r>
             <a:r>
-              <a:rPr lang="en-US" sz="1600" b="1" i="1" dirty="0" smtClean="0">
+              <a:rPr lang="en-US" sz="1600" b="1" i="1" dirty="0">
                 <a:latin typeface="Calibri" charset="0"/>
                 <a:ea typeface="Calibri" charset="0"/>
                 <a:cs typeface="Calibri" charset="0"/>
               </a:rPr>
               <a:t>TIGER Unit</a:t>
             </a:r>
-            <a:endParaRPr lang="en-US" sz="1600" b="1" i="1" dirty="0">
-              <a:latin typeface="Calibri" charset="0"/>
-              <a:ea typeface="Calibri" charset="0"/>
-              <a:cs typeface="Calibri" charset="0"/>
-            </a:endParaRPr>
           </a:p>
         </p:txBody>
       </p:sp>
@@ -9389,27 +10752,23 @@
           <a:p>
             <a:pPr algn="ctr"/>
             <a:r>
-              <a:rPr lang="en-US" sz="1600" b="1" i="1" dirty="0" smtClean="0"/>
+              <a:rPr lang="en-US" sz="1600" b="1" i="1" dirty="0"/>
               <a:t>Commander</a:t>
             </a:r>
           </a:p>
           <a:p>
             <a:pPr algn="ctr"/>
             <a:r>
-              <a:rPr lang="en-US" sz="1600" b="1" i="1" dirty="0" smtClean="0"/>
+              <a:rPr lang="en-US" sz="1600" b="1" i="1" dirty="0"/>
               <a:t>4</a:t>
             </a:r>
             <a:r>
-              <a:rPr lang="en-US" sz="1600" b="1" i="1" baseline="30000" dirty="0" smtClean="0"/>
+              <a:rPr lang="en-US" sz="1600" b="1" i="1" baseline="30000" dirty="0"/>
               <a:t>th</a:t>
             </a:r>
             <a:r>
-              <a:rPr lang="en-US" sz="1600" b="1" i="1" dirty="0" smtClean="0"/>
-              <a:t> </a:t>
-            </a:r>
-            <a:r>
               <a:rPr lang="en-US" sz="1600" b="1" i="1" dirty="0"/>
-              <a:t>District</a:t>
+              <a:t> District</a:t>
             </a:r>
           </a:p>
         </p:txBody>
@@ -9437,27 +10796,23 @@
           <a:p>
             <a:pPr algn="ctr"/>
             <a:r>
-              <a:rPr lang="en-US" sz="1600" b="1" i="1" dirty="0" smtClean="0"/>
+              <a:rPr lang="en-US" sz="1600" b="1" i="1" dirty="0"/>
               <a:t>Commander</a:t>
             </a:r>
           </a:p>
           <a:p>
             <a:pPr algn="ctr"/>
             <a:r>
-              <a:rPr lang="en-US" altLang="zh-CN" sz="1600" b="1" i="1" dirty="0" smtClean="0"/>
+              <a:rPr lang="en-US" altLang="zh-CN" sz="1600" b="1" i="1" dirty="0"/>
               <a:t>1</a:t>
             </a:r>
             <a:r>
-              <a:rPr lang="en-US" altLang="zh-CN" sz="1600" b="1" i="1" baseline="30000" dirty="0" smtClean="0"/>
+              <a:rPr lang="en-US" altLang="zh-CN" sz="1600" b="1" i="1" baseline="30000" dirty="0"/>
               <a:t>st</a:t>
             </a:r>
             <a:r>
-              <a:rPr lang="en-US" sz="1600" b="1" i="1" dirty="0" smtClean="0"/>
-              <a:t> </a:t>
-            </a:r>
-            <a:r>
               <a:rPr lang="en-US" sz="1600" b="1" i="1" dirty="0"/>
-              <a:t>District</a:t>
+              <a:t> District</a:t>
             </a:r>
           </a:p>
         </p:txBody>
@@ -9485,7 +10840,7 @@
           <a:p>
             <a:pPr algn="ctr"/>
             <a:r>
-              <a:rPr lang="en-US" sz="1600" b="1" i="1" dirty="0" smtClean="0"/>
+              <a:rPr lang="en-US" sz="1600" b="1" i="1" dirty="0"/>
               <a:t>Commander</a:t>
             </a:r>
           </a:p>
@@ -9496,16 +10851,12 @@
               <a:t>5</a:t>
             </a:r>
             <a:r>
-              <a:rPr lang="en-US" sz="1600" b="1" i="1" baseline="30000" dirty="0" smtClean="0"/>
+              <a:rPr lang="en-US" sz="1600" b="1" i="1" baseline="30000" dirty="0"/>
               <a:t>th</a:t>
             </a:r>
             <a:r>
-              <a:rPr lang="en-US" sz="1600" b="1" i="1" dirty="0" smtClean="0"/>
-              <a:t> </a:t>
-            </a:r>
-            <a:r>
               <a:rPr lang="en-US" sz="1600" b="1" i="1" dirty="0"/>
-              <a:t>District</a:t>
+              <a:t> District</a:t>
             </a:r>
           </a:p>
         </p:txBody>
@@ -9560,7 +10911,7 @@
           <a:lstStyle/>
           <a:p>
             <a:r>
-              <a:rPr lang="en-US" dirty="0" smtClean="0"/>
+              <a:rPr lang="en-US" dirty="0"/>
               <a:t>Hans </a:t>
             </a:r>
             <a:r>
@@ -9615,7 +10966,7 @@
           <a:lstStyle/>
           <a:p>
             <a:r>
-              <a:rPr lang="en-US" altLang="zh-CN" dirty="0" smtClean="0"/>
+              <a:rPr lang="en-US" altLang="zh-CN" dirty="0"/>
               <a:t>2</a:t>
             </a:r>
             <a:endParaRPr lang="en-US" dirty="0"/>
@@ -9735,22 +11086,14 @@
             <a:pPr algn="ctr"/>
             <a:r>
               <a:rPr lang="en-US" sz="1600" b="1" i="1" dirty="0"/>
-              <a:t>Deputy </a:t>
-            </a:r>
-            <a:r>
-              <a:rPr lang="en-US" sz="1600" b="1" i="1" dirty="0" smtClean="0"/>
-              <a:t>Superintendent</a:t>
+              <a:t>Deputy Superintendent</a:t>
             </a:r>
           </a:p>
           <a:p>
             <a:pPr algn="ctr"/>
             <a:r>
-              <a:rPr lang="en-US" sz="1600" b="1" i="1" dirty="0" smtClean="0"/>
-              <a:t>Field </a:t>
-            </a:r>
-            <a:r>
               <a:rPr lang="en-US" sz="1600" b="1" i="1" dirty="0"/>
-              <a:t>Operations Bureau</a:t>
+              <a:t>Field Operations Bureau</a:t>
             </a:r>
           </a:p>
         </p:txBody>
@@ -9765,13 +11108,6 @@
   <p:clrMapOvr>
     <a:masterClrMapping/>
   </p:clrMapOvr>
-  <p:timing>
-    <p:tnLst>
-      <p:par>
-        <p:cTn id="1" dur="indefinite" restart="never" nodeType="tmRoot"/>
-      </p:par>
-    </p:tnLst>
-  </p:timing>
 </p:sld>
 </file>
 
@@ -9854,7 +11190,7 @@
           <a:lstStyle/>
           <a:p>
             <a:r>
-              <a:rPr lang="en-US" altLang="zh-CN" sz="3600" dirty="0" smtClean="0">
+              <a:rPr lang="en-US" altLang="zh-CN" sz="3600" dirty="0">
                 <a:solidFill>
                   <a:schemeClr val="bg1"/>
                 </a:solidFill>
@@ -10034,7 +11370,7 @@
           <a:lstStyle/>
           <a:p>
             <a:r>
-              <a:rPr lang="en-US" altLang="zh-CN" sz="3200" dirty="0" smtClean="0">
+              <a:rPr lang="en-US" altLang="zh-CN" sz="3200" dirty="0">
                 <a:solidFill>
                   <a:schemeClr val="bg1"/>
                 </a:solidFill>
@@ -10042,7 +11378,7 @@
               <a:t>Project</a:t>
             </a:r>
             <a:r>
-              <a:rPr lang="zh-CN" altLang="en-US" sz="3200" dirty="0" smtClean="0">
+              <a:rPr lang="zh-CN" altLang="en-US" sz="3200" dirty="0">
                 <a:solidFill>
                   <a:schemeClr val="bg1"/>
                 </a:solidFill>
@@ -10050,7 +11386,7 @@
               <a:t> </a:t>
             </a:r>
             <a:r>
-              <a:rPr lang="en-US" altLang="zh-CN" sz="3200" dirty="0" smtClean="0">
+              <a:rPr lang="en-US" altLang="zh-CN" sz="3200" dirty="0">
                 <a:solidFill>
                   <a:schemeClr val="bg1"/>
                 </a:solidFill>
@@ -10093,7 +11429,7 @@
           <a:lstStyle/>
           <a:p>
             <a:r>
-              <a:rPr lang="en-US" altLang="zh-CN" sz="3200" dirty="0" smtClean="0"/>
+              <a:rPr lang="en-US" altLang="zh-CN" sz="3200" dirty="0"/>
               <a:t>Methodology</a:t>
             </a:r>
             <a:endParaRPr lang="en-US" sz="3200" dirty="0"/>
@@ -10128,23 +11464,19 @@
           <a:lstStyle/>
           <a:p>
             <a:r>
-              <a:rPr lang="en-US" altLang="zh-CN" sz="3200" dirty="0" smtClean="0"/>
+              <a:rPr lang="en-US" altLang="zh-CN" sz="3200" dirty="0"/>
               <a:t>Key</a:t>
             </a:r>
             <a:r>
-              <a:rPr lang="zh-CN" altLang="en-US" sz="3200" dirty="0" smtClean="0"/>
+              <a:rPr lang="zh-CN" altLang="en-US" sz="3200" dirty="0"/>
               <a:t> </a:t>
             </a:r>
             <a:r>
               <a:rPr lang="en-US" altLang="zh-CN" sz="3200" dirty="0"/>
-              <a:t>F</a:t>
-            </a:r>
-            <a:r>
-              <a:rPr lang="en-US" altLang="zh-CN" sz="3200" dirty="0" smtClean="0"/>
-              <a:t>indings</a:t>
-            </a:r>
-            <a:r>
-              <a:rPr lang="zh-CN" altLang="en-US" sz="3200" dirty="0" smtClean="0"/>
+              <a:t>Findings</a:t>
+            </a:r>
+            <a:r>
+              <a:rPr lang="zh-CN" altLang="en-US" sz="3200" dirty="0"/>
               <a:t> </a:t>
             </a:r>
             <a:endParaRPr lang="en-US" sz="3200" dirty="0"/>
@@ -10179,15 +11511,15 @@
           <a:lstStyle/>
           <a:p>
             <a:r>
-              <a:rPr lang="en-US" altLang="zh-CN" sz="3200" dirty="0" smtClean="0"/>
+              <a:rPr lang="en-US" altLang="zh-CN" sz="3200" dirty="0"/>
               <a:t>Next</a:t>
             </a:r>
             <a:r>
-              <a:rPr lang="zh-CN" altLang="en-US" sz="3200" dirty="0" smtClean="0"/>
+              <a:rPr lang="zh-CN" altLang="en-US" sz="3200" dirty="0"/>
               <a:t> </a:t>
             </a:r>
             <a:r>
-              <a:rPr lang="en-US" altLang="zh-CN" sz="3200" dirty="0" smtClean="0"/>
+              <a:rPr lang="en-US" altLang="zh-CN" sz="3200" dirty="0"/>
               <a:t>Steps</a:t>
             </a:r>
             <a:endParaRPr lang="en-US" sz="3200" dirty="0"/>
@@ -10210,7 +11542,7 @@
           <a:lstStyle/>
           <a:p>
             <a:r>
-              <a:rPr lang="en-US" altLang="zh-CN" dirty="0" smtClean="0"/>
+              <a:rPr lang="en-US" altLang="zh-CN" dirty="0"/>
               <a:t>3</a:t>
             </a:r>
             <a:endParaRPr lang="en-US" dirty="0"/>
@@ -10227,13 +11559,6 @@
   <p:clrMapOvr>
     <a:masterClrMapping/>
   </p:clrMapOvr>
-  <p:timing>
-    <p:tnLst>
-      <p:par>
-        <p:cTn id="1" dur="indefinite" restart="never" nodeType="tmRoot"/>
-      </p:par>
-    </p:tnLst>
-  </p:timing>
 </p:sld>
 </file>
 
@@ -10263,7 +11588,7 @@
           <p:nvPr/>
         </p:nvPicPr>
         <p:blipFill rotWithShape="1">
-          <a:blip r:embed="rId2">
+          <a:blip r:embed="rId3">
             <a:extLst>
               <a:ext uri="{28A0092B-C50C-407E-A947-70E740481C1C}">
                 <a14:useLocalDpi xmlns:a14="http://schemas.microsoft.com/office/drawing/2010/main" val="0"/>
@@ -10316,7 +11641,7 @@
           <a:lstStyle/>
           <a:p>
             <a:r>
-              <a:rPr lang="en-US" altLang="zh-CN" sz="3600" dirty="0" smtClean="0">
+              <a:rPr lang="en-US" altLang="zh-CN" sz="3600" dirty="0">
                 <a:solidFill>
                   <a:schemeClr val="bg1"/>
                 </a:solidFill>
@@ -10324,7 +11649,7 @@
               <a:t>Project</a:t>
             </a:r>
             <a:r>
-              <a:rPr lang="zh-CN" altLang="en-US" sz="3600" dirty="0" smtClean="0">
+              <a:rPr lang="zh-CN" altLang="en-US" sz="3600" dirty="0">
                 <a:solidFill>
                   <a:schemeClr val="bg1"/>
                 </a:solidFill>
@@ -10332,7 +11657,7 @@
               <a:t> </a:t>
             </a:r>
             <a:r>
-              <a:rPr lang="en-US" altLang="zh-CN" sz="3600" dirty="0" smtClean="0">
+              <a:rPr lang="en-US" altLang="zh-CN" sz="3600" dirty="0">
                 <a:solidFill>
                   <a:schemeClr val="bg1"/>
                 </a:solidFill>
@@ -10730,41 +12055,30 @@
               <a:rPr lang="en-IN" sz="2000" kern="0" dirty="0">
                 <a:latin typeface="+mn-lt"/>
               </a:rPr>
-              <a:t>The New Orleans Police Department (NOPD) is part of the DOJ’s Violence Reduction Network that aims at reducing the outbreak of violent </a:t>
-            </a:r>
-            <a:r>
-              <a:rPr lang="en-IN" sz="2000" kern="0" dirty="0" smtClean="0">
-                <a:latin typeface="+mn-lt"/>
-              </a:rPr>
-              <a:t>crime</a:t>
-            </a:r>
-            <a:r>
-              <a:rPr lang="zh-CN" altLang="en-US" sz="2000" kern="0" dirty="0" smtClean="0">
+              <a:t>The New Orleans Police Department (NOPD) is part of the DOJ’s Violence Reduction Network that aims at reducing the outbreak of violent crime</a:t>
+            </a:r>
+            <a:r>
+              <a:rPr lang="zh-CN" altLang="en-US" sz="2000" kern="0" dirty="0">
                 <a:latin typeface="+mn-lt"/>
               </a:rPr>
               <a:t> </a:t>
             </a:r>
             <a:r>
-              <a:rPr lang="en-US" altLang="zh-CN" sz="2000" kern="0" dirty="0" smtClean="0">
+              <a:rPr lang="en-US" altLang="zh-CN" sz="2000" kern="0" dirty="0">
                 <a:latin typeface="+mn-lt"/>
               </a:rPr>
               <a:t>and</a:t>
             </a:r>
             <a:r>
-              <a:rPr lang="zh-CN" altLang="en-US" sz="2000" kern="0" dirty="0" smtClean="0">
+              <a:rPr lang="zh-CN" altLang="en-US" sz="2000" kern="0" dirty="0">
                 <a:latin typeface="+mn-lt"/>
               </a:rPr>
               <a:t> </a:t>
             </a:r>
             <a:r>
               <a:rPr lang="en-US" sz="2000" kern="0" dirty="0"/>
-              <a:t>allocate resources effectively when tackling violent </a:t>
-            </a:r>
-            <a:r>
-              <a:rPr lang="en-US" sz="2000" kern="0" dirty="0" smtClean="0"/>
-              <a:t>crimes</a:t>
-            </a:r>
-            <a:endParaRPr lang="en-US" sz="2000" kern="0" dirty="0"/>
+              <a:t>allocate resources effectively when tackling violent crimes</a:t>
+            </a:r>
           </a:p>
         </p:txBody>
       </p:sp>
@@ -10784,7 +12098,7 @@
           <a:lstStyle/>
           <a:p>
             <a:r>
-              <a:rPr lang="en-US" altLang="zh-CN" dirty="0" smtClean="0"/>
+              <a:rPr lang="en-US" altLang="zh-CN" dirty="0"/>
               <a:t>4</a:t>
             </a:r>
             <a:endParaRPr lang="en-US" dirty="0"/>
@@ -11029,7 +12343,7 @@
               </a:spcAft>
             </a:pPr>
             <a:r>
-              <a:rPr lang="en-US" altLang="zh-CN" sz="2800" b="1" kern="0" dirty="0" smtClean="0">
+              <a:rPr lang="en-US" altLang="zh-CN" sz="2800" b="1" kern="0" dirty="0">
                 <a:solidFill>
                   <a:schemeClr val="bg1"/>
                 </a:solidFill>
@@ -11272,7 +12586,7 @@
               <a:buNone/>
               <a:tabLst/>
             </a:pPr>
-            <a:endParaRPr kumimoji="0" lang="en-US" sz="1200" b="0" i="0" u="none" strike="noStrike" cap="none" normalizeH="0" baseline="0" dirty="0" smtClean="0">
+            <a:endParaRPr kumimoji="0" lang="en-US" sz="1200" b="0" i="0" u="none" strike="noStrike" cap="none" normalizeH="0" baseline="0" dirty="0">
               <a:ln>
                 <a:noFill/>
               </a:ln>
@@ -11417,47 +12731,7 @@
             </a:pPr>
             <a:r>
               <a:rPr lang="en-US" sz="1600" dirty="0"/>
-              <a:t>How </a:t>
-            </a:r>
-            <a:r>
-              <a:rPr lang="en-US" sz="1600" smtClean="0"/>
-              <a:t>do res</a:t>
-            </a:r>
-            <a:r>
-              <a:rPr lang="en-US" altLang="zh-CN" sz="1600" smtClean="0"/>
-              <a:t>olved</a:t>
-            </a:r>
-            <a:r>
-              <a:rPr lang="en-US" sz="1600" smtClean="0"/>
-              <a:t> </a:t>
-            </a:r>
-            <a:r>
-              <a:rPr lang="en-US" sz="1600" dirty="0" smtClean="0"/>
-              <a:t>Quality </a:t>
-            </a:r>
-            <a:r>
-              <a:rPr lang="en-US" sz="1600" dirty="0"/>
-              <a:t>of </a:t>
-            </a:r>
-            <a:r>
-              <a:rPr lang="en-US" sz="1600"/>
-              <a:t>Life </a:t>
-            </a:r>
-            <a:r>
-              <a:rPr lang="en-US" sz="1600" smtClean="0"/>
-              <a:t>issue</a:t>
-            </a:r>
-            <a:r>
-              <a:rPr lang="en-US" altLang="zh-CN" sz="1600" smtClean="0"/>
-              <a:t>s</a:t>
-            </a:r>
-            <a:r>
-              <a:rPr lang="en-US" sz="1600" smtClean="0"/>
-              <a:t> </a:t>
-            </a:r>
-            <a:r>
-              <a:rPr lang="en-US" sz="1600" dirty="0"/>
-              <a:t>affect violent crime?</a:t>
+              <a:t>Do quality of life issues impact violent crime?</a:t>
             </a:r>
           </a:p>
         </p:txBody>
@@ -11504,28 +12778,24 @@
               <a:t>What </a:t>
             </a:r>
             <a:r>
-              <a:rPr lang="en-US" altLang="zh-CN" sz="1600" dirty="0" smtClean="0"/>
+              <a:rPr lang="en-US" altLang="zh-CN" sz="1600" dirty="0"/>
               <a:t>are</a:t>
             </a:r>
             <a:r>
-              <a:rPr lang="zh-CN" altLang="en-US" sz="1600" dirty="0" smtClean="0"/>
+              <a:rPr lang="zh-CN" altLang="en-US" sz="1600" dirty="0"/>
               <a:t> </a:t>
             </a:r>
             <a:r>
-              <a:rPr lang="en-US" sz="1600" dirty="0" smtClean="0"/>
+              <a:rPr lang="en-US" sz="1600" dirty="0"/>
               <a:t>leading indicator</a:t>
             </a:r>
             <a:r>
-              <a:rPr lang="en-US" altLang="zh-CN" sz="1600" dirty="0" smtClean="0"/>
+              <a:rPr lang="en-US" altLang="zh-CN" sz="1600" dirty="0"/>
               <a:t>s</a:t>
             </a:r>
             <a:r>
-              <a:rPr lang="en-US" sz="1600" dirty="0" smtClean="0"/>
-              <a:t> </a:t>
-            </a:r>
-            <a:r>
               <a:rPr lang="en-US" sz="1600" dirty="0"/>
-              <a:t>of violent crime?</a:t>
+              <a:t> of violent crime?</a:t>
             </a:r>
           </a:p>
         </p:txBody>
@@ -11571,43 +12841,43 @@
               </a:tabLst>
             </a:pPr>
             <a:r>
-              <a:rPr lang="en-US" sz="1600" dirty="0" smtClean="0"/>
+              <a:rPr lang="en-US" sz="1600" dirty="0"/>
               <a:t>Wh</a:t>
             </a:r>
             <a:r>
-              <a:rPr lang="en-US" altLang="zh-CN" sz="1600" dirty="0" smtClean="0"/>
+              <a:rPr lang="en-US" altLang="zh-CN" sz="1600" dirty="0"/>
               <a:t>at</a:t>
             </a:r>
             <a:r>
-              <a:rPr lang="en-US" sz="1600" dirty="0" smtClean="0"/>
+              <a:rPr lang="en-US" sz="1600" dirty="0"/>
               <a:t> </a:t>
             </a:r>
             <a:r>
-              <a:rPr lang="en-US" altLang="zh-CN" sz="1600" dirty="0" smtClean="0"/>
+              <a:rPr lang="en-US" altLang="zh-CN" sz="1600" dirty="0"/>
               <a:t>actions</a:t>
             </a:r>
             <a:r>
-              <a:rPr lang="zh-CN" altLang="en-US" sz="1600" dirty="0" smtClean="0"/>
+              <a:rPr lang="zh-CN" altLang="en-US" sz="1600" dirty="0"/>
               <a:t> </a:t>
             </a:r>
             <a:r>
-              <a:rPr lang="en-US" altLang="zh-CN" sz="1600" dirty="0" smtClean="0"/>
+              <a:rPr lang="en-US" altLang="zh-CN" sz="1600" dirty="0"/>
               <a:t>should</a:t>
             </a:r>
             <a:r>
-              <a:rPr lang="zh-CN" altLang="en-US" sz="1600" dirty="0" smtClean="0"/>
+              <a:rPr lang="zh-CN" altLang="en-US" sz="1600" dirty="0"/>
               <a:t> </a:t>
             </a:r>
             <a:r>
-              <a:rPr lang="en-US" altLang="zh-CN" sz="1600" dirty="0" smtClean="0"/>
+              <a:rPr lang="en-US" altLang="zh-CN" sz="1600" dirty="0"/>
               <a:t>be</a:t>
             </a:r>
             <a:r>
-              <a:rPr lang="zh-CN" altLang="en-US" sz="1600" dirty="0" smtClean="0"/>
+              <a:rPr lang="zh-CN" altLang="en-US" sz="1600" dirty="0"/>
               <a:t> </a:t>
             </a:r>
             <a:r>
-              <a:rPr lang="en-US" altLang="zh-CN" sz="1600" dirty="0" smtClean="0"/>
+              <a:rPr lang="en-US" altLang="zh-CN" sz="1600" dirty="0"/>
               <a:t>taken?</a:t>
             </a:r>
             <a:endParaRPr lang="en-US" sz="1600" dirty="0"/>
@@ -11902,7 +13172,7 @@
               <a:buNone/>
               <a:tabLst/>
             </a:pPr>
-            <a:endParaRPr kumimoji="0" lang="en-US" sz="1200" b="0" i="0" u="none" strike="noStrike" cap="none" normalizeH="0" baseline="0" dirty="0" smtClean="0">
+            <a:endParaRPr kumimoji="0" lang="en-US" sz="1200" b="0" i="0" u="none" strike="noStrike" cap="none" normalizeH="0" baseline="0" dirty="0">
               <a:ln>
                 <a:noFill/>
               </a:ln>
@@ -12009,8 +13279,8 @@
           </a:lstStyle>
           <a:p>
             <a:r>
-              <a:rPr lang="en-US" sz="2000" b="1" smtClean="0"/>
-              <a:t>Proactively conducting stops and searches</a:t>
+              <a:rPr lang="en-US" sz="2000" b="1" dirty="0"/>
+              <a:t>Proactively conduct stops and searches</a:t>
             </a:r>
             <a:endParaRPr lang="en-IN" sz="2000" b="1" dirty="0"/>
           </a:p>
@@ -12026,13 +13296,6 @@
   <p:clrMapOvr>
     <a:masterClrMapping/>
   </p:clrMapOvr>
-  <p:timing>
-    <p:tnLst>
-      <p:par>
-        <p:cTn id="1" dur="indefinite" restart="never" nodeType="tmRoot"/>
-      </p:par>
-    </p:tnLst>
-  </p:timing>
 </p:sld>
 </file>
 
@@ -12103,7 +13366,7 @@
           <p:nvPr/>
         </p:nvPicPr>
         <p:blipFill rotWithShape="1">
-          <a:blip r:embed="rId2">
+          <a:blip r:embed="rId3">
             <a:extLst>
               <a:ext uri="{28A0092B-C50C-407E-A947-70E740481C1C}">
                 <a14:useLocalDpi xmlns:a14="http://schemas.microsoft.com/office/drawing/2010/main" val="0"/>
@@ -12156,7 +13419,7 @@
           <a:lstStyle/>
           <a:p>
             <a:r>
-              <a:rPr lang="en-US" altLang="zh-CN" sz="3600" dirty="0" smtClean="0">
+              <a:rPr lang="en-US" altLang="zh-CN" sz="3600" dirty="0">
                 <a:solidFill>
                   <a:schemeClr val="bg1"/>
                 </a:solidFill>
@@ -12164,7 +13427,7 @@
               <a:t>Road</a:t>
             </a:r>
             <a:r>
-              <a:rPr lang="zh-CN" altLang="en-US" sz="3600" dirty="0" smtClean="0">
+              <a:rPr lang="zh-CN" altLang="en-US" sz="3600" dirty="0">
                 <a:solidFill>
                   <a:schemeClr val="bg1"/>
                 </a:solidFill>
@@ -12177,15 +13440,7 @@
                   <a:schemeClr val="bg1"/>
                 </a:solidFill>
               </a:rPr>
-              <a:t>M</a:t>
-            </a:r>
-            <a:r>
-              <a:rPr lang="en-US" altLang="zh-CN" sz="3600" dirty="0" smtClean="0">
-                <a:solidFill>
-                  <a:schemeClr val="bg1"/>
-                </a:solidFill>
-              </a:rPr>
-              <a:t>ap</a:t>
+              <a:t>Map</a:t>
             </a:r>
             <a:endParaRPr lang="en-US" sz="3600" dirty="0">
               <a:solidFill>
@@ -12268,7 +13523,7 @@
             <p:nvPr/>
           </p:nvPicPr>
           <p:blipFill>
-            <a:blip r:embed="rId3">
+            <a:blip r:embed="rId4">
               <a:extLst>
                 <a:ext uri="{28A0092B-C50C-407E-A947-70E740481C1C}">
                   <a14:useLocalDpi xmlns:a14="http://schemas.microsoft.com/office/drawing/2010/main" val="0"/>
@@ -12364,7 +13619,7 @@
             <p:nvPr/>
           </p:nvPicPr>
           <p:blipFill>
-            <a:blip r:embed="rId4">
+            <a:blip r:embed="rId5">
               <a:extLst>
                 <a:ext uri="{28A0092B-C50C-407E-A947-70E740481C1C}">
                   <a14:useLocalDpi xmlns:a14="http://schemas.microsoft.com/office/drawing/2010/main" val="0"/>
@@ -12457,7 +13712,7 @@
             <p:nvPr/>
           </p:nvPicPr>
           <p:blipFill>
-            <a:blip r:embed="rId5">
+            <a:blip r:embed="rId6">
               <a:extLst>
                 <a:ext uri="{28A0092B-C50C-407E-A947-70E740481C1C}">
                   <a14:useLocalDpi xmlns:a14="http://schemas.microsoft.com/office/drawing/2010/main" val="0"/>
@@ -12544,30 +13799,30 @@
               <a:buChar char="ü"/>
             </a:pPr>
             <a:r>
-              <a:rPr lang="en-US" altLang="zh-CN" dirty="0" smtClean="0"/>
+              <a:rPr lang="en-US" altLang="zh-CN" dirty="0"/>
               <a:t>Call</a:t>
             </a:r>
             <a:r>
-              <a:rPr lang="zh-CN" altLang="en-US" dirty="0" smtClean="0"/>
+              <a:rPr lang="zh-CN" altLang="en-US" dirty="0"/>
               <a:t> </a:t>
             </a:r>
             <a:r>
-              <a:rPr lang="en-US" altLang="zh-CN" dirty="0" smtClean="0"/>
+              <a:rPr lang="en-US" altLang="zh-CN" dirty="0"/>
               <a:t>for</a:t>
             </a:r>
             <a:r>
-              <a:rPr lang="zh-CN" altLang="en-US" dirty="0" smtClean="0"/>
+              <a:rPr lang="zh-CN" altLang="en-US" dirty="0"/>
               <a:t> </a:t>
             </a:r>
             <a:r>
-              <a:rPr lang="en-US" altLang="zh-CN" dirty="0" smtClean="0"/>
+              <a:rPr lang="en-US" altLang="zh-CN" dirty="0"/>
               <a:t>services</a:t>
             </a:r>
             <a:r>
-              <a:rPr lang="zh-CN" altLang="en-US" dirty="0" smtClean="0"/>
+              <a:rPr lang="zh-CN" altLang="en-US" dirty="0"/>
               <a:t> </a:t>
             </a:r>
-            <a:endParaRPr lang="en-US" altLang="zh-CN" dirty="0" smtClean="0"/>
+            <a:endParaRPr lang="en-US" altLang="zh-CN" dirty="0"/>
           </a:p>
           <a:p>
             <a:pPr marL="285750" indent="-285750">
@@ -12575,23 +13830,23 @@
               <a:buChar char="ü"/>
             </a:pPr>
             <a:r>
-              <a:rPr lang="en-US" altLang="zh-CN" dirty="0" smtClean="0"/>
+              <a:rPr lang="en-US" altLang="zh-CN" dirty="0"/>
               <a:t>Stop</a:t>
             </a:r>
             <a:r>
-              <a:rPr lang="zh-CN" altLang="en-US" dirty="0" smtClean="0"/>
+              <a:rPr lang="zh-CN" altLang="en-US" dirty="0"/>
               <a:t> </a:t>
             </a:r>
             <a:r>
-              <a:rPr lang="en-US" altLang="zh-CN" dirty="0" smtClean="0"/>
+              <a:rPr lang="en-US" altLang="zh-CN" dirty="0"/>
               <a:t>and</a:t>
             </a:r>
             <a:r>
-              <a:rPr lang="zh-CN" altLang="en-US" dirty="0" smtClean="0"/>
+              <a:rPr lang="zh-CN" altLang="en-US" dirty="0"/>
               <a:t> </a:t>
             </a:r>
             <a:r>
-              <a:rPr lang="en-US" altLang="zh-CN" dirty="0" smtClean="0"/>
+              <a:rPr lang="en-US" altLang="zh-CN" dirty="0"/>
               <a:t>searches</a:t>
             </a:r>
           </a:p>
@@ -12601,31 +13856,31 @@
               <a:buChar char="ü"/>
             </a:pPr>
             <a:r>
-              <a:rPr lang="en-US" altLang="zh-CN" dirty="0" smtClean="0"/>
+              <a:rPr lang="en-US" altLang="zh-CN" dirty="0"/>
               <a:t>Quality</a:t>
             </a:r>
             <a:r>
-              <a:rPr lang="zh-CN" altLang="en-US" dirty="0" smtClean="0"/>
+              <a:rPr lang="zh-CN" altLang="en-US" dirty="0"/>
               <a:t> </a:t>
             </a:r>
             <a:r>
-              <a:rPr lang="en-US" altLang="zh-CN" dirty="0" smtClean="0"/>
+              <a:rPr lang="en-US" altLang="zh-CN" dirty="0"/>
               <a:t>of</a:t>
             </a:r>
             <a:r>
-              <a:rPr lang="zh-CN" altLang="en-US" dirty="0" smtClean="0"/>
+              <a:rPr lang="zh-CN" altLang="en-US" dirty="0"/>
               <a:t> </a:t>
             </a:r>
             <a:r>
-              <a:rPr lang="en-US" altLang="zh-CN" dirty="0" smtClean="0"/>
+              <a:rPr lang="en-US" altLang="zh-CN" dirty="0"/>
               <a:t>life</a:t>
             </a:r>
             <a:r>
-              <a:rPr lang="zh-CN" altLang="en-US" dirty="0" smtClean="0"/>
+              <a:rPr lang="zh-CN" altLang="en-US" dirty="0"/>
               <a:t> </a:t>
             </a:r>
             <a:r>
-              <a:rPr lang="en-US" altLang="zh-CN" dirty="0" smtClean="0"/>
+              <a:rPr lang="en-US" altLang="zh-CN" dirty="0"/>
               <a:t>issues</a:t>
             </a:r>
             <a:endParaRPr lang="en-US" dirty="0"/>
@@ -12761,15 +14016,15 @@
           <a:p>
             <a:pPr algn="ctr"/>
             <a:r>
-              <a:rPr lang="en-US" altLang="zh-CN" sz="2400" dirty="0" smtClean="0"/>
+              <a:rPr lang="en-US" altLang="zh-CN" sz="2400" dirty="0"/>
               <a:t>Descriptive</a:t>
             </a:r>
             <a:r>
-              <a:rPr lang="zh-CN" altLang="en-US" sz="2400" dirty="0" smtClean="0"/>
+              <a:rPr lang="zh-CN" altLang="en-US" sz="2400" dirty="0"/>
               <a:t> </a:t>
             </a:r>
             <a:r>
-              <a:rPr lang="en-US" altLang="zh-CN" sz="2400" dirty="0" smtClean="0"/>
+              <a:rPr lang="en-US" altLang="zh-CN" sz="2400" dirty="0"/>
               <a:t>Analysis</a:t>
             </a:r>
             <a:endParaRPr lang="en-US" sz="2400" dirty="0"/>
@@ -12800,7 +14055,7 @@
           <a:p>
             <a:pPr algn="ctr"/>
             <a:r>
-              <a:rPr lang="en-US" altLang="zh-CN" sz="2400" dirty="0" smtClean="0">
+              <a:rPr lang="en-US" altLang="zh-CN" sz="2400" dirty="0">
                 <a:solidFill>
                   <a:schemeClr val="bg1">
                     <a:lumMod val="50000"/>
@@ -12810,7 +14065,7 @@
               <a:t>Predictive</a:t>
             </a:r>
             <a:r>
-              <a:rPr lang="zh-CN" altLang="en-US" sz="2400" dirty="0" smtClean="0">
+              <a:rPr lang="zh-CN" altLang="en-US" sz="2400" dirty="0">
                 <a:solidFill>
                   <a:schemeClr val="bg1">
                     <a:lumMod val="50000"/>
@@ -12820,7 +14075,7 @@
               <a:t> </a:t>
             </a:r>
             <a:r>
-              <a:rPr lang="en-US" altLang="zh-CN" sz="2400" dirty="0" smtClean="0">
+              <a:rPr lang="en-US" altLang="zh-CN" sz="2400" dirty="0">
                 <a:solidFill>
                   <a:schemeClr val="bg1">
                     <a:lumMod val="50000"/>
@@ -13034,31 +14289,31 @@
               <a:defRPr/>
             </a:pPr>
             <a:r>
-              <a:rPr lang="en-US" altLang="zh-CN" b="1" dirty="0" smtClean="0"/>
+              <a:rPr lang="en-US" altLang="zh-CN" b="1" dirty="0"/>
               <a:t>Build</a:t>
             </a:r>
             <a:r>
-              <a:rPr lang="zh-CN" altLang="en-US" b="1" dirty="0" smtClean="0"/>
+              <a:rPr lang="zh-CN" altLang="en-US" b="1" dirty="0"/>
               <a:t> </a:t>
             </a:r>
             <a:r>
-              <a:rPr lang="en-US" altLang="zh-CN" b="1" dirty="0" smtClean="0"/>
+              <a:rPr lang="en-US" altLang="zh-CN" b="1" dirty="0"/>
               <a:t>a</a:t>
             </a:r>
             <a:r>
-              <a:rPr lang="zh-CN" altLang="en-US" b="1" dirty="0" smtClean="0"/>
+              <a:rPr lang="zh-CN" altLang="en-US" b="1" dirty="0"/>
               <a:t> </a:t>
             </a:r>
             <a:r>
-              <a:rPr lang="en-US" altLang="zh-CN" b="1" dirty="0" smtClean="0"/>
+              <a:rPr lang="en-US" altLang="zh-CN" b="1" dirty="0"/>
               <a:t>predictive</a:t>
             </a:r>
             <a:r>
-              <a:rPr lang="zh-CN" altLang="en-US" b="1" dirty="0" smtClean="0"/>
+              <a:rPr lang="zh-CN" altLang="en-US" b="1" dirty="0"/>
               <a:t> </a:t>
             </a:r>
             <a:r>
-              <a:rPr lang="en-US" altLang="zh-CN" b="1" dirty="0" smtClean="0"/>
+              <a:rPr lang="en-US" altLang="zh-CN" b="1" dirty="0"/>
               <a:t>model</a:t>
             </a:r>
             <a:endParaRPr lang="en-US" b="1" dirty="0"/>
@@ -13112,117 +14367,30 @@
               <a:defRPr/>
             </a:pPr>
             <a:r>
-              <a:rPr lang="en-US" altLang="zh-CN" b="1" dirty="0" smtClean="0"/>
+              <a:rPr lang="en-US" altLang="zh-CN" b="1" dirty="0"/>
               <a:t>Raw</a:t>
             </a:r>
             <a:r>
-              <a:rPr lang="zh-CN" altLang="en-US" b="1" dirty="0" smtClean="0"/>
+              <a:rPr lang="zh-CN" altLang="en-US" b="1" dirty="0"/>
               <a:t> </a:t>
             </a:r>
             <a:r>
-              <a:rPr lang="en-US" altLang="zh-CN" b="1" dirty="0" smtClean="0"/>
+              <a:rPr lang="en-US" altLang="zh-CN" b="1" dirty="0"/>
               <a:t>Data</a:t>
             </a:r>
             <a:r>
-              <a:rPr lang="zh-CN" altLang="en-US" b="1" dirty="0" smtClean="0"/>
+              <a:rPr lang="zh-CN" altLang="en-US" b="1" dirty="0"/>
               <a:t> </a:t>
             </a:r>
             <a:r>
-              <a:rPr lang="en-US" altLang="zh-CN" b="1" dirty="0" smtClean="0"/>
+              <a:rPr lang="en-US" altLang="zh-CN" b="1" dirty="0"/>
               <a:t>sets</a:t>
             </a:r>
             <a:r>
-              <a:rPr lang="zh-CN" altLang="en-US" b="1" dirty="0" smtClean="0"/>
+              <a:rPr lang="zh-CN" altLang="en-US" b="1" dirty="0"/>
               <a:t> </a:t>
             </a:r>
             <a:endParaRPr lang="en-US" b="1" dirty="0"/>
-          </a:p>
-        </p:txBody>
-      </p:sp>
-      <p:sp>
-        <p:nvSpPr>
-          <p:cNvPr id="56" name="TextBox 55"/>
-          <p:cNvSpPr txBox="1"/>
-          <p:nvPr/>
-        </p:nvSpPr>
-        <p:spPr>
-          <a:xfrm>
-            <a:off x="9472020" y="4086615"/>
-            <a:ext cx="2810486" cy="646331"/>
-          </a:xfrm>
-          <a:prstGeom prst="rect">
-            <a:avLst/>
-          </a:prstGeom>
-          <a:noFill/>
-        </p:spPr>
-        <p:txBody>
-          <a:bodyPr wrap="square" rtlCol="0">
-            <a:spAutoFit/>
-          </a:bodyPr>
-          <a:lstStyle/>
-          <a:p>
-            <a:pPr marL="285750" marR="0" lvl="0" indent="-285750" defTabSz="914400" eaLnBrk="1" fontAlgn="auto" latinLnBrk="0" hangingPunct="1">
-              <a:lnSpc>
-                <a:spcPct val="100000"/>
-              </a:lnSpc>
-              <a:spcBef>
-                <a:spcPts val="0"/>
-              </a:spcBef>
-              <a:spcAft>
-                <a:spcPts val="0"/>
-              </a:spcAft>
-              <a:buClrTx/>
-              <a:buSzTx/>
-              <a:buFont typeface="Wingdings" charset="2"/>
-              <a:buChar char="Ø"/>
-              <a:tabLst/>
-              <a:defRPr/>
-            </a:pPr>
-            <a:r>
-              <a:rPr lang="en-US" altLang="zh-CN" dirty="0" smtClean="0"/>
-              <a:t>Model</a:t>
-            </a:r>
-            <a:r>
-              <a:rPr lang="zh-CN" altLang="en-US" dirty="0" smtClean="0"/>
-              <a:t> </a:t>
-            </a:r>
-            <a:r>
-              <a:rPr lang="en-US" altLang="zh-CN" dirty="0" smtClean="0"/>
-              <a:t>to</a:t>
-            </a:r>
-            <a:r>
-              <a:rPr lang="zh-CN" altLang="en-US" dirty="0" smtClean="0"/>
-              <a:t> </a:t>
-            </a:r>
-            <a:r>
-              <a:rPr lang="en-US" altLang="zh-CN" dirty="0" smtClean="0"/>
-              <a:t>help</a:t>
-            </a:r>
-            <a:r>
-              <a:rPr lang="zh-CN" altLang="en-US" dirty="0" smtClean="0"/>
-              <a:t> </a:t>
-            </a:r>
-            <a:r>
-              <a:rPr lang="en-US" altLang="zh-CN" dirty="0" smtClean="0"/>
-              <a:t>predict</a:t>
-            </a:r>
-            <a:r>
-              <a:rPr lang="zh-CN" altLang="en-US" dirty="0" smtClean="0"/>
-              <a:t> </a:t>
-            </a:r>
-            <a:r>
-              <a:rPr lang="en-US" altLang="zh-CN" dirty="0" smtClean="0"/>
-              <a:t>resource</a:t>
-            </a:r>
-            <a:r>
-              <a:rPr lang="zh-CN" altLang="en-US" dirty="0" smtClean="0"/>
-              <a:t> </a:t>
-            </a:r>
-            <a:r>
-              <a:rPr lang="en-US" altLang="zh-CN" dirty="0" smtClean="0"/>
-              <a:t>allocation</a:t>
-            </a:r>
-            <a:endParaRPr lang="en-US" dirty="0"/>
           </a:p>
         </p:txBody>
       </p:sp>
@@ -13273,15 +14441,15 @@
               <a:defRPr/>
             </a:pPr>
             <a:r>
-              <a:rPr lang="en-US" altLang="zh-CN" b="1" dirty="0" smtClean="0"/>
+              <a:rPr lang="en-US" altLang="zh-CN" b="1" dirty="0"/>
               <a:t>Preliminary</a:t>
             </a:r>
             <a:r>
-              <a:rPr lang="zh-CN" altLang="en-US" b="1" dirty="0" smtClean="0"/>
+              <a:rPr lang="zh-CN" altLang="en-US" b="1" dirty="0"/>
               <a:t> </a:t>
             </a:r>
             <a:r>
-              <a:rPr lang="en-US" altLang="zh-CN" b="1" dirty="0" smtClean="0"/>
+              <a:rPr lang="en-US" altLang="zh-CN" b="1" dirty="0"/>
               <a:t>analysis</a:t>
             </a:r>
             <a:endParaRPr lang="en-US" b="1" dirty="0"/>
@@ -13328,31 +14496,31 @@
               <a:defRPr/>
             </a:pPr>
             <a:r>
-              <a:rPr lang="en-US" altLang="zh-CN" dirty="0" smtClean="0"/>
+              <a:rPr lang="en-US" altLang="zh-CN" dirty="0"/>
               <a:t>Identify</a:t>
             </a:r>
             <a:r>
-              <a:rPr lang="zh-CN" altLang="en-US" dirty="0" smtClean="0"/>
+              <a:rPr lang="zh-CN" altLang="en-US" dirty="0"/>
               <a:t> </a:t>
             </a:r>
             <a:r>
-              <a:rPr lang="en-US" altLang="zh-CN" dirty="0" smtClean="0"/>
+              <a:rPr lang="en-US" altLang="zh-CN" dirty="0"/>
               <a:t>Crime</a:t>
             </a:r>
             <a:r>
-              <a:rPr lang="zh-CN" altLang="en-US" dirty="0" smtClean="0"/>
+              <a:rPr lang="zh-CN" altLang="en-US" dirty="0"/>
               <a:t> </a:t>
             </a:r>
             <a:r>
-              <a:rPr lang="en-US" altLang="zh-CN" dirty="0" smtClean="0"/>
+              <a:rPr lang="en-US" altLang="zh-CN" dirty="0"/>
               <a:t>prone</a:t>
             </a:r>
             <a:r>
-              <a:rPr lang="zh-CN" altLang="en-US" dirty="0" smtClean="0"/>
+              <a:rPr lang="zh-CN" altLang="en-US" dirty="0"/>
               <a:t> </a:t>
             </a:r>
             <a:r>
-              <a:rPr lang="en-US" altLang="zh-CN" dirty="0" smtClean="0"/>
+              <a:rPr lang="en-US" altLang="zh-CN" dirty="0"/>
               <a:t>areas</a:t>
             </a:r>
           </a:p>
@@ -13375,39 +14543,39 @@
               <a:defRPr/>
             </a:pPr>
             <a:r>
-              <a:rPr lang="en-US" altLang="zh-CN" dirty="0" smtClean="0"/>
+              <a:rPr lang="en-US" altLang="zh-CN" dirty="0"/>
               <a:t>Identify</a:t>
             </a:r>
             <a:r>
-              <a:rPr lang="zh-CN" altLang="en-US" dirty="0" smtClean="0"/>
+              <a:rPr lang="zh-CN" altLang="en-US" dirty="0"/>
               <a:t> </a:t>
             </a:r>
             <a:r>
-              <a:rPr lang="en-US" altLang="zh-CN" dirty="0" smtClean="0"/>
+              <a:rPr lang="en-US" altLang="zh-CN" dirty="0"/>
               <a:t>Quality</a:t>
             </a:r>
             <a:r>
-              <a:rPr lang="zh-CN" altLang="en-US" dirty="0" smtClean="0"/>
+              <a:rPr lang="zh-CN" altLang="en-US" dirty="0"/>
               <a:t> </a:t>
             </a:r>
             <a:r>
-              <a:rPr lang="en-US" altLang="zh-CN" dirty="0" smtClean="0"/>
+              <a:rPr lang="en-US" altLang="zh-CN" dirty="0"/>
               <a:t>of</a:t>
             </a:r>
             <a:r>
-              <a:rPr lang="zh-CN" altLang="en-US" dirty="0" smtClean="0"/>
+              <a:rPr lang="zh-CN" altLang="en-US" dirty="0"/>
               <a:t> </a:t>
             </a:r>
             <a:r>
-              <a:rPr lang="en-US" altLang="zh-CN" dirty="0" smtClean="0"/>
+              <a:rPr lang="en-US" altLang="zh-CN" dirty="0"/>
               <a:t>life</a:t>
             </a:r>
             <a:r>
-              <a:rPr lang="zh-CN" altLang="en-US" dirty="0" smtClean="0"/>
+              <a:rPr lang="zh-CN" altLang="en-US" dirty="0"/>
               <a:t> </a:t>
             </a:r>
             <a:r>
-              <a:rPr lang="en-US" altLang="zh-CN" dirty="0" smtClean="0"/>
+              <a:rPr lang="en-US" altLang="zh-CN" dirty="0"/>
               <a:t>indicators</a:t>
             </a:r>
           </a:p>
@@ -13430,47 +14598,47 @@
               <a:defRPr/>
             </a:pPr>
             <a:r>
-              <a:rPr lang="en-US" altLang="zh-CN" dirty="0" smtClean="0"/>
+              <a:rPr lang="en-US" altLang="zh-CN" dirty="0"/>
               <a:t>Impact</a:t>
             </a:r>
             <a:r>
-              <a:rPr lang="zh-CN" altLang="en-US" dirty="0" smtClean="0"/>
+              <a:rPr lang="zh-CN" altLang="en-US" dirty="0"/>
               <a:t> </a:t>
             </a:r>
             <a:r>
-              <a:rPr lang="en-US" altLang="zh-CN" dirty="0" smtClean="0"/>
+              <a:rPr lang="en-US" altLang="zh-CN" dirty="0"/>
               <a:t>of</a:t>
             </a:r>
             <a:r>
-              <a:rPr lang="zh-CN" altLang="en-US" dirty="0" smtClean="0"/>
+              <a:rPr lang="zh-CN" altLang="en-US" dirty="0"/>
               <a:t> </a:t>
             </a:r>
             <a:r>
-              <a:rPr lang="en-US" altLang="zh-CN" dirty="0" smtClean="0"/>
+              <a:rPr lang="en-US" altLang="zh-CN" dirty="0"/>
               <a:t>SNS</a:t>
             </a:r>
             <a:r>
-              <a:rPr lang="zh-CN" altLang="en-US" dirty="0" smtClean="0"/>
+              <a:rPr lang="zh-CN" altLang="en-US" dirty="0"/>
               <a:t> </a:t>
             </a:r>
             <a:r>
-              <a:rPr lang="en-US" altLang="zh-CN" dirty="0" smtClean="0"/>
+              <a:rPr lang="en-US" altLang="zh-CN" dirty="0"/>
               <a:t>on</a:t>
             </a:r>
             <a:r>
-              <a:rPr lang="zh-CN" altLang="en-US" dirty="0" smtClean="0"/>
+              <a:rPr lang="zh-CN" altLang="en-US" dirty="0"/>
               <a:t> </a:t>
             </a:r>
             <a:r>
-              <a:rPr lang="en-US" altLang="zh-CN" dirty="0" smtClean="0"/>
+              <a:rPr lang="en-US" altLang="zh-CN" dirty="0"/>
               <a:t>Violent</a:t>
             </a:r>
             <a:r>
-              <a:rPr lang="zh-CN" altLang="en-US" dirty="0" smtClean="0"/>
+              <a:rPr lang="zh-CN" altLang="en-US" dirty="0"/>
               <a:t> </a:t>
             </a:r>
             <a:r>
-              <a:rPr lang="en-US" altLang="zh-CN" dirty="0" smtClean="0"/>
+              <a:rPr lang="en-US" altLang="zh-CN" dirty="0"/>
               <a:t>Crime</a:t>
             </a:r>
             <a:endParaRPr lang="en-US" dirty="0"/>
@@ -13493,7 +14661,7 @@
           <a:lstStyle/>
           <a:p>
             <a:r>
-              <a:rPr lang="en-US" altLang="zh-CN" dirty="0" smtClean="0"/>
+              <a:rPr lang="en-US" altLang="zh-CN" dirty="0"/>
               <a:t>6</a:t>
             </a:r>
             <a:endParaRPr lang="en-US" dirty="0"/>
@@ -13510,13 +14678,6 @@
   <p:clrMapOvr>
     <a:masterClrMapping/>
   </p:clrMapOvr>
-  <p:timing>
-    <p:tnLst>
-      <p:par>
-        <p:cTn id="1" dur="indefinite" restart="never" nodeType="tmRoot"/>
-      </p:par>
-    </p:tnLst>
-  </p:timing>
 </p:sld>
 </file>
 
@@ -13546,7 +14707,7 @@
           <p:nvPr/>
         </p:nvPicPr>
         <p:blipFill rotWithShape="1">
-          <a:blip r:embed="rId2">
+          <a:blip r:embed="rId3">
             <a:extLst>
               <a:ext uri="{28A0092B-C50C-407E-A947-70E740481C1C}">
                 <a14:useLocalDpi xmlns:a14="http://schemas.microsoft.com/office/drawing/2010/main" val="0"/>
@@ -13599,7 +14760,7 @@
           <a:lstStyle/>
           <a:p>
             <a:r>
-              <a:rPr lang="en-US" altLang="zh-CN" sz="3600" dirty="0" smtClean="0">
+              <a:rPr lang="en-US" altLang="zh-CN" sz="3600" dirty="0">
                 <a:solidFill>
                   <a:schemeClr val="bg1"/>
                 </a:solidFill>
@@ -13779,15 +14940,15 @@
           <a:lstStyle/>
           <a:p>
             <a:r>
-              <a:rPr lang="en-US" altLang="zh-CN" sz="3200" dirty="0" smtClean="0"/>
+              <a:rPr lang="en-US" altLang="zh-CN" sz="3200" dirty="0"/>
               <a:t>Project</a:t>
             </a:r>
             <a:r>
-              <a:rPr lang="zh-CN" altLang="en-US" sz="3200" dirty="0" smtClean="0"/>
+              <a:rPr lang="zh-CN" altLang="en-US" sz="3200" dirty="0"/>
               <a:t> </a:t>
             </a:r>
             <a:r>
-              <a:rPr lang="en-US" altLang="zh-CN" sz="3200" dirty="0" smtClean="0"/>
+              <a:rPr lang="en-US" altLang="zh-CN" sz="3200" dirty="0"/>
               <a:t>Introduction</a:t>
             </a:r>
             <a:endParaRPr lang="en-US" sz="3200" dirty="0"/>
@@ -13822,7 +14983,7 @@
           <a:lstStyle/>
           <a:p>
             <a:r>
-              <a:rPr lang="en-US" altLang="zh-CN" sz="3200" dirty="0" smtClean="0">
+              <a:rPr lang="en-US" altLang="zh-CN" sz="3200" dirty="0">
                 <a:solidFill>
                   <a:schemeClr val="bg1"/>
                 </a:solidFill>
@@ -13865,23 +15026,19 @@
           <a:lstStyle/>
           <a:p>
             <a:r>
-              <a:rPr lang="en-US" altLang="zh-CN" sz="3200" dirty="0" smtClean="0"/>
+              <a:rPr lang="en-US" altLang="zh-CN" sz="3200" dirty="0"/>
               <a:t>Key</a:t>
             </a:r>
             <a:r>
-              <a:rPr lang="zh-CN" altLang="en-US" sz="3200" dirty="0" smtClean="0"/>
+              <a:rPr lang="zh-CN" altLang="en-US" sz="3200" dirty="0"/>
               <a:t> </a:t>
             </a:r>
             <a:r>
               <a:rPr lang="en-US" altLang="zh-CN" sz="3200" dirty="0"/>
-              <a:t>F</a:t>
-            </a:r>
-            <a:r>
-              <a:rPr lang="en-US" altLang="zh-CN" sz="3200" dirty="0" smtClean="0"/>
-              <a:t>indings</a:t>
-            </a:r>
-            <a:r>
-              <a:rPr lang="zh-CN" altLang="en-US" sz="3200" dirty="0" smtClean="0"/>
+              <a:t>Findings</a:t>
+            </a:r>
+            <a:r>
+              <a:rPr lang="zh-CN" altLang="en-US" sz="3200" dirty="0"/>
               <a:t> </a:t>
             </a:r>
             <a:endParaRPr lang="en-US" sz="3200" dirty="0"/>
@@ -13916,15 +15073,15 @@
           <a:lstStyle/>
           <a:p>
             <a:r>
-              <a:rPr lang="en-US" altLang="zh-CN" sz="3200" dirty="0" smtClean="0"/>
+              <a:rPr lang="en-US" altLang="zh-CN" sz="3200" dirty="0"/>
               <a:t>Next</a:t>
             </a:r>
             <a:r>
-              <a:rPr lang="zh-CN" altLang="en-US" sz="3200" dirty="0" smtClean="0"/>
+              <a:rPr lang="zh-CN" altLang="en-US" sz="3200" dirty="0"/>
               <a:t> </a:t>
             </a:r>
             <a:r>
-              <a:rPr lang="en-US" altLang="zh-CN" sz="3200" dirty="0" smtClean="0"/>
+              <a:rPr lang="en-US" altLang="zh-CN" sz="3200" dirty="0"/>
               <a:t>Steps</a:t>
             </a:r>
             <a:endParaRPr lang="en-US" sz="3200" dirty="0"/>
@@ -13947,7 +15104,7 @@
           <a:lstStyle/>
           <a:p>
             <a:r>
-              <a:rPr lang="en-US" altLang="zh-CN" smtClean="0"/>
+              <a:rPr lang="en-US" altLang="zh-CN"/>
               <a:t>1</a:t>
             </a:r>
             <a:endParaRPr lang="en-US" dirty="0"/>
@@ -13964,13 +15121,6 @@
   <p:clrMapOvr>
     <a:masterClrMapping/>
   </p:clrMapOvr>
-  <p:timing>
-    <p:tnLst>
-      <p:par>
-        <p:cTn id="1" dur="indefinite" restart="never" nodeType="tmRoot"/>
-      </p:par>
-    </p:tnLst>
-  </p:timing>
 </p:sld>
 </file>
 
@@ -14000,7 +15150,7 @@
           <p:nvPr/>
         </p:nvPicPr>
         <p:blipFill rotWithShape="1">
-          <a:blip r:embed="rId2">
+          <a:blip r:embed="rId3">
             <a:extLst>
               <a:ext uri="{28A0092B-C50C-407E-A947-70E740481C1C}">
                 <a14:useLocalDpi xmlns:a14="http://schemas.microsoft.com/office/drawing/2010/main" val="0"/>
@@ -14053,7 +15203,7 @@
           <a:lstStyle/>
           <a:p>
             <a:r>
-              <a:rPr lang="en-US" altLang="zh-CN" sz="3600" dirty="0" smtClean="0">
+              <a:rPr lang="en-US" altLang="zh-CN" sz="3600" dirty="0">
                 <a:solidFill>
                   <a:schemeClr val="bg1"/>
                 </a:solidFill>
@@ -14061,7 +15211,7 @@
               <a:t>Data</a:t>
             </a:r>
             <a:r>
-              <a:rPr lang="zh-CN" altLang="en-US" sz="3600" dirty="0" smtClean="0">
+              <a:rPr lang="zh-CN" altLang="en-US" sz="3600" dirty="0">
                 <a:solidFill>
                   <a:schemeClr val="bg1"/>
                 </a:solidFill>
@@ -14069,7 +15219,7 @@
               <a:t> </a:t>
             </a:r>
             <a:r>
-              <a:rPr lang="en-US" altLang="zh-CN" sz="3600" dirty="0" smtClean="0">
+              <a:rPr lang="en-US" altLang="zh-CN" sz="3600" dirty="0">
                 <a:solidFill>
                   <a:schemeClr val="bg1"/>
                 </a:solidFill>
@@ -14100,7 +15250,7 @@
           <a:lstStyle/>
           <a:p>
             <a:r>
-              <a:rPr lang="en-US" altLang="zh-CN" smtClean="0"/>
+              <a:rPr lang="en-US" altLang="zh-CN"/>
               <a:t>1</a:t>
             </a:r>
             <a:endParaRPr lang="en-US" dirty="0"/>
@@ -14178,7 +15328,7 @@
             <p:nvPr/>
           </p:nvPicPr>
           <p:blipFill>
-            <a:blip r:embed="rId3">
+            <a:blip r:embed="rId4">
               <a:extLst>
                 <a:ext uri="{28A0092B-C50C-407E-A947-70E740481C1C}">
                   <a14:useLocalDpi xmlns:a14="http://schemas.microsoft.com/office/drawing/2010/main" val="0"/>
@@ -14224,15 +15374,15 @@
           <a:p>
             <a:pPr algn="ctr"/>
             <a:r>
-              <a:rPr lang="en-US" altLang="zh-CN" sz="2000" dirty="0" smtClean="0"/>
+              <a:rPr lang="en-US" altLang="zh-CN" sz="2000" dirty="0"/>
               <a:t>Raw</a:t>
             </a:r>
             <a:r>
-              <a:rPr lang="zh-CN" altLang="en-US" sz="2000" dirty="0" smtClean="0"/>
+              <a:rPr lang="zh-CN" altLang="en-US" sz="2000" dirty="0"/>
               <a:t> </a:t>
             </a:r>
             <a:r>
-              <a:rPr lang="en-US" altLang="zh-CN" sz="2000" dirty="0" smtClean="0"/>
+              <a:rPr lang="en-US" altLang="zh-CN" sz="2000" dirty="0"/>
               <a:t>Data</a:t>
             </a:r>
             <a:endParaRPr lang="en-US" sz="2000" dirty="0"/>
@@ -14465,7 +15615,7 @@
               <a:buNone/>
               <a:tabLst/>
             </a:pPr>
-            <a:endParaRPr kumimoji="0" lang="en-US" sz="1200" b="0" i="0" u="none" strike="noStrike" cap="none" normalizeH="0" baseline="0" dirty="0" smtClean="0">
+            <a:endParaRPr kumimoji="0" lang="en-US" sz="1200" b="0" i="0" u="none" strike="noStrike" cap="none" normalizeH="0" baseline="0" dirty="0">
               <a:ln>
                 <a:noFill/>
               </a:ln>
@@ -14508,7 +15658,7 @@
           <a:p>
             <a:pPr algn="ctr"/>
             <a:r>
-              <a:rPr lang="en-US" altLang="zh-CN" dirty="0" smtClean="0">
+              <a:rPr lang="en-US" altLang="zh-CN" dirty="0">
                 <a:solidFill>
                   <a:schemeClr val="bg1"/>
                 </a:solidFill>
@@ -14516,7 +15666,7 @@
               <a:t>Stop</a:t>
             </a:r>
             <a:r>
-              <a:rPr lang="zh-CN" altLang="en-US" dirty="0" smtClean="0">
+              <a:rPr lang="zh-CN" altLang="en-US" dirty="0">
                 <a:solidFill>
                   <a:schemeClr val="bg1"/>
                 </a:solidFill>
@@ -14524,7 +15674,7 @@
               <a:t> </a:t>
             </a:r>
             <a:r>
-              <a:rPr lang="en-US" altLang="zh-CN" dirty="0" smtClean="0">
+              <a:rPr lang="en-US" altLang="zh-CN" dirty="0">
                 <a:solidFill>
                   <a:schemeClr val="bg1"/>
                 </a:solidFill>
@@ -14532,7 +15682,7 @@
               <a:t>and</a:t>
             </a:r>
             <a:r>
-              <a:rPr lang="zh-CN" altLang="en-US" dirty="0" smtClean="0">
+              <a:rPr lang="zh-CN" altLang="en-US" dirty="0">
                 <a:solidFill>
                   <a:schemeClr val="bg1"/>
                 </a:solidFill>
@@ -14540,7 +15690,7 @@
               <a:t> </a:t>
             </a:r>
             <a:r>
-              <a:rPr lang="en-US" altLang="zh-CN" dirty="0" smtClean="0">
+              <a:rPr lang="en-US" altLang="zh-CN" dirty="0">
                 <a:solidFill>
                   <a:schemeClr val="bg1"/>
                 </a:solidFill>
@@ -14581,7 +15731,7 @@
           <a:p>
             <a:pPr algn="ctr"/>
             <a:r>
-              <a:rPr lang="en-US" altLang="zh-CN" dirty="0" smtClean="0">
+              <a:rPr lang="en-US" altLang="zh-CN" dirty="0">
                 <a:solidFill>
                   <a:schemeClr val="bg1"/>
                 </a:solidFill>
@@ -14589,7 +15739,7 @@
               <a:t>Call</a:t>
             </a:r>
             <a:r>
-              <a:rPr lang="zh-CN" altLang="en-US" dirty="0" smtClean="0">
+              <a:rPr lang="zh-CN" altLang="en-US" dirty="0">
                 <a:solidFill>
                   <a:schemeClr val="bg1"/>
                 </a:solidFill>
@@ -14597,7 +15747,7 @@
               <a:t> </a:t>
             </a:r>
             <a:r>
-              <a:rPr lang="en-US" altLang="zh-CN" dirty="0" smtClean="0">
+              <a:rPr lang="en-US" altLang="zh-CN" dirty="0">
                 <a:solidFill>
                   <a:schemeClr val="bg1"/>
                 </a:solidFill>
@@ -14605,7 +15755,7 @@
               <a:t>for</a:t>
             </a:r>
             <a:r>
-              <a:rPr lang="zh-CN" altLang="en-US" dirty="0" smtClean="0">
+              <a:rPr lang="zh-CN" altLang="en-US" dirty="0">
                 <a:solidFill>
                   <a:schemeClr val="bg1"/>
                 </a:solidFill>
@@ -14613,7 +15763,7 @@
               <a:t> </a:t>
             </a:r>
             <a:r>
-              <a:rPr lang="en-US" altLang="zh-CN" dirty="0" smtClean="0">
+              <a:rPr lang="en-US" altLang="zh-CN" dirty="0">
                 <a:solidFill>
                   <a:schemeClr val="bg1"/>
                 </a:solidFill>
@@ -14656,7 +15806,7 @@
           <a:p>
             <a:pPr algn="ctr"/>
             <a:r>
-              <a:rPr lang="en-US" altLang="zh-CN" dirty="0" smtClean="0">
+              <a:rPr lang="en-US" altLang="zh-CN" dirty="0">
                 <a:solidFill>
                   <a:schemeClr val="bg1"/>
                 </a:solidFill>
@@ -14664,7 +15814,7 @@
               <a:t>Qualify</a:t>
             </a:r>
             <a:r>
-              <a:rPr lang="zh-CN" altLang="en-US" dirty="0" smtClean="0">
+              <a:rPr lang="zh-CN" altLang="en-US" dirty="0">
                 <a:solidFill>
                   <a:schemeClr val="bg1"/>
                 </a:solidFill>
@@ -14672,7 +15822,7 @@
               <a:t> </a:t>
             </a:r>
             <a:r>
-              <a:rPr lang="en-US" altLang="zh-CN" dirty="0" smtClean="0">
+              <a:rPr lang="en-US" altLang="zh-CN" dirty="0">
                 <a:solidFill>
                   <a:schemeClr val="bg1"/>
                 </a:solidFill>
@@ -14680,7 +15830,7 @@
               <a:t>of</a:t>
             </a:r>
             <a:r>
-              <a:rPr lang="zh-CN" altLang="en-US" dirty="0" smtClean="0">
+              <a:rPr lang="zh-CN" altLang="en-US" dirty="0">
                 <a:solidFill>
                   <a:schemeClr val="bg1"/>
                 </a:solidFill>
@@ -14688,7 +15838,7 @@
               <a:t> </a:t>
             </a:r>
             <a:r>
-              <a:rPr lang="en-US" altLang="zh-CN" dirty="0" smtClean="0">
+              <a:rPr lang="en-US" altLang="zh-CN" dirty="0">
                 <a:solidFill>
                   <a:schemeClr val="bg1"/>
                 </a:solidFill>
@@ -14712,7 +15862,7 @@
           <p:nvPr/>
         </p:nvPicPr>
         <p:blipFill>
-          <a:blip r:embed="rId4">
+          <a:blip r:embed="rId5">
             <a:extLst>
               <a:ext uri="{28A0092B-C50C-407E-A947-70E740481C1C}">
                 <a14:useLocalDpi xmlns:a14="http://schemas.microsoft.com/office/drawing/2010/main" val="0"/>
@@ -14761,7 +15911,7 @@
           <a:p>
             <a:pPr algn="ctr"/>
             <a:r>
-              <a:rPr lang="en-US" altLang="zh-CN" dirty="0" smtClean="0">
+              <a:rPr lang="en-US" altLang="zh-CN" dirty="0">
                 <a:solidFill>
                   <a:schemeClr val="bg1"/>
                 </a:solidFill>
@@ -14769,7 +15919,7 @@
               <a:t>Violent</a:t>
             </a:r>
             <a:r>
-              <a:rPr lang="zh-CN" altLang="en-US" dirty="0" smtClean="0">
+              <a:rPr lang="zh-CN" altLang="en-US" dirty="0">
                 <a:solidFill>
                   <a:schemeClr val="bg1"/>
                 </a:solidFill>
@@ -14777,44 +15927,12 @@
               <a:t> </a:t>
             </a:r>
             <a:r>
-              <a:rPr lang="en-US" altLang="zh-CN" dirty="0" smtClean="0">
+              <a:rPr lang="en-US" altLang="zh-CN" dirty="0">
                 <a:solidFill>
                   <a:schemeClr val="bg1"/>
                 </a:solidFill>
               </a:rPr>
-              <a:t>Crime</a:t>
-            </a:r>
-            <a:r>
-              <a:rPr lang="zh-CN" altLang="en-US" dirty="0" smtClean="0">
-                <a:solidFill>
-                  <a:schemeClr val="bg1"/>
-                </a:solidFill>
-              </a:rPr>
-              <a:t> </a:t>
-            </a:r>
-            <a:r>
-              <a:rPr lang="en-US" altLang="zh-CN" dirty="0" smtClean="0">
-                <a:solidFill>
-                  <a:schemeClr val="bg1"/>
-                </a:solidFill>
-              </a:rPr>
-              <a:t>/</a:t>
-            </a:r>
-            <a:r>
-              <a:rPr lang="zh-CN" altLang="en-US" dirty="0" smtClean="0">
-                <a:solidFill>
-                  <a:schemeClr val="bg1"/>
-                </a:solidFill>
-              </a:rPr>
-              <a:t> </a:t>
-            </a:r>
-            <a:r>
-              <a:rPr lang="en-US" altLang="zh-CN" dirty="0" smtClean="0">
-                <a:solidFill>
-                  <a:schemeClr val="bg1"/>
-                </a:solidFill>
-              </a:rPr>
-              <a:t>“RTF”</a:t>
+              <a:t>Crime/Reports to Follow</a:t>
             </a:r>
             <a:endParaRPr lang="en-US" dirty="0">
               <a:solidFill>
@@ -14852,7 +15970,7 @@
           <a:p>
             <a:pPr algn="ctr"/>
             <a:r>
-              <a:rPr lang="en-US" altLang="zh-CN" dirty="0" smtClean="0">
+              <a:rPr lang="en-US" altLang="zh-CN" dirty="0">
                 <a:solidFill>
                   <a:schemeClr val="bg1"/>
                 </a:solidFill>
@@ -14860,7 +15978,7 @@
               <a:t>Top</a:t>
             </a:r>
             <a:r>
-              <a:rPr lang="zh-CN" altLang="en-US" dirty="0" smtClean="0">
+              <a:rPr lang="zh-CN" altLang="en-US" dirty="0">
                 <a:solidFill>
                   <a:schemeClr val="bg1"/>
                 </a:solidFill>
@@ -14868,15 +15986,15 @@
               <a:t> </a:t>
             </a:r>
             <a:r>
-              <a:rPr lang="en-US" altLang="zh-CN" dirty="0" smtClean="0">
+              <a:rPr lang="en-US" altLang="zh-CN" dirty="0">
                 <a:solidFill>
                   <a:schemeClr val="bg1"/>
                 </a:solidFill>
               </a:rPr>
-              <a:t>3</a:t>
-            </a:r>
-            <a:r>
-              <a:rPr lang="zh-CN" altLang="en-US" dirty="0" smtClean="0">
+              <a:t>2</a:t>
+            </a:r>
+            <a:r>
+              <a:rPr lang="zh-CN" altLang="en-US" dirty="0">
                 <a:solidFill>
                   <a:schemeClr val="bg1"/>
                 </a:solidFill>
@@ -14884,7 +16002,7 @@
               <a:t> </a:t>
             </a:r>
             <a:r>
-              <a:rPr lang="en-US" altLang="zh-CN" dirty="0" smtClean="0">
+              <a:rPr lang="en-US" altLang="zh-CN" dirty="0">
                 <a:solidFill>
                   <a:schemeClr val="bg1"/>
                 </a:solidFill>
@@ -14892,7 +16010,7 @@
               <a:t>locations</a:t>
             </a:r>
             <a:r>
-              <a:rPr lang="zh-CN" altLang="en-US" dirty="0" smtClean="0">
+              <a:rPr lang="zh-CN" altLang="en-US" dirty="0">
                 <a:solidFill>
                   <a:schemeClr val="bg1"/>
                 </a:solidFill>
@@ -14900,7 +16018,7 @@
               <a:t> </a:t>
             </a:r>
             <a:r>
-              <a:rPr lang="en-US" altLang="zh-CN" dirty="0" smtClean="0">
+              <a:rPr lang="en-US" altLang="zh-CN" dirty="0">
                 <a:solidFill>
                   <a:schemeClr val="bg1"/>
                 </a:solidFill>
@@ -14908,7 +16026,7 @@
               <a:t>with</a:t>
             </a:r>
             <a:r>
-              <a:rPr lang="zh-CN" altLang="en-US" dirty="0" smtClean="0">
+              <a:rPr lang="zh-CN" altLang="en-US" dirty="0">
                 <a:solidFill>
                   <a:schemeClr val="bg1"/>
                 </a:solidFill>
@@ -14916,7 +16034,7 @@
               <a:t> </a:t>
             </a:r>
             <a:r>
-              <a:rPr lang="en-US" altLang="zh-CN" dirty="0" smtClean="0">
+              <a:rPr lang="en-US" altLang="zh-CN" dirty="0">
                 <a:solidFill>
                   <a:schemeClr val="bg1"/>
                 </a:solidFill>
@@ -14924,7 +16042,7 @@
               <a:t>the</a:t>
             </a:r>
             <a:r>
-              <a:rPr lang="zh-CN" altLang="en-US" dirty="0" smtClean="0">
+              <a:rPr lang="zh-CN" altLang="en-US" dirty="0">
                 <a:solidFill>
                   <a:schemeClr val="bg1"/>
                 </a:solidFill>
@@ -14932,7 +16050,7 @@
               <a:t> </a:t>
             </a:r>
             <a:r>
-              <a:rPr lang="en-US" altLang="zh-CN" dirty="0" smtClean="0">
+              <a:rPr lang="en-US" altLang="zh-CN" dirty="0">
                 <a:solidFill>
                   <a:schemeClr val="bg1"/>
                 </a:solidFill>
@@ -14940,7 +16058,7 @@
               <a:t>highest</a:t>
             </a:r>
             <a:r>
-              <a:rPr lang="zh-CN" altLang="en-US" dirty="0" smtClean="0">
+              <a:rPr lang="zh-CN" altLang="en-US" dirty="0">
                 <a:solidFill>
                   <a:schemeClr val="bg1"/>
                 </a:solidFill>
@@ -14948,7 +16066,7 @@
               <a:t> </a:t>
             </a:r>
             <a:r>
-              <a:rPr lang="en-US" altLang="zh-CN" dirty="0" smtClean="0">
+              <a:rPr lang="en-US" altLang="zh-CN" dirty="0">
                 <a:solidFill>
                   <a:schemeClr val="bg1"/>
                 </a:solidFill>
@@ -14956,7 +16074,7 @@
               <a:t>violent</a:t>
             </a:r>
             <a:r>
-              <a:rPr lang="zh-CN" altLang="en-US" dirty="0" smtClean="0">
+              <a:rPr lang="zh-CN" altLang="en-US" dirty="0">
                 <a:solidFill>
                   <a:schemeClr val="bg1"/>
                 </a:solidFill>
@@ -14964,7 +16082,7 @@
               <a:t> </a:t>
             </a:r>
             <a:r>
-              <a:rPr lang="en-US" altLang="zh-CN" dirty="0" smtClean="0">
+              <a:rPr lang="en-US" altLang="zh-CN" dirty="0">
                 <a:solidFill>
                   <a:schemeClr val="bg1"/>
                 </a:solidFill>
@@ -14988,7 +16106,7 @@
           <p:nvPr/>
         </p:nvPicPr>
         <p:blipFill>
-          <a:blip r:embed="rId4">
+          <a:blip r:embed="rId5">
             <a:extLst>
               <a:ext uri="{28A0092B-C50C-407E-A947-70E740481C1C}">
                 <a14:useLocalDpi xmlns:a14="http://schemas.microsoft.com/office/drawing/2010/main" val="0"/>
@@ -15033,15 +16151,15 @@
           <a:p>
             <a:pPr algn="ctr"/>
             <a:r>
-              <a:rPr lang="en-US" altLang="zh-CN" sz="1600" dirty="0" smtClean="0"/>
+              <a:rPr lang="en-US" altLang="zh-CN" sz="1600" dirty="0"/>
               <a:t>crime</a:t>
             </a:r>
             <a:r>
-              <a:rPr lang="zh-CN" altLang="en-US" sz="1600" dirty="0" smtClean="0"/>
+              <a:rPr lang="zh-CN" altLang="en-US" sz="1600" dirty="0"/>
               <a:t> </a:t>
             </a:r>
             <a:r>
-              <a:rPr lang="en-US" altLang="zh-CN" sz="1600" dirty="0" smtClean="0"/>
+              <a:rPr lang="en-US" altLang="zh-CN" sz="1600" dirty="0"/>
               <a:t>type</a:t>
             </a:r>
             <a:endParaRPr lang="en-US" sz="1600" dirty="0"/>
@@ -15072,15 +16190,15 @@
           <a:p>
             <a:pPr algn="ctr"/>
             <a:r>
-              <a:rPr lang="en-US" altLang="zh-CN" sz="1600" dirty="0" smtClean="0"/>
+              <a:rPr lang="en-US" altLang="zh-CN" sz="1600" dirty="0"/>
               <a:t>#violent</a:t>
             </a:r>
             <a:r>
-              <a:rPr lang="zh-CN" altLang="en-US" sz="1600" dirty="0" smtClean="0"/>
+              <a:rPr lang="zh-CN" altLang="en-US" sz="1600" dirty="0"/>
               <a:t> </a:t>
             </a:r>
             <a:r>
-              <a:rPr lang="en-US" altLang="zh-CN" sz="1600" dirty="0" smtClean="0"/>
+              <a:rPr lang="en-US" altLang="zh-CN" sz="1600" dirty="0"/>
               <a:t>crime</a:t>
             </a:r>
             <a:endParaRPr lang="en-US" sz="1600" dirty="0"/>
@@ -15189,13 +16307,6 @@
   <p:clrMapOvr>
     <a:masterClrMapping/>
   </p:clrMapOvr>
-  <p:timing>
-    <p:tnLst>
-      <p:par>
-        <p:cTn id="1" dur="indefinite" restart="never" nodeType="tmRoot"/>
-      </p:par>
-    </p:tnLst>
-  </p:timing>
 </p:sld>
 </file>
 
@@ -15218,256 +16329,7 @@
       </p:grpSpPr>
       <p:sp>
         <p:nvSpPr>
-          <p:cNvPr id="3" name="Rectangle 2"/>
-          <p:cNvSpPr/>
-          <p:nvPr/>
-        </p:nvSpPr>
-        <p:spPr>
-          <a:xfrm>
-            <a:off x="3874169" y="2109706"/>
-            <a:ext cx="4411579" cy="2454443"/>
-          </a:xfrm>
-          <a:prstGeom prst="rect">
-            <a:avLst/>
-          </a:prstGeom>
-        </p:spPr>
-        <p:style>
-          <a:lnRef idx="2">
-            <a:schemeClr val="accent1">
-              <a:shade val="50000"/>
-            </a:schemeClr>
-          </a:lnRef>
-          <a:fillRef idx="1">
-            <a:schemeClr val="accent1"/>
-          </a:fillRef>
-          <a:effectRef idx="0">
-            <a:schemeClr val="accent1"/>
-          </a:effectRef>
-          <a:fontRef idx="minor">
-            <a:schemeClr val="lt1"/>
-          </a:fontRef>
-        </p:style>
-        <p:txBody>
-          <a:bodyPr rtlCol="0" anchor="ctr"/>
-          <a:lstStyle/>
-          <a:p>
-            <a:pPr algn="ctr"/>
-            <a:r>
-              <a:rPr lang="en-US" altLang="zh-CN" dirty="0" smtClean="0"/>
-              <a:t>MAP</a:t>
-            </a:r>
-            <a:r>
-              <a:rPr lang="zh-CN" altLang="en-US" dirty="0" smtClean="0"/>
-              <a:t> </a:t>
-            </a:r>
-            <a:r>
-              <a:rPr lang="en-US" altLang="zh-CN" dirty="0" smtClean="0"/>
-              <a:t>OF</a:t>
-            </a:r>
-            <a:r>
-              <a:rPr lang="zh-CN" altLang="en-US" dirty="0" smtClean="0"/>
-              <a:t> </a:t>
-            </a:r>
-            <a:r>
-              <a:rPr lang="en-US" altLang="zh-CN" dirty="0" smtClean="0"/>
-              <a:t>NEW</a:t>
-            </a:r>
-            <a:r>
-              <a:rPr lang="zh-CN" altLang="en-US" dirty="0" smtClean="0"/>
-              <a:t> </a:t>
-            </a:r>
-            <a:r>
-              <a:rPr lang="en-US" altLang="zh-CN" dirty="0" smtClean="0"/>
-              <a:t>ORLEANS</a:t>
-            </a:r>
-            <a:r>
-              <a:rPr lang="zh-CN" altLang="en-US" dirty="0" smtClean="0"/>
-              <a:t> </a:t>
-            </a:r>
-            <a:r>
-              <a:rPr lang="en-US" altLang="zh-CN" dirty="0" smtClean="0"/>
-              <a:t>WITH</a:t>
-            </a:r>
-            <a:r>
-              <a:rPr lang="zh-CN" altLang="en-US" dirty="0" smtClean="0"/>
-              <a:t> </a:t>
-            </a:r>
-            <a:r>
-              <a:rPr lang="en-US" altLang="zh-CN" dirty="0" smtClean="0"/>
-              <a:t>TOP</a:t>
-            </a:r>
-            <a:r>
-              <a:rPr lang="zh-CN" altLang="en-US" dirty="0" smtClean="0"/>
-              <a:t> </a:t>
-            </a:r>
-            <a:r>
-              <a:rPr lang="en-US" altLang="zh-CN" dirty="0" smtClean="0"/>
-              <a:t>3</a:t>
-            </a:r>
-            <a:r>
-              <a:rPr lang="zh-CN" altLang="en-US" dirty="0" smtClean="0"/>
-              <a:t> </a:t>
-            </a:r>
-            <a:r>
-              <a:rPr lang="en-US" altLang="zh-CN" dirty="0" smtClean="0"/>
-              <a:t>LOCATIONS</a:t>
-            </a:r>
-            <a:r>
-              <a:rPr lang="zh-CN" altLang="en-US" dirty="0" smtClean="0"/>
-              <a:t> </a:t>
-            </a:r>
-            <a:r>
-              <a:rPr lang="en-US" altLang="zh-CN" dirty="0" smtClean="0"/>
-              <a:t>OF</a:t>
-            </a:r>
-            <a:r>
-              <a:rPr lang="zh-CN" altLang="en-US" dirty="0" smtClean="0"/>
-              <a:t> </a:t>
-            </a:r>
-            <a:r>
-              <a:rPr lang="en-US" altLang="zh-CN" dirty="0" smtClean="0"/>
-              <a:t>VIOLENT</a:t>
-            </a:r>
-            <a:r>
-              <a:rPr lang="zh-CN" altLang="en-US" dirty="0" smtClean="0"/>
-              <a:t> </a:t>
-            </a:r>
-            <a:r>
-              <a:rPr lang="en-US" altLang="zh-CN" dirty="0" smtClean="0"/>
-              <a:t>CRIME</a:t>
-            </a:r>
-            <a:endParaRPr lang="en-US" dirty="0"/>
-          </a:p>
-        </p:txBody>
-      </p:sp>
-      <p:pic>
-        <p:nvPicPr>
-          <p:cNvPr id="4" name="Picture 2" descr="Image result for heinz college logo"/>
-          <p:cNvPicPr>
-            <a:picLocks noChangeAspect="1" noChangeArrowheads="1"/>
-          </p:cNvPicPr>
-          <p:nvPr/>
-        </p:nvPicPr>
-        <p:blipFill rotWithShape="1">
-          <a:blip r:embed="rId2">
-            <a:extLst>
-              <a:ext uri="{28A0092B-C50C-407E-A947-70E740481C1C}">
-                <a14:useLocalDpi xmlns:a14="http://schemas.microsoft.com/office/drawing/2010/main" val="0"/>
-              </a:ext>
-            </a:extLst>
-          </a:blip>
-          <a:srcRect b="6506"/>
-          <a:stretch/>
-        </p:blipFill>
-        <p:spPr bwMode="auto">
-          <a:xfrm>
-            <a:off x="119270" y="5680380"/>
-            <a:ext cx="2007704" cy="652333"/>
-          </a:xfrm>
-          <a:prstGeom prst="rect">
-            <a:avLst/>
-          </a:prstGeom>
-          <a:noFill/>
-          <a:extLst>
-            <a:ext uri="{909E8E84-426E-40DD-AFC4-6F175D3DCCD1}">
-              <a14:hiddenFill xmlns:a14="http://schemas.microsoft.com/office/drawing/2010/main">
-                <a:solidFill>
-                  <a:srgbClr val="FFFFFF"/>
-                </a:solidFill>
-              </a14:hiddenFill>
-            </a:ext>
-          </a:extLst>
-        </p:spPr>
-      </p:pic>
-      <p:sp>
-        <p:nvSpPr>
-          <p:cNvPr id="5" name="TextBox 4"/>
-          <p:cNvSpPr txBox="1"/>
-          <p:nvPr/>
-        </p:nvSpPr>
-        <p:spPr>
-          <a:xfrm>
-            <a:off x="1536885" y="336883"/>
-            <a:ext cx="8887497" cy="646331"/>
-          </a:xfrm>
-          <a:prstGeom prst="rect">
-            <a:avLst/>
-          </a:prstGeom>
-          <a:noFill/>
-        </p:spPr>
-        <p:txBody>
-          <a:bodyPr wrap="square" rtlCol="0">
-            <a:spAutoFit/>
-          </a:bodyPr>
-          <a:lstStyle/>
-          <a:p>
-            <a:r>
-              <a:rPr lang="en-US" altLang="zh-CN" sz="3600" dirty="0" smtClean="0">
-                <a:solidFill>
-                  <a:schemeClr val="bg1"/>
-                </a:solidFill>
-              </a:rPr>
-              <a:t>DATA</a:t>
-            </a:r>
-            <a:r>
-              <a:rPr lang="zh-CN" altLang="en-US" sz="3600" dirty="0" smtClean="0">
-                <a:solidFill>
-                  <a:schemeClr val="bg1"/>
-                </a:solidFill>
-              </a:rPr>
-              <a:t> </a:t>
-            </a:r>
-            <a:r>
-              <a:rPr lang="en-US" altLang="zh-CN" sz="3600" dirty="0" smtClean="0">
-                <a:solidFill>
-                  <a:schemeClr val="bg1"/>
-                </a:solidFill>
-              </a:rPr>
-              <a:t>analysis</a:t>
-            </a:r>
-            <a:r>
-              <a:rPr lang="zh-CN" altLang="en-US" sz="3600" dirty="0" smtClean="0">
-                <a:solidFill>
-                  <a:schemeClr val="bg1"/>
-                </a:solidFill>
-              </a:rPr>
-              <a:t> </a:t>
-            </a:r>
-            <a:r>
-              <a:rPr lang="en-US" altLang="zh-CN" sz="3600" dirty="0" smtClean="0">
-                <a:solidFill>
-                  <a:schemeClr val="bg1"/>
-                </a:solidFill>
-              </a:rPr>
-              <a:t>-</a:t>
-            </a:r>
-            <a:r>
-              <a:rPr lang="zh-CN" altLang="en-US" sz="3600" dirty="0" smtClean="0">
-                <a:solidFill>
-                  <a:schemeClr val="bg1"/>
-                </a:solidFill>
-              </a:rPr>
-              <a:t> </a:t>
-            </a:r>
-            <a:r>
-              <a:rPr lang="en-US" altLang="zh-CN" sz="3600" dirty="0" smtClean="0">
-                <a:solidFill>
-                  <a:schemeClr val="bg1"/>
-                </a:solidFill>
-              </a:rPr>
-              <a:t>I</a:t>
-            </a:r>
-            <a:endParaRPr lang="en-US" sz="3600" dirty="0">
-              <a:solidFill>
-                <a:schemeClr val="bg1"/>
-              </a:solidFill>
-            </a:endParaRPr>
-          </a:p>
-        </p:txBody>
-      </p:sp>
-      <p:sp>
-        <p:nvSpPr>
-          <p:cNvPr id="6" name="Footer Placeholder 5"/>
+          <p:cNvPr id="2" name="Footer Placeholder 1"/>
           <p:cNvSpPr>
             <a:spLocks noGrp="1"/>
           </p:cNvSpPr>
@@ -15481,30 +16343,47 @@
           <a:lstStyle/>
           <a:p>
             <a:r>
-              <a:rPr lang="en-US" altLang="zh-CN" smtClean="0"/>
+              <a:rPr lang="en-US" altLang="zh-CN"/>
               <a:t>1</a:t>
             </a:r>
             <a:endParaRPr lang="en-US" dirty="0"/>
           </a:p>
         </p:txBody>
       </p:sp>
+      <p:pic>
+        <p:nvPicPr>
+          <p:cNvPr id="6" name="Picture 5"/>
+          <p:cNvPicPr>
+            <a:picLocks noChangeAspect="1"/>
+          </p:cNvPicPr>
+          <p:nvPr/>
+        </p:nvPicPr>
+        <p:blipFill>
+          <a:blip r:embed="rId3"/>
+          <a:stretch>
+            <a:fillRect/>
+          </a:stretch>
+        </p:blipFill>
+        <p:spPr>
+          <a:xfrm>
+            <a:off x="2961167" y="1435394"/>
+            <a:ext cx="6248400" cy="4912244"/>
+          </a:xfrm>
+          <a:prstGeom prst="rect">
+            <a:avLst/>
+          </a:prstGeom>
+        </p:spPr>
+      </p:pic>
     </p:spTree>
     <p:extLst>
       <p:ext uri="{BB962C8B-B14F-4D97-AF65-F5344CB8AC3E}">
-        <p14:creationId xmlns:p14="http://schemas.microsoft.com/office/powerpoint/2010/main" val="13097316"/>
+        <p14:creationId xmlns:p14="http://schemas.microsoft.com/office/powerpoint/2010/main" val="1804862881"/>
       </p:ext>
     </p:extLst>
   </p:cSld>
   <p:clrMapOvr>
     <a:masterClrMapping/>
   </p:clrMapOvr>
-  <p:timing>
-    <p:tnLst>
-      <p:par>
-        <p:cTn id="1" dur="indefinite" restart="never" nodeType="tmRoot"/>
-      </p:par>
-    </p:tnLst>
-  </p:timing>
 </p:sld>
 </file>
 
